--- a/sqlAgent/PASS-SQL19_PPT_Vorlage.pptx
+++ b/sqlAgent/PASS-SQL19_PPT_Vorlage.pptx
@@ -10,12 +10,13 @@
     <p:sldId id="275" r:id="rId7"/>
     <p:sldId id="273" r:id="rId8"/>
     <p:sldId id="257" r:id="rId9"/>
-    <p:sldId id="267" r:id="rId10"/>
-    <p:sldId id="270" r:id="rId11"/>
-    <p:sldId id="274" r:id="rId12"/>
-    <p:sldId id="272" r:id="rId13"/>
-    <p:sldId id="260" r:id="rId14"/>
-    <p:sldId id="263" r:id="rId15"/>
+    <p:sldId id="276" r:id="rId10"/>
+    <p:sldId id="267" r:id="rId11"/>
+    <p:sldId id="277" r:id="rId12"/>
+    <p:sldId id="278" r:id="rId13"/>
+    <p:sldId id="272" r:id="rId14"/>
+    <p:sldId id="260" r:id="rId15"/>
+    <p:sldId id="263" r:id="rId16"/>
   </p:sldIdLst>
   <p:sldSz cx="9144000" cy="5143500" type="screen16x9"/>
   <p:notesSz cx="6858000" cy="9144000"/>
@@ -2480,1860 +2481,6 @@
 </file>
 
 <file path=ppt/slides/slide10.xml><?xml version="1.0" encoding="utf-8"?>
-<p:sld xmlns:a="http://schemas.openxmlformats.org/drawingml/2006/main" xmlns:r="http://schemas.openxmlformats.org/officeDocument/2006/relationships" xmlns:p="http://schemas.openxmlformats.org/presentationml/2006/main">
-  <p:cSld>
-    <p:spTree>
-      <p:nvGrpSpPr>
-        <p:cNvPr id="1" name=""/>
-        <p:cNvGrpSpPr/>
-        <p:nvPr/>
-      </p:nvGrpSpPr>
-      <p:grpSpPr>
-        <a:xfrm>
-          <a:off x="0" y="0"/>
-          <a:ext cx="0" cy="0"/>
-          <a:chOff x="0" y="0"/>
-          <a:chExt cx="0" cy="0"/>
-        </a:xfrm>
-      </p:grpSpPr>
-      <p:sp>
-        <p:nvSpPr>
-          <p:cNvPr id="2" name="Titel 1"/>
-          <p:cNvSpPr>
-            <a:spLocks noGrp="1"/>
-          </p:cNvSpPr>
-          <p:nvPr>
-            <p:ph type="title"/>
-          </p:nvPr>
-        </p:nvSpPr>
-        <p:spPr/>
-        <p:txBody>
-          <a:bodyPr/>
-          <a:lstStyle/>
-          <a:p>
-            <a:r>
-              <a:rPr lang="de-DE" dirty="0"/>
-              <a:t>Advanced Functionality</a:t>
-            </a:r>
-          </a:p>
-        </p:txBody>
-      </p:sp>
-      <p:sp>
-        <p:nvSpPr>
-          <p:cNvPr id="3" name="Inhaltsplatzhalter 2"/>
-          <p:cNvSpPr>
-            <a:spLocks noGrp="1"/>
-          </p:cNvSpPr>
-          <p:nvPr>
-            <p:ph idx="1"/>
-          </p:nvPr>
-        </p:nvSpPr>
-        <p:spPr>
-          <a:xfrm>
-            <a:off x="426307" y="1628711"/>
-            <a:ext cx="3362861" cy="2679980"/>
-          </a:xfrm>
-        </p:spPr>
-        <p:txBody>
-          <a:bodyPr/>
-          <a:lstStyle/>
-          <a:p>
-            <a:pPr marL="0" indent="0" fontAlgn="base">
-              <a:buNone/>
-            </a:pPr>
-            <a:r>
-              <a:rPr lang="en-GB" sz="2000" dirty="0">
-                <a:solidFill>
-                  <a:srgbClr val="94AD24"/>
-                </a:solidFill>
-              </a:rPr>
-              <a:t>Move Beyond Maintenance</a:t>
-            </a:r>
-            <a:endParaRPr lang="en-US" sz="2000" dirty="0">
-              <a:solidFill>
-                <a:srgbClr val="94AD24"/>
-              </a:solidFill>
-            </a:endParaRPr>
-          </a:p>
-          <a:p>
-            <a:pPr fontAlgn="base"/>
-            <a:r>
-              <a:rPr lang="en-US" dirty="0"/>
-              <a:t>Scaling</a:t>
-            </a:r>
-          </a:p>
-          <a:p>
-            <a:pPr fontAlgn="base"/>
-            <a:r>
-              <a:rPr lang="en-US" dirty="0"/>
-              <a:t>Backup/Export</a:t>
-            </a:r>
-          </a:p>
-          <a:p>
-            <a:pPr fontAlgn="base"/>
-            <a:r>
-              <a:rPr lang="en-US" dirty="0"/>
-              <a:t>Provisioning</a:t>
-            </a:r>
-          </a:p>
-          <a:p>
-            <a:endParaRPr lang="de-DE" dirty="0"/>
-          </a:p>
-        </p:txBody>
-      </p:sp>
-      <p:sp>
-        <p:nvSpPr>
-          <p:cNvPr id="4" name="TextBox 3">
-            <a:extLst>
-              <a:ext uri="{FF2B5EF4-FFF2-40B4-BE49-F238E27FC236}">
-                <a16:creationId xmlns:a16="http://schemas.microsoft.com/office/drawing/2014/main" id="{518C2D6F-6BFC-4ABA-A535-05358D3C62F9}"/>
-              </a:ext>
-            </a:extLst>
-          </p:cNvPr>
-          <p:cNvSpPr txBox="1"/>
-          <p:nvPr/>
-        </p:nvSpPr>
-        <p:spPr>
-          <a:xfrm>
-            <a:off x="4032568" y="1628711"/>
-            <a:ext cx="3974655" cy="3216265"/>
-          </a:xfrm>
-          <a:prstGeom prst="rect">
-            <a:avLst/>
-          </a:prstGeom>
-          <a:noFill/>
-        </p:spPr>
-        <p:txBody>
-          <a:bodyPr wrap="square" rtlCol="0">
-            <a:spAutoFit/>
-          </a:bodyPr>
-          <a:lstStyle/>
-          <a:p>
-            <a:pPr fontAlgn="base"/>
-            <a:r>
-              <a:rPr lang="en-US" sz="2000" dirty="0">
-                <a:solidFill>
-                  <a:srgbClr val="94AD24"/>
-                </a:solidFill>
-                <a:latin typeface="Open Sans" panose="020B0606030504020204" pitchFamily="34" charset="0"/>
-              </a:rPr>
-              <a:t>Integration</a:t>
-            </a:r>
-          </a:p>
-          <a:p>
-            <a:pPr marL="342900" indent="-342900" fontAlgn="base">
-              <a:buFont typeface="Arial" panose="020B0604020202020204" pitchFamily="34" charset="0"/>
-              <a:buChar char="•"/>
-            </a:pPr>
-            <a:r>
-              <a:rPr lang="en-US" sz="2100" dirty="0">
-                <a:latin typeface="Open Sans" panose="020B0606030504020204" pitchFamily="34" charset="0"/>
-              </a:rPr>
-              <a:t>Event Grid</a:t>
-            </a:r>
-          </a:p>
-          <a:p>
-            <a:pPr marL="342900" indent="-342900" fontAlgn="base">
-              <a:buFont typeface="Arial" panose="020B0604020202020204" pitchFamily="34" charset="0"/>
-              <a:buChar char="•"/>
-            </a:pPr>
-            <a:r>
-              <a:rPr lang="en-US" sz="2100" dirty="0">
-                <a:latin typeface="Open Sans" panose="020B0606030504020204" pitchFamily="34" charset="0"/>
-              </a:rPr>
-              <a:t>Azure Scheduler</a:t>
-            </a:r>
-          </a:p>
-          <a:p>
-            <a:pPr marL="342900" indent="-342900" fontAlgn="base">
-              <a:buFont typeface="Arial" panose="020B0604020202020204" pitchFamily="34" charset="0"/>
-              <a:buChar char="•"/>
-            </a:pPr>
-            <a:r>
-              <a:rPr lang="en-US" sz="2100" dirty="0">
-                <a:latin typeface="Open Sans" panose="020B0606030504020204" pitchFamily="34" charset="0"/>
-              </a:rPr>
-              <a:t>Azure Monitor/Log Analytics/App Insights</a:t>
-            </a:r>
-          </a:p>
-          <a:p>
-            <a:pPr marL="342900" indent="-342900" fontAlgn="base">
-              <a:buFont typeface="Arial" panose="020B0604020202020204" pitchFamily="34" charset="0"/>
-              <a:buChar char="•"/>
-            </a:pPr>
-            <a:r>
-              <a:rPr lang="en-US" sz="2100" dirty="0">
-                <a:latin typeface="Open Sans" panose="020B0606030504020204" pitchFamily="34" charset="0"/>
-              </a:rPr>
-              <a:t>3rd Party Monitoring Systems</a:t>
-            </a:r>
-          </a:p>
-          <a:p>
-            <a:pPr marL="342900" indent="-342900" fontAlgn="base">
-              <a:buFont typeface="Arial" panose="020B0604020202020204" pitchFamily="34" charset="0"/>
-              <a:buChar char="•"/>
-            </a:pPr>
-            <a:r>
-              <a:rPr lang="en-US" sz="2100" dirty="0">
-                <a:latin typeface="Open Sans" panose="020B0606030504020204" pitchFamily="34" charset="0"/>
-              </a:rPr>
-              <a:t>Anything that can make a post request</a:t>
-            </a:r>
-          </a:p>
-          <a:p>
-            <a:endParaRPr lang="en-US" dirty="0"/>
-          </a:p>
-        </p:txBody>
-      </p:sp>
-    </p:spTree>
-    <p:extLst>
-      <p:ext uri="{BB962C8B-B14F-4D97-AF65-F5344CB8AC3E}">
-        <p14:creationId xmlns:p14="http://schemas.microsoft.com/office/powerpoint/2010/main" val="156134736"/>
-      </p:ext>
-    </p:extLst>
-  </p:cSld>
-  <p:clrMapOvr>
-    <a:masterClrMapping/>
-  </p:clrMapOvr>
-</p:sld>
-</file>
-
-<file path=ppt/slides/slide11.xml><?xml version="1.0" encoding="utf-8"?>
-<p:sld xmlns:a="http://schemas.openxmlformats.org/drawingml/2006/main" xmlns:r="http://schemas.openxmlformats.org/officeDocument/2006/relationships" xmlns:p="http://schemas.openxmlformats.org/presentationml/2006/main">
-  <p:cSld>
-    <p:spTree>
-      <p:nvGrpSpPr>
-        <p:cNvPr id="1" name=""/>
-        <p:cNvGrpSpPr/>
-        <p:nvPr/>
-      </p:nvGrpSpPr>
-      <p:grpSpPr>
-        <a:xfrm>
-          <a:off x="0" y="0"/>
-          <a:ext cx="0" cy="0"/>
-          <a:chOff x="0" y="0"/>
-          <a:chExt cx="0" cy="0"/>
-        </a:xfrm>
-      </p:grpSpPr>
-      <p:sp>
-        <p:nvSpPr>
-          <p:cNvPr id="3" name="Textfeld 2"/>
-          <p:cNvSpPr txBox="1"/>
-          <p:nvPr/>
-        </p:nvSpPr>
-        <p:spPr>
-          <a:xfrm>
-            <a:off x="2103120" y="1795112"/>
-            <a:ext cx="6761748" cy="1317027"/>
-          </a:xfrm>
-          <a:prstGeom prst="rect">
-            <a:avLst/>
-          </a:prstGeom>
-          <a:noFill/>
-        </p:spPr>
-        <p:txBody>
-          <a:bodyPr wrap="square" rtlCol="0">
-            <a:spAutoFit/>
-          </a:bodyPr>
-          <a:lstStyle/>
-          <a:p>
-            <a:pPr algn="r">
-              <a:lnSpc>
-                <a:spcPct val="150000"/>
-              </a:lnSpc>
-            </a:pPr>
-            <a:r>
-              <a:rPr lang="de-DE" sz="2800" dirty="0" err="1">
-                <a:solidFill>
-                  <a:schemeClr val="bg1"/>
-                </a:solidFill>
-                <a:latin typeface="Source Sans Pro" pitchFamily="34" charset="0"/>
-              </a:rPr>
-              <a:t>Thank</a:t>
-            </a:r>
-            <a:r>
-              <a:rPr lang="de-DE" sz="2800" dirty="0">
-                <a:solidFill>
-                  <a:schemeClr val="bg1"/>
-                </a:solidFill>
-                <a:latin typeface="Source Sans Pro" pitchFamily="34" charset="0"/>
-              </a:rPr>
-              <a:t> </a:t>
-            </a:r>
-            <a:r>
-              <a:rPr lang="de-DE" sz="2800" dirty="0" err="1">
-                <a:solidFill>
-                  <a:schemeClr val="bg1"/>
-                </a:solidFill>
-                <a:latin typeface="Source Sans Pro" pitchFamily="34" charset="0"/>
-              </a:rPr>
-              <a:t>you</a:t>
-            </a:r>
-            <a:r>
-              <a:rPr lang="de-DE" sz="2800" dirty="0">
-                <a:solidFill>
-                  <a:schemeClr val="bg1"/>
-                </a:solidFill>
-                <a:latin typeface="Source Sans Pro" pitchFamily="34" charset="0"/>
-              </a:rPr>
-              <a:t> </a:t>
-            </a:r>
-            <a:r>
-              <a:rPr lang="de-DE" sz="2800" dirty="0" err="1">
-                <a:solidFill>
-                  <a:schemeClr val="bg1"/>
-                </a:solidFill>
-                <a:latin typeface="Source Sans Pro" pitchFamily="34" charset="0"/>
-              </a:rPr>
-              <a:t>very</a:t>
-            </a:r>
-            <a:r>
-              <a:rPr lang="de-DE" sz="2800" dirty="0">
-                <a:solidFill>
-                  <a:schemeClr val="bg1"/>
-                </a:solidFill>
-                <a:latin typeface="Source Sans Pro" pitchFamily="34" charset="0"/>
-              </a:rPr>
-              <a:t> </a:t>
-            </a:r>
-            <a:r>
-              <a:rPr lang="de-DE" sz="2800" dirty="0" err="1">
-                <a:solidFill>
-                  <a:schemeClr val="bg1"/>
-                </a:solidFill>
-                <a:latin typeface="Source Sans Pro" pitchFamily="34" charset="0"/>
-              </a:rPr>
-              <a:t>much</a:t>
-            </a:r>
-            <a:r>
-              <a:rPr lang="de-DE" sz="2800" dirty="0">
-                <a:solidFill>
-                  <a:schemeClr val="bg1"/>
-                </a:solidFill>
-                <a:latin typeface="Source Sans Pro" pitchFamily="34" charset="0"/>
-              </a:rPr>
-              <a:t> </a:t>
-            </a:r>
-            <a:r>
-              <a:rPr lang="de-DE" sz="2800" dirty="0" err="1">
-                <a:solidFill>
-                  <a:schemeClr val="bg1"/>
-                </a:solidFill>
-                <a:latin typeface="Source Sans Pro" pitchFamily="34" charset="0"/>
-              </a:rPr>
-              <a:t>for</a:t>
-            </a:r>
-            <a:r>
-              <a:rPr lang="de-DE" sz="2800" dirty="0">
-                <a:solidFill>
-                  <a:schemeClr val="bg1"/>
-                </a:solidFill>
-                <a:latin typeface="Source Sans Pro" pitchFamily="34" charset="0"/>
-              </a:rPr>
-              <a:t> </a:t>
-            </a:r>
-            <a:r>
-              <a:rPr lang="de-DE" sz="2800" dirty="0" err="1">
-                <a:solidFill>
-                  <a:schemeClr val="bg1"/>
-                </a:solidFill>
-                <a:latin typeface="Source Sans Pro" pitchFamily="34" charset="0"/>
-              </a:rPr>
-              <a:t>your</a:t>
-            </a:r>
-            <a:r>
-              <a:rPr lang="de-DE" sz="2800" dirty="0">
-                <a:solidFill>
-                  <a:schemeClr val="bg1"/>
-                </a:solidFill>
-                <a:latin typeface="Source Sans Pro" pitchFamily="34" charset="0"/>
-              </a:rPr>
-              <a:t> </a:t>
-            </a:r>
-            <a:r>
-              <a:rPr lang="de-DE" sz="2800" dirty="0" err="1">
-                <a:solidFill>
-                  <a:schemeClr val="bg1"/>
-                </a:solidFill>
-                <a:latin typeface="Source Sans Pro" pitchFamily="34" charset="0"/>
-              </a:rPr>
-              <a:t>attention</a:t>
-            </a:r>
-            <a:r>
-              <a:rPr lang="de-DE" sz="2800" dirty="0">
-                <a:solidFill>
-                  <a:schemeClr val="bg1"/>
-                </a:solidFill>
-                <a:latin typeface="Source Sans Pro" pitchFamily="34" charset="0"/>
-              </a:rPr>
-              <a:t>.</a:t>
-            </a:r>
-            <a:br>
-              <a:rPr lang="de-DE" sz="2800" dirty="0">
-                <a:solidFill>
-                  <a:schemeClr val="bg1"/>
-                </a:solidFill>
-                <a:latin typeface="Source Sans Pro" pitchFamily="34" charset="0"/>
-              </a:rPr>
-            </a:br>
-            <a:r>
-              <a:rPr lang="de-DE" sz="2800" dirty="0">
-                <a:solidFill>
-                  <a:schemeClr val="bg1"/>
-                </a:solidFill>
-                <a:latin typeface="Source Sans Pro" pitchFamily="34" charset="0"/>
-              </a:rPr>
-              <a:t>Vielen Dank für Eure Aufmerksamkeit.</a:t>
-            </a:r>
-          </a:p>
-        </p:txBody>
-      </p:sp>
-    </p:spTree>
-    <p:extLst>
-      <p:ext uri="{BB962C8B-B14F-4D97-AF65-F5344CB8AC3E}">
-        <p14:creationId xmlns:p14="http://schemas.microsoft.com/office/powerpoint/2010/main" val="3864077502"/>
-      </p:ext>
-    </p:extLst>
-  </p:cSld>
-  <p:clrMapOvr>
-    <a:masterClrMapping/>
-  </p:clrMapOvr>
-</p:sld>
-</file>
-
-<file path=ppt/slides/slide2.xml><?xml version="1.0" encoding="utf-8"?>
-<p:sld xmlns:a="http://schemas.openxmlformats.org/drawingml/2006/main" xmlns:r="http://schemas.openxmlformats.org/officeDocument/2006/relationships" xmlns:p="http://schemas.openxmlformats.org/presentationml/2006/main">
-  <p:cSld>
-    <p:spTree>
-      <p:nvGrpSpPr>
-        <p:cNvPr id="1" name=""/>
-        <p:cNvGrpSpPr/>
-        <p:nvPr/>
-      </p:nvGrpSpPr>
-      <p:grpSpPr>
-        <a:xfrm>
-          <a:off x="0" y="0"/>
-          <a:ext cx="0" cy="0"/>
-          <a:chOff x="0" y="0"/>
-          <a:chExt cx="0" cy="0"/>
-        </a:xfrm>
-      </p:grpSpPr>
-      <p:sp>
-        <p:nvSpPr>
-          <p:cNvPr id="5" name="Titel 4"/>
-          <p:cNvSpPr>
-            <a:spLocks noGrp="1"/>
-          </p:cNvSpPr>
-          <p:nvPr>
-            <p:ph type="title"/>
-          </p:nvPr>
-        </p:nvSpPr>
-        <p:spPr>
-          <a:xfrm>
-            <a:off x="240106" y="850380"/>
-            <a:ext cx="7661637" cy="1552298"/>
-          </a:xfrm>
-        </p:spPr>
-        <p:txBody>
-          <a:bodyPr/>
-          <a:lstStyle/>
-          <a:p>
-            <a:r>
-              <a:rPr lang="de-DE" sz="4800" dirty="0"/>
-              <a:t>Sam Cogan</a:t>
-            </a:r>
-            <a:br>
-              <a:rPr lang="de-DE" dirty="0"/>
-            </a:br>
-            <a:r>
-              <a:rPr lang="en-US" dirty="0"/>
-              <a:t>Solution Architect</a:t>
-            </a:r>
-            <a:br>
-              <a:rPr lang="en-US" dirty="0"/>
-            </a:br>
-            <a:r>
-              <a:rPr lang="en-US" dirty="0"/>
-              <a:t>Willis Towers Watson </a:t>
-            </a:r>
-            <a:br>
-              <a:rPr lang="en-US" dirty="0"/>
-            </a:br>
-            <a:br>
-              <a:rPr lang="en-US" dirty="0"/>
-            </a:br>
-            <a:r>
-              <a:rPr lang="en-US" dirty="0"/>
-              <a:t>Microsoft Azure MVP</a:t>
-            </a:r>
-            <a:br>
-              <a:rPr lang="en-US" dirty="0"/>
-            </a:br>
-            <a:br>
-              <a:rPr lang="en-US" dirty="0"/>
-            </a:br>
-            <a:br>
-              <a:rPr lang="en-US" dirty="0"/>
-            </a:br>
-            <a:r>
-              <a:rPr lang="en-US" dirty="0"/>
-              <a:t> samcogan.com</a:t>
-            </a:r>
-            <a:br>
-              <a:rPr lang="en-US" dirty="0"/>
-            </a:br>
-            <a:r>
-              <a:rPr lang="en-US" dirty="0"/>
-              <a:t> @</a:t>
-            </a:r>
-            <a:r>
-              <a:rPr lang="en-US" dirty="0" err="1"/>
-              <a:t>samcogan</a:t>
-            </a:r>
-            <a:br>
-              <a:rPr lang="en-US" dirty="0"/>
-            </a:br>
-            <a:r>
-              <a:rPr lang="en-US" dirty="0"/>
-              <a:t> </a:t>
-            </a:r>
-            <a:r>
-              <a:rPr lang="en-US" dirty="0" err="1"/>
-              <a:t>sam-cogan</a:t>
-            </a:r>
-            <a:endParaRPr lang="de-DE" dirty="0"/>
-          </a:p>
-        </p:txBody>
-      </p:sp>
-      <p:pic>
-        <p:nvPicPr>
-          <p:cNvPr id="3" name="Graphic 2">
-            <a:extLst>
-              <a:ext uri="{FF2B5EF4-FFF2-40B4-BE49-F238E27FC236}">
-                <a16:creationId xmlns:a16="http://schemas.microsoft.com/office/drawing/2014/main" id="{54B87F9A-30C2-4754-97F0-AE253F0FD47C}"/>
-              </a:ext>
-            </a:extLst>
-          </p:cNvPr>
-          <p:cNvPicPr>
-            <a:picLocks noChangeAspect="1"/>
-          </p:cNvPicPr>
-          <p:nvPr/>
-        </p:nvPicPr>
-        <p:blipFill>
-          <a:blip r:embed="rId2" cstate="print">
-            <a:extLst>
-              <a:ext uri="{28A0092B-C50C-407E-A947-70E740481C1C}">
-                <a14:useLocalDpi xmlns:a14="http://schemas.microsoft.com/office/drawing/2010/main" val="0"/>
-              </a:ext>
-              <a:ext uri="{96DAC541-7B7A-43D3-8B79-37D633B846F1}">
-                <asvg:svgBlip xmlns:asvg="http://schemas.microsoft.com/office/drawing/2016/SVG/main" r:embed="rId3"/>
-              </a:ext>
-            </a:extLst>
-          </a:blip>
-          <a:stretch>
-            <a:fillRect/>
-          </a:stretch>
-        </p:blipFill>
-        <p:spPr>
-          <a:xfrm>
-            <a:off x="0" y="4475010"/>
-            <a:ext cx="392405" cy="392405"/>
-          </a:xfrm>
-          <a:prstGeom prst="rect">
-            <a:avLst/>
-          </a:prstGeom>
-        </p:spPr>
-      </p:pic>
-      <p:pic>
-        <p:nvPicPr>
-          <p:cNvPr id="6" name="Graphic 5">
-            <a:extLst>
-              <a:ext uri="{FF2B5EF4-FFF2-40B4-BE49-F238E27FC236}">
-                <a16:creationId xmlns:a16="http://schemas.microsoft.com/office/drawing/2014/main" id="{D9E207EB-C531-4793-90DD-B74D550EDE5A}"/>
-              </a:ext>
-            </a:extLst>
-          </p:cNvPr>
-          <p:cNvPicPr>
-            <a:picLocks noChangeAspect="1"/>
-          </p:cNvPicPr>
-          <p:nvPr/>
-        </p:nvPicPr>
-        <p:blipFill>
-          <a:blip r:embed="rId4" cstate="print">
-            <a:extLst>
-              <a:ext uri="{28A0092B-C50C-407E-A947-70E740481C1C}">
-                <a14:useLocalDpi xmlns:a14="http://schemas.microsoft.com/office/drawing/2010/main" val="0"/>
-              </a:ext>
-              <a:ext uri="{96DAC541-7B7A-43D3-8B79-37D633B846F1}">
-                <asvg:svgBlip xmlns:asvg="http://schemas.microsoft.com/office/drawing/2016/SVG/main" r:embed="rId5"/>
-              </a:ext>
-            </a:extLst>
-          </a:blip>
-          <a:stretch>
-            <a:fillRect/>
-          </a:stretch>
-        </p:blipFill>
-        <p:spPr>
-          <a:xfrm>
-            <a:off x="0" y="4111229"/>
-            <a:ext cx="352413" cy="363781"/>
-          </a:xfrm>
-          <a:prstGeom prst="rect">
-            <a:avLst/>
-          </a:prstGeom>
-        </p:spPr>
-      </p:pic>
-      <p:pic>
-        <p:nvPicPr>
-          <p:cNvPr id="14" name="Graphic 13">
-            <a:extLst>
-              <a:ext uri="{FF2B5EF4-FFF2-40B4-BE49-F238E27FC236}">
-                <a16:creationId xmlns:a16="http://schemas.microsoft.com/office/drawing/2014/main" id="{A6AF9091-15B0-4B32-8156-2E8B94515396}"/>
-              </a:ext>
-            </a:extLst>
-          </p:cNvPr>
-          <p:cNvPicPr>
-            <a:picLocks noChangeAspect="1"/>
-          </p:cNvPicPr>
-          <p:nvPr/>
-        </p:nvPicPr>
-        <p:blipFill>
-          <a:blip r:embed="rId6" cstate="print">
-            <a:extLst>
-              <a:ext uri="{28A0092B-C50C-407E-A947-70E740481C1C}">
-                <a14:useLocalDpi xmlns:a14="http://schemas.microsoft.com/office/drawing/2010/main" val="0"/>
-              </a:ext>
-              <a:ext uri="{96DAC541-7B7A-43D3-8B79-37D633B846F1}">
-                <asvg:svgBlip xmlns:asvg="http://schemas.microsoft.com/office/drawing/2016/SVG/main" r:embed="rId7"/>
-              </a:ext>
-            </a:extLst>
-          </a:blip>
-          <a:stretch>
-            <a:fillRect/>
-          </a:stretch>
-        </p:blipFill>
-        <p:spPr>
-          <a:xfrm>
-            <a:off x="-1" y="4893727"/>
-            <a:ext cx="352414" cy="363782"/>
-          </a:xfrm>
-          <a:prstGeom prst="rect">
-            <a:avLst/>
-          </a:prstGeom>
-        </p:spPr>
-      </p:pic>
-    </p:spTree>
-    <p:extLst>
-      <p:ext uri="{BB962C8B-B14F-4D97-AF65-F5344CB8AC3E}">
-        <p14:creationId xmlns:p14="http://schemas.microsoft.com/office/powerpoint/2010/main" val="555018502"/>
-      </p:ext>
-    </p:extLst>
-  </p:cSld>
-  <p:clrMapOvr>
-    <a:masterClrMapping/>
-  </p:clrMapOvr>
-</p:sld>
-</file>
-
-<file path=ppt/slides/slide3.xml><?xml version="1.0" encoding="utf-8"?>
-<p:sld xmlns:a="http://schemas.openxmlformats.org/drawingml/2006/main" xmlns:r="http://schemas.openxmlformats.org/officeDocument/2006/relationships" xmlns:p="http://schemas.openxmlformats.org/presentationml/2006/main">
-  <p:cSld>
-    <p:spTree>
-      <p:nvGrpSpPr>
-        <p:cNvPr id="1" name=""/>
-        <p:cNvGrpSpPr/>
-        <p:nvPr/>
-      </p:nvGrpSpPr>
-      <p:grpSpPr>
-        <a:xfrm>
-          <a:off x="0" y="0"/>
-          <a:ext cx="0" cy="0"/>
-          <a:chOff x="0" y="0"/>
-          <a:chExt cx="0" cy="0"/>
-        </a:xfrm>
-      </p:grpSpPr>
-      <p:pic>
-        <p:nvPicPr>
-          <p:cNvPr id="3074" name="Picture 2" descr="Image result for azure sql paas iaas">
-            <a:extLst>
-              <a:ext uri="{FF2B5EF4-FFF2-40B4-BE49-F238E27FC236}">
-                <a16:creationId xmlns:a16="http://schemas.microsoft.com/office/drawing/2014/main" id="{8557CB8B-0CFA-48AE-B479-F989644A62B6}"/>
-              </a:ext>
-            </a:extLst>
-          </p:cNvPr>
-          <p:cNvPicPr>
-            <a:picLocks noChangeAspect="1" noChangeArrowheads="1"/>
-          </p:cNvPicPr>
-          <p:nvPr/>
-        </p:nvPicPr>
-        <p:blipFill>
-          <a:blip r:embed="rId2">
-            <a:extLst>
-              <a:ext uri="{28A0092B-C50C-407E-A947-70E740481C1C}">
-                <a14:useLocalDpi xmlns:a14="http://schemas.microsoft.com/office/drawing/2010/main" val="0"/>
-              </a:ext>
-            </a:extLst>
-          </a:blip>
-          <a:srcRect/>
-          <a:stretch>
-            <a:fillRect/>
-          </a:stretch>
-        </p:blipFill>
-        <p:spPr bwMode="auto">
-          <a:xfrm>
-            <a:off x="1502037" y="722085"/>
-            <a:ext cx="6139925" cy="4082734"/>
-          </a:xfrm>
-          <a:prstGeom prst="rect">
-            <a:avLst/>
-          </a:prstGeom>
-          <a:noFill/>
-          <a:extLst>
-            <a:ext uri="{909E8E84-426E-40DD-AFC4-6F175D3DCCD1}">
-              <a14:hiddenFill xmlns:a14="http://schemas.microsoft.com/office/drawing/2010/main">
-                <a:solidFill>
-                  <a:srgbClr val="FFFFFF"/>
-                </a:solidFill>
-              </a14:hiddenFill>
-            </a:ext>
-          </a:extLst>
-        </p:spPr>
-      </p:pic>
-    </p:spTree>
-    <p:extLst>
-      <p:ext uri="{BB962C8B-B14F-4D97-AF65-F5344CB8AC3E}">
-        <p14:creationId xmlns:p14="http://schemas.microsoft.com/office/powerpoint/2010/main" val="1743808188"/>
-      </p:ext>
-    </p:extLst>
-  </p:cSld>
-  <p:clrMapOvr>
-    <a:masterClrMapping/>
-  </p:clrMapOvr>
-</p:sld>
-</file>
-
-<file path=ppt/slides/slide4.xml><?xml version="1.0" encoding="utf-8"?>
-<p:sld xmlns:a="http://schemas.openxmlformats.org/drawingml/2006/main" xmlns:r="http://schemas.openxmlformats.org/officeDocument/2006/relationships" xmlns:p="http://schemas.openxmlformats.org/presentationml/2006/main">
-  <p:cSld>
-    <p:spTree>
-      <p:nvGrpSpPr>
-        <p:cNvPr id="1" name=""/>
-        <p:cNvGrpSpPr/>
-        <p:nvPr/>
-      </p:nvGrpSpPr>
-      <p:grpSpPr>
-        <a:xfrm>
-          <a:off x="0" y="0"/>
-          <a:ext cx="0" cy="0"/>
-          <a:chOff x="0" y="0"/>
-          <a:chExt cx="0" cy="0"/>
-        </a:xfrm>
-      </p:grpSpPr>
-      <p:sp>
-        <p:nvSpPr>
-          <p:cNvPr id="2" name="Titel 1"/>
-          <p:cNvSpPr>
-            <a:spLocks noGrp="1"/>
-          </p:cNvSpPr>
-          <p:nvPr>
-            <p:ph type="title"/>
-          </p:nvPr>
-        </p:nvSpPr>
-        <p:spPr/>
-        <p:txBody>
-          <a:bodyPr/>
-          <a:lstStyle/>
-          <a:p>
-            <a:r>
-              <a:rPr lang="de-DE" dirty="0"/>
-              <a:t>SQL Agent Alternatves</a:t>
-            </a:r>
-          </a:p>
-        </p:txBody>
-      </p:sp>
-      <p:sp>
-        <p:nvSpPr>
-          <p:cNvPr id="3" name="Inhaltsplatzhalter 2"/>
-          <p:cNvSpPr>
-            <a:spLocks noGrp="1"/>
-          </p:cNvSpPr>
-          <p:nvPr>
-            <p:ph idx="1"/>
-          </p:nvPr>
-        </p:nvSpPr>
-        <p:spPr/>
-        <p:txBody>
-          <a:bodyPr/>
-          <a:lstStyle/>
-          <a:p>
-            <a:pPr marL="0" indent="0">
-              <a:buNone/>
-            </a:pPr>
-            <a:r>
-              <a:rPr lang="de-DE" b="1" dirty="0"/>
-              <a:t>SQL Agent is not present in Azure SQL</a:t>
-            </a:r>
-          </a:p>
-        </p:txBody>
-      </p:sp>
-      <p:grpSp>
-        <p:nvGrpSpPr>
-          <p:cNvPr id="23" name="Group 22">
-            <a:extLst>
-              <a:ext uri="{FF2B5EF4-FFF2-40B4-BE49-F238E27FC236}">
-                <a16:creationId xmlns:a16="http://schemas.microsoft.com/office/drawing/2014/main" id="{1E3CA40D-C034-4C06-A212-C6092C88BF2F}"/>
-              </a:ext>
-            </a:extLst>
-          </p:cNvPr>
-          <p:cNvGrpSpPr/>
-          <p:nvPr/>
-        </p:nvGrpSpPr>
-        <p:grpSpPr>
-          <a:xfrm>
-            <a:off x="5183001" y="3075449"/>
-            <a:ext cx="1448666" cy="1209728"/>
-            <a:chOff x="299620" y="2067492"/>
-            <a:chExt cx="1448666" cy="1209728"/>
-          </a:xfrm>
-        </p:grpSpPr>
-        <p:pic>
-          <p:nvPicPr>
-            <p:cNvPr id="11" name="Picture 10" descr="A close up of a sign&#10;&#10;Description automatically generated">
-              <a:extLst>
-                <a:ext uri="{FF2B5EF4-FFF2-40B4-BE49-F238E27FC236}">
-                  <a16:creationId xmlns:a16="http://schemas.microsoft.com/office/drawing/2014/main" id="{0DB7C572-33F6-4CE7-806D-FBBF48F3C42C}"/>
-                </a:ext>
-              </a:extLst>
-            </p:cNvPr>
-            <p:cNvPicPr>
-              <a:picLocks noChangeAspect="1"/>
-            </p:cNvPicPr>
-            <p:nvPr/>
-          </p:nvPicPr>
-          <p:blipFill>
-            <a:blip r:embed="rId2" cstate="print">
-              <a:extLst>
-                <a:ext uri="{28A0092B-C50C-407E-A947-70E740481C1C}">
-                  <a14:useLocalDpi xmlns:a14="http://schemas.microsoft.com/office/drawing/2010/main" val="0"/>
-                </a:ext>
-              </a:extLst>
-            </a:blip>
-            <a:stretch>
-              <a:fillRect/>
-            </a:stretch>
-          </p:blipFill>
-          <p:spPr>
-            <a:xfrm>
-              <a:off x="519695" y="2067492"/>
-              <a:ext cx="1008516" cy="1008516"/>
-            </a:xfrm>
-            <a:prstGeom prst="rect">
-              <a:avLst/>
-            </a:prstGeom>
-          </p:spPr>
-        </p:pic>
-        <p:sp>
-          <p:nvSpPr>
-            <p:cNvPr id="22" name="TextBox 21">
-              <a:extLst>
-                <a:ext uri="{FF2B5EF4-FFF2-40B4-BE49-F238E27FC236}">
-                  <a16:creationId xmlns:a16="http://schemas.microsoft.com/office/drawing/2014/main" id="{B17606DE-1E56-4596-8E0E-0B678C7BA9D4}"/>
-                </a:ext>
-              </a:extLst>
-            </p:cNvPr>
-            <p:cNvSpPr txBox="1"/>
-            <p:nvPr/>
-          </p:nvSpPr>
-          <p:spPr>
-            <a:xfrm>
-              <a:off x="299620" y="2969443"/>
-              <a:ext cx="1448666" cy="307777"/>
-            </a:xfrm>
-            <a:prstGeom prst="rect">
-              <a:avLst/>
-            </a:prstGeom>
-            <a:noFill/>
-          </p:spPr>
-          <p:txBody>
-            <a:bodyPr wrap="none" rtlCol="0">
-              <a:spAutoFit/>
-            </a:bodyPr>
-            <a:lstStyle/>
-            <a:p>
-              <a:r>
-                <a:rPr lang="en-GB" dirty="0">
-                  <a:latin typeface="Open Sans" panose="020B0606030504020204"/>
-                </a:rPr>
-                <a:t>Azure Functions</a:t>
-              </a:r>
-              <a:endParaRPr lang="en-US" dirty="0">
-                <a:latin typeface="Open Sans" panose="020B0606030504020204"/>
-              </a:endParaRPr>
-            </a:p>
-          </p:txBody>
-        </p:sp>
-      </p:grpSp>
-      <p:grpSp>
-        <p:nvGrpSpPr>
-          <p:cNvPr id="25" name="Group 24">
-            <a:extLst>
-              <a:ext uri="{FF2B5EF4-FFF2-40B4-BE49-F238E27FC236}">
-                <a16:creationId xmlns:a16="http://schemas.microsoft.com/office/drawing/2014/main" id="{CB63A73D-F0CB-49F6-9521-F888B89AAB93}"/>
-              </a:ext>
-            </a:extLst>
-          </p:cNvPr>
-          <p:cNvGrpSpPr/>
-          <p:nvPr/>
-        </p:nvGrpSpPr>
-        <p:grpSpPr>
-          <a:xfrm>
-            <a:off x="1593269" y="3076377"/>
-            <a:ext cx="1643399" cy="1318632"/>
-            <a:chOff x="2049397" y="2496930"/>
-            <a:chExt cx="1643399" cy="1318632"/>
-          </a:xfrm>
-        </p:grpSpPr>
-        <p:pic>
-          <p:nvPicPr>
-            <p:cNvPr id="15" name="Picture 14" descr="A close up of a sign&#10;&#10;Description automatically generated">
-              <a:extLst>
-                <a:ext uri="{FF2B5EF4-FFF2-40B4-BE49-F238E27FC236}">
-                  <a16:creationId xmlns:a16="http://schemas.microsoft.com/office/drawing/2014/main" id="{B0013047-485C-44A6-AA23-553557840C84}"/>
-                </a:ext>
-              </a:extLst>
-            </p:cNvPr>
-            <p:cNvPicPr>
-              <a:picLocks noChangeAspect="1"/>
-            </p:cNvPicPr>
-            <p:nvPr/>
-          </p:nvPicPr>
-          <p:blipFill>
-            <a:blip r:embed="rId3" cstate="print">
-              <a:extLst>
-                <a:ext uri="{28A0092B-C50C-407E-A947-70E740481C1C}">
-                  <a14:useLocalDpi xmlns:a14="http://schemas.microsoft.com/office/drawing/2010/main" val="0"/>
-                </a:ext>
-              </a:extLst>
-            </a:blip>
-            <a:stretch>
-              <a:fillRect/>
-            </a:stretch>
-          </p:blipFill>
-          <p:spPr>
-            <a:xfrm>
-              <a:off x="2480952" y="2496930"/>
-              <a:ext cx="780290" cy="780290"/>
-            </a:xfrm>
-            <a:prstGeom prst="rect">
-              <a:avLst/>
-            </a:prstGeom>
-          </p:spPr>
-        </p:pic>
-        <p:sp>
-          <p:nvSpPr>
-            <p:cNvPr id="24" name="TextBox 23">
-              <a:extLst>
-                <a:ext uri="{FF2B5EF4-FFF2-40B4-BE49-F238E27FC236}">
-                  <a16:creationId xmlns:a16="http://schemas.microsoft.com/office/drawing/2014/main" id="{6A0FB549-98C0-46B2-A37B-47C869B42A1A}"/>
-                </a:ext>
-              </a:extLst>
-            </p:cNvPr>
-            <p:cNvSpPr txBox="1"/>
-            <p:nvPr/>
-          </p:nvSpPr>
-          <p:spPr>
-            <a:xfrm>
-              <a:off x="2049397" y="3292342"/>
-              <a:ext cx="1643399" cy="523220"/>
-            </a:xfrm>
-            <a:prstGeom prst="rect">
-              <a:avLst/>
-            </a:prstGeom>
-            <a:noFill/>
-          </p:spPr>
-          <p:txBody>
-            <a:bodyPr wrap="none" rtlCol="0">
-              <a:spAutoFit/>
-            </a:bodyPr>
-            <a:lstStyle/>
-            <a:p>
-              <a:pPr algn="ctr"/>
-              <a:r>
-                <a:rPr lang="en-GB" dirty="0">
-                  <a:latin typeface="Open Sans" panose="020B0606030504020204"/>
-                </a:rPr>
-                <a:t>Azure SQL </a:t>
-              </a:r>
-            </a:p>
-            <a:p>
-              <a:pPr algn="ctr"/>
-              <a:r>
-                <a:rPr lang="en-GB" dirty="0">
-                  <a:latin typeface="Open Sans" panose="020B0606030504020204"/>
-                </a:rPr>
-                <a:t>Managed Instance</a:t>
-              </a:r>
-              <a:endParaRPr lang="en-US" dirty="0">
-                <a:latin typeface="Open Sans" panose="020B0606030504020204"/>
-              </a:endParaRPr>
-            </a:p>
-          </p:txBody>
-        </p:sp>
-      </p:grpSp>
-      <p:grpSp>
-        <p:nvGrpSpPr>
-          <p:cNvPr id="28" name="Group 27">
-            <a:extLst>
-              <a:ext uri="{FF2B5EF4-FFF2-40B4-BE49-F238E27FC236}">
-                <a16:creationId xmlns:a16="http://schemas.microsoft.com/office/drawing/2014/main" id="{9B5051FC-1078-4212-8D85-C46C29BBBB4D}"/>
-              </a:ext>
-            </a:extLst>
-          </p:cNvPr>
-          <p:cNvGrpSpPr/>
-          <p:nvPr/>
-        </p:nvGrpSpPr>
-        <p:grpSpPr>
-          <a:xfrm>
-            <a:off x="6454875" y="1885502"/>
-            <a:ext cx="1625188" cy="1328840"/>
-            <a:chOff x="3759406" y="1834967"/>
-            <a:chExt cx="1625188" cy="1328840"/>
-          </a:xfrm>
-        </p:grpSpPr>
-        <p:pic>
-          <p:nvPicPr>
-            <p:cNvPr id="9" name="Picture 8" descr="A picture containing transport&#10;&#10;Description automatically generated">
-              <a:extLst>
-                <a:ext uri="{FF2B5EF4-FFF2-40B4-BE49-F238E27FC236}">
-                  <a16:creationId xmlns:a16="http://schemas.microsoft.com/office/drawing/2014/main" id="{06FDBE38-7389-4DAC-9BEF-D69EDDD2EAAD}"/>
-                </a:ext>
-              </a:extLst>
-            </p:cNvPr>
-            <p:cNvPicPr>
-              <a:picLocks noChangeAspect="1"/>
-            </p:cNvPicPr>
-            <p:nvPr/>
-          </p:nvPicPr>
-          <p:blipFill>
-            <a:blip r:embed="rId4" cstate="print">
-              <a:extLst>
-                <a:ext uri="{28A0092B-C50C-407E-A947-70E740481C1C}">
-                  <a14:useLocalDpi xmlns:a14="http://schemas.microsoft.com/office/drawing/2010/main" val="0"/>
-                </a:ext>
-              </a:extLst>
-            </a:blip>
-            <a:stretch>
-              <a:fillRect/>
-            </a:stretch>
-          </p:blipFill>
-          <p:spPr>
-            <a:xfrm>
-              <a:off x="4181855" y="1834967"/>
-              <a:ext cx="1126928" cy="1126928"/>
-            </a:xfrm>
-            <a:prstGeom prst="rect">
-              <a:avLst/>
-            </a:prstGeom>
-          </p:spPr>
-        </p:pic>
-        <p:sp>
-          <p:nvSpPr>
-            <p:cNvPr id="26" name="TextBox 25">
-              <a:extLst>
-                <a:ext uri="{FF2B5EF4-FFF2-40B4-BE49-F238E27FC236}">
-                  <a16:creationId xmlns:a16="http://schemas.microsoft.com/office/drawing/2014/main" id="{543EA680-64D1-4CCD-972F-E1511E097958}"/>
-                </a:ext>
-              </a:extLst>
-            </p:cNvPr>
-            <p:cNvSpPr txBox="1"/>
-            <p:nvPr/>
-          </p:nvSpPr>
-          <p:spPr>
-            <a:xfrm>
-              <a:off x="3759406" y="2856030"/>
-              <a:ext cx="1625188" cy="307777"/>
-            </a:xfrm>
-            <a:prstGeom prst="rect">
-              <a:avLst/>
-            </a:prstGeom>
-            <a:noFill/>
-          </p:spPr>
-          <p:txBody>
-            <a:bodyPr wrap="none" rtlCol="0">
-              <a:spAutoFit/>
-            </a:bodyPr>
-            <a:lstStyle/>
-            <a:p>
-              <a:r>
-                <a:rPr lang="en-GB" dirty="0">
-                  <a:latin typeface="Open Sans" panose="020B0606030504020204"/>
-                </a:rPr>
-                <a:t>Azure Automation</a:t>
-              </a:r>
-              <a:endParaRPr lang="en-US" dirty="0">
-                <a:latin typeface="Open Sans" panose="020B0606030504020204"/>
-              </a:endParaRPr>
-            </a:p>
-          </p:txBody>
-        </p:sp>
-      </p:grpSp>
-      <p:grpSp>
-        <p:nvGrpSpPr>
-          <p:cNvPr id="30" name="Group 29">
-            <a:extLst>
-              <a:ext uri="{FF2B5EF4-FFF2-40B4-BE49-F238E27FC236}">
-                <a16:creationId xmlns:a16="http://schemas.microsoft.com/office/drawing/2014/main" id="{01B154A4-C397-4332-8412-6E0F3EB8C967}"/>
-              </a:ext>
-            </a:extLst>
-          </p:cNvPr>
-          <p:cNvGrpSpPr/>
-          <p:nvPr/>
-        </p:nvGrpSpPr>
-        <p:grpSpPr>
-          <a:xfrm>
-            <a:off x="3426826" y="1929158"/>
-            <a:ext cx="1850443" cy="1285184"/>
-            <a:chOff x="6051467" y="1420896"/>
-            <a:chExt cx="1850443" cy="1285184"/>
-          </a:xfrm>
-        </p:grpSpPr>
-        <p:pic>
-          <p:nvPicPr>
-            <p:cNvPr id="19" name="Picture 18">
-              <a:extLst>
-                <a:ext uri="{FF2B5EF4-FFF2-40B4-BE49-F238E27FC236}">
-                  <a16:creationId xmlns:a16="http://schemas.microsoft.com/office/drawing/2014/main" id="{10C25683-8742-4BA4-B25E-2E02FBEE0E41}"/>
-                </a:ext>
-              </a:extLst>
-            </p:cNvPr>
-            <p:cNvPicPr>
-              <a:picLocks noChangeAspect="1"/>
-            </p:cNvPicPr>
-            <p:nvPr/>
-          </p:nvPicPr>
-          <p:blipFill>
-            <a:blip r:embed="rId5" cstate="print">
-              <a:extLst>
-                <a:ext uri="{28A0092B-C50C-407E-A947-70E740481C1C}">
-                  <a14:useLocalDpi xmlns:a14="http://schemas.microsoft.com/office/drawing/2010/main" val="0"/>
-                </a:ext>
-              </a:extLst>
-            </a:blip>
-            <a:stretch>
-              <a:fillRect/>
-            </a:stretch>
-          </p:blipFill>
-          <p:spPr>
-            <a:xfrm>
-              <a:off x="6413226" y="1420896"/>
-              <a:ext cx="1126927" cy="1126927"/>
-            </a:xfrm>
-            <a:prstGeom prst="rect">
-              <a:avLst/>
-            </a:prstGeom>
-          </p:spPr>
-        </p:pic>
-        <p:sp>
-          <p:nvSpPr>
-            <p:cNvPr id="29" name="TextBox 28">
-              <a:extLst>
-                <a:ext uri="{FF2B5EF4-FFF2-40B4-BE49-F238E27FC236}">
-                  <a16:creationId xmlns:a16="http://schemas.microsoft.com/office/drawing/2014/main" id="{F671F576-F191-4194-968C-72CCDC5C0FE5}"/>
-                </a:ext>
-              </a:extLst>
-            </p:cNvPr>
-            <p:cNvSpPr txBox="1"/>
-            <p:nvPr/>
-          </p:nvSpPr>
-          <p:spPr>
-            <a:xfrm>
-              <a:off x="6051467" y="2398303"/>
-              <a:ext cx="1850443" cy="307777"/>
-            </a:xfrm>
-            <a:prstGeom prst="rect">
-              <a:avLst/>
-            </a:prstGeom>
-            <a:noFill/>
-          </p:spPr>
-          <p:txBody>
-            <a:bodyPr wrap="none" rtlCol="0">
-              <a:spAutoFit/>
-            </a:bodyPr>
-            <a:lstStyle/>
-            <a:p>
-              <a:r>
-                <a:rPr lang="en-GB" dirty="0"/>
-                <a:t>Azure SQL Elastics Jobs</a:t>
-              </a:r>
-              <a:endParaRPr lang="en-US" dirty="0"/>
-            </a:p>
-          </p:txBody>
-        </p:sp>
-      </p:grpSp>
-      <p:grpSp>
-        <p:nvGrpSpPr>
-          <p:cNvPr id="32" name="Group 31">
-            <a:extLst>
-              <a:ext uri="{FF2B5EF4-FFF2-40B4-BE49-F238E27FC236}">
-                <a16:creationId xmlns:a16="http://schemas.microsoft.com/office/drawing/2014/main" id="{46818DCA-77AA-47A1-838E-465028D40C79}"/>
-              </a:ext>
-            </a:extLst>
-          </p:cNvPr>
-          <p:cNvGrpSpPr/>
-          <p:nvPr/>
-        </p:nvGrpSpPr>
-        <p:grpSpPr>
-          <a:xfrm>
-            <a:off x="512899" y="2157265"/>
-            <a:ext cx="923727" cy="1226889"/>
-            <a:chOff x="6039073" y="2773661"/>
-            <a:chExt cx="923727" cy="1226889"/>
-          </a:xfrm>
-        </p:grpSpPr>
-        <p:pic>
-          <p:nvPicPr>
-            <p:cNvPr id="21" name="Picture 20" descr="A picture containing electronics, display&#10;&#10;Description automatically generated">
-              <a:extLst>
-                <a:ext uri="{FF2B5EF4-FFF2-40B4-BE49-F238E27FC236}">
-                  <a16:creationId xmlns:a16="http://schemas.microsoft.com/office/drawing/2014/main" id="{C03E3B11-33DC-4DA0-AF97-2FEDE8DAC5F5}"/>
-                </a:ext>
-              </a:extLst>
-            </p:cNvPr>
-            <p:cNvPicPr>
-              <a:picLocks noChangeAspect="1"/>
-            </p:cNvPicPr>
-            <p:nvPr/>
-          </p:nvPicPr>
-          <p:blipFill>
-            <a:blip r:embed="rId6" cstate="print">
-              <a:extLst>
-                <a:ext uri="{28A0092B-C50C-407E-A947-70E740481C1C}">
-                  <a14:useLocalDpi xmlns:a14="http://schemas.microsoft.com/office/drawing/2010/main" val="0"/>
-                </a:ext>
-              </a:extLst>
-            </a:blip>
-            <a:stretch>
-              <a:fillRect/>
-            </a:stretch>
-          </p:blipFill>
-          <p:spPr>
-            <a:xfrm>
-              <a:off x="6039073" y="2773661"/>
-              <a:ext cx="923727" cy="923727"/>
-            </a:xfrm>
-            <a:prstGeom prst="rect">
-              <a:avLst/>
-            </a:prstGeom>
-          </p:spPr>
-        </p:pic>
-        <p:sp>
-          <p:nvSpPr>
-            <p:cNvPr id="31" name="TextBox 30">
-              <a:extLst>
-                <a:ext uri="{FF2B5EF4-FFF2-40B4-BE49-F238E27FC236}">
-                  <a16:creationId xmlns:a16="http://schemas.microsoft.com/office/drawing/2014/main" id="{F98A44E5-DDC6-4400-A8A2-2AFBE37515D0}"/>
-                </a:ext>
-              </a:extLst>
-            </p:cNvPr>
-            <p:cNvSpPr txBox="1"/>
-            <p:nvPr/>
-          </p:nvSpPr>
-          <p:spPr>
-            <a:xfrm>
-              <a:off x="6084032" y="3692773"/>
-              <a:ext cx="801823" cy="307777"/>
-            </a:xfrm>
-            <a:prstGeom prst="rect">
-              <a:avLst/>
-            </a:prstGeom>
-            <a:noFill/>
-          </p:spPr>
-          <p:txBody>
-            <a:bodyPr wrap="none" rtlCol="0">
-              <a:spAutoFit/>
-            </a:bodyPr>
-            <a:lstStyle/>
-            <a:p>
-              <a:r>
-                <a:rPr lang="en-GB" dirty="0"/>
-                <a:t>SQL IaaS</a:t>
-              </a:r>
-              <a:endParaRPr lang="en-US" dirty="0"/>
-            </a:p>
-          </p:txBody>
-        </p:sp>
-      </p:grpSp>
-    </p:spTree>
-    <p:extLst>
-      <p:ext uri="{BB962C8B-B14F-4D97-AF65-F5344CB8AC3E}">
-        <p14:creationId xmlns:p14="http://schemas.microsoft.com/office/powerpoint/2010/main" val="3519242471"/>
-      </p:ext>
-    </p:extLst>
-  </p:cSld>
-  <p:clrMapOvr>
-    <a:masterClrMapping/>
-  </p:clrMapOvr>
-</p:sld>
-</file>
-
-<file path=ppt/slides/slide5.xml><?xml version="1.0" encoding="utf-8"?>
-<p:sld xmlns:a="http://schemas.openxmlformats.org/drawingml/2006/main" xmlns:r="http://schemas.openxmlformats.org/officeDocument/2006/relationships" xmlns:p="http://schemas.openxmlformats.org/presentationml/2006/main">
-  <p:cSld>
-    <p:spTree>
-      <p:nvGrpSpPr>
-        <p:cNvPr id="1" name=""/>
-        <p:cNvGrpSpPr/>
-        <p:nvPr/>
-      </p:nvGrpSpPr>
-      <p:grpSpPr>
-        <a:xfrm>
-          <a:off x="0" y="0"/>
-          <a:ext cx="0" cy="0"/>
-          <a:chOff x="0" y="0"/>
-          <a:chExt cx="0" cy="0"/>
-        </a:xfrm>
-      </p:grpSpPr>
-      <p:sp>
-        <p:nvSpPr>
-          <p:cNvPr id="4" name="Titel 3"/>
-          <p:cNvSpPr>
-            <a:spLocks noGrp="1"/>
-          </p:cNvSpPr>
-          <p:nvPr>
-            <p:ph type="title"/>
-          </p:nvPr>
-        </p:nvSpPr>
-        <p:spPr/>
-        <p:txBody>
-          <a:bodyPr/>
-          <a:lstStyle/>
-          <a:p>
-            <a:r>
-              <a:rPr lang="en-US" b="1" cap="all" dirty="0"/>
-              <a:t>ELASTIC DATABASE JOBS</a:t>
-            </a:r>
-            <a:endParaRPr lang="de-DE" dirty="0"/>
-          </a:p>
-        </p:txBody>
-      </p:sp>
-      <p:sp>
-        <p:nvSpPr>
-          <p:cNvPr id="5" name="Inhaltsplatzhalter 4"/>
-          <p:cNvSpPr>
-            <a:spLocks noGrp="1"/>
-          </p:cNvSpPr>
-          <p:nvPr>
-            <p:ph idx="1"/>
-          </p:nvPr>
-        </p:nvSpPr>
-        <p:spPr>
-          <a:xfrm>
-            <a:off x="426308" y="1628711"/>
-            <a:ext cx="8007178" cy="2992788"/>
-          </a:xfrm>
-        </p:spPr>
-        <p:txBody>
-          <a:bodyPr/>
-          <a:lstStyle/>
-          <a:p>
-            <a:pPr fontAlgn="base"/>
-            <a:r>
-              <a:rPr lang="en-US" sz="1800" dirty="0"/>
-              <a:t>Run jobs in parallel across databases</a:t>
-            </a:r>
-          </a:p>
-          <a:p>
-            <a:pPr fontAlgn="base"/>
-            <a:r>
-              <a:rPr lang="en-US" sz="1800" dirty="0"/>
-              <a:t>Jobs written in T-SQL</a:t>
-            </a:r>
-          </a:p>
-          <a:p>
-            <a:pPr fontAlgn="base"/>
-            <a:r>
-              <a:rPr lang="en-US" sz="1800" dirty="0"/>
-              <a:t>Supports SQL Databases, Servers and Elastic Pools</a:t>
-            </a:r>
-          </a:p>
-          <a:p>
-            <a:pPr fontAlgn="base"/>
-            <a:r>
-              <a:rPr lang="en-US" sz="1800" dirty="0"/>
-              <a:t>Jobs can run across subscription</a:t>
-            </a:r>
-          </a:p>
-          <a:p>
-            <a:pPr fontAlgn="base"/>
-            <a:r>
-              <a:rPr lang="en-US" sz="1800" dirty="0"/>
-              <a:t>One-off or scheduled execution</a:t>
-            </a:r>
-          </a:p>
-          <a:p>
-            <a:pPr fontAlgn="base"/>
-            <a:r>
-              <a:rPr lang="en-US" sz="1800" dirty="0"/>
-              <a:t>Performance, cost and scale depends on Job DB</a:t>
-            </a:r>
-          </a:p>
-          <a:p>
-            <a:pPr fontAlgn="base"/>
-            <a:r>
-              <a:rPr lang="en-US" sz="1800" dirty="0"/>
-              <a:t>Currently in Preview</a:t>
-            </a:r>
-          </a:p>
-          <a:p>
-            <a:pPr fontAlgn="base"/>
-            <a:r>
-              <a:rPr lang="en-US" sz="1800" dirty="0"/>
-              <a:t>Administration is all PowerShell or T-SQL (no GUI)</a:t>
-            </a:r>
-          </a:p>
-          <a:p>
-            <a:pPr marL="0" indent="0" fontAlgn="base">
-              <a:buNone/>
-            </a:pPr>
-            <a:r>
-              <a:rPr lang="en-US" b="1" dirty="0">
-                <a:solidFill>
-                  <a:srgbClr val="94AD24"/>
-                </a:solidFill>
-              </a:rPr>
-              <a:t>Cost: £10 - £3000 per month</a:t>
-            </a:r>
-          </a:p>
-          <a:p>
-            <a:pPr marL="0" indent="0">
-              <a:buNone/>
-            </a:pPr>
-            <a:endParaRPr lang="de-DE" dirty="0"/>
-          </a:p>
-        </p:txBody>
-      </p:sp>
-    </p:spTree>
-    <p:extLst>
-      <p:ext uri="{BB962C8B-B14F-4D97-AF65-F5344CB8AC3E}">
-        <p14:creationId xmlns:p14="http://schemas.microsoft.com/office/powerpoint/2010/main" val="1616799826"/>
-      </p:ext>
-    </p:extLst>
-  </p:cSld>
-  <p:clrMapOvr>
-    <a:masterClrMapping/>
-  </p:clrMapOvr>
-</p:sld>
-</file>
-
-<file path=ppt/slides/slide6.xml><?xml version="1.0" encoding="utf-8"?>
-<p:sld xmlns:a="http://schemas.openxmlformats.org/drawingml/2006/main" xmlns:r="http://schemas.openxmlformats.org/officeDocument/2006/relationships" xmlns:p="http://schemas.openxmlformats.org/presentationml/2006/main">
-  <p:cSld>
-    <p:spTree>
-      <p:nvGrpSpPr>
-        <p:cNvPr id="1" name=""/>
-        <p:cNvGrpSpPr/>
-        <p:nvPr/>
-      </p:nvGrpSpPr>
-      <p:grpSpPr>
-        <a:xfrm>
-          <a:off x="0" y="0"/>
-          <a:ext cx="0" cy="0"/>
-          <a:chOff x="0" y="0"/>
-          <a:chExt cx="0" cy="0"/>
-        </a:xfrm>
-      </p:grpSpPr>
-      <p:pic>
-        <p:nvPicPr>
-          <p:cNvPr id="1026" name="Picture 2" descr="Elastic Job agent conceptual model">
-            <a:extLst>
-              <a:ext uri="{FF2B5EF4-FFF2-40B4-BE49-F238E27FC236}">
-                <a16:creationId xmlns:a16="http://schemas.microsoft.com/office/drawing/2014/main" id="{CEDE46D5-F081-4D71-94F7-32BB7A677BDD}"/>
-              </a:ext>
-            </a:extLst>
-          </p:cNvPr>
-          <p:cNvPicPr>
-            <a:picLocks noChangeAspect="1" noChangeArrowheads="1"/>
-          </p:cNvPicPr>
-          <p:nvPr/>
-        </p:nvPicPr>
-        <p:blipFill>
-          <a:blip r:embed="rId2">
-            <a:extLst>
-              <a:ext uri="{28A0092B-C50C-407E-A947-70E740481C1C}">
-                <a14:useLocalDpi xmlns:a14="http://schemas.microsoft.com/office/drawing/2010/main" val="0"/>
-              </a:ext>
-            </a:extLst>
-          </a:blip>
-          <a:srcRect/>
-          <a:stretch>
-            <a:fillRect/>
-          </a:stretch>
-        </p:blipFill>
-        <p:spPr bwMode="auto">
-          <a:xfrm>
-            <a:off x="1305816" y="672917"/>
-            <a:ext cx="6532368" cy="4096364"/>
-          </a:xfrm>
-          <a:prstGeom prst="rect">
-            <a:avLst/>
-          </a:prstGeom>
-          <a:noFill/>
-          <a:extLst>
-            <a:ext uri="{909E8E84-426E-40DD-AFC4-6F175D3DCCD1}">
-              <a14:hiddenFill xmlns:a14="http://schemas.microsoft.com/office/drawing/2010/main">
-                <a:solidFill>
-                  <a:srgbClr val="FFFFFF"/>
-                </a:solidFill>
-              </a14:hiddenFill>
-            </a:ext>
-          </a:extLst>
-        </p:spPr>
-      </p:pic>
-    </p:spTree>
-    <p:extLst>
-      <p:ext uri="{BB962C8B-B14F-4D97-AF65-F5344CB8AC3E}">
-        <p14:creationId xmlns:p14="http://schemas.microsoft.com/office/powerpoint/2010/main" val="855307315"/>
-      </p:ext>
-    </p:extLst>
-  </p:cSld>
-  <p:clrMapOvr>
-    <a:masterClrMapping/>
-  </p:clrMapOvr>
-</p:sld>
-</file>
-
-<file path=ppt/slides/slide7.xml><?xml version="1.0" encoding="utf-8"?>
-<p:sld xmlns:a="http://schemas.openxmlformats.org/drawingml/2006/main" xmlns:r="http://schemas.openxmlformats.org/officeDocument/2006/relationships" xmlns:p="http://schemas.openxmlformats.org/presentationml/2006/main">
-  <p:cSld>
-    <p:spTree>
-      <p:nvGrpSpPr>
-        <p:cNvPr id="1" name=""/>
-        <p:cNvGrpSpPr/>
-        <p:nvPr/>
-      </p:nvGrpSpPr>
-      <p:grpSpPr>
-        <a:xfrm>
-          <a:off x="0" y="0"/>
-          <a:ext cx="0" cy="0"/>
-          <a:chOff x="0" y="0"/>
-          <a:chExt cx="0" cy="0"/>
-        </a:xfrm>
-      </p:grpSpPr>
-      <p:sp>
-        <p:nvSpPr>
-          <p:cNvPr id="4" name="Titel 3"/>
-          <p:cNvSpPr>
-            <a:spLocks noGrp="1"/>
-          </p:cNvSpPr>
-          <p:nvPr>
-            <p:ph type="title"/>
-          </p:nvPr>
-        </p:nvSpPr>
-        <p:spPr/>
-        <p:txBody>
-          <a:bodyPr/>
-          <a:lstStyle/>
-          <a:p>
-            <a:r>
-              <a:rPr lang="de-DE" dirty="0"/>
-              <a:t>Azure Automation</a:t>
-            </a:r>
-          </a:p>
-        </p:txBody>
-      </p:sp>
-      <p:sp>
-        <p:nvSpPr>
-          <p:cNvPr id="5" name="Inhaltsplatzhalter 4"/>
-          <p:cNvSpPr>
-            <a:spLocks noGrp="1"/>
-          </p:cNvSpPr>
-          <p:nvPr>
-            <p:ph idx="1"/>
-          </p:nvPr>
-        </p:nvSpPr>
-        <p:spPr/>
-        <p:txBody>
-          <a:bodyPr/>
-          <a:lstStyle/>
-          <a:p>
-            <a:pPr fontAlgn="base"/>
-            <a:r>
-              <a:rPr lang="en-US" dirty="0"/>
-              <a:t>PowerShell only</a:t>
-            </a:r>
-          </a:p>
-          <a:p>
-            <a:pPr fontAlgn="base"/>
-            <a:r>
-              <a:rPr lang="en-US" dirty="0"/>
-              <a:t>Run on schedule or webhook</a:t>
-            </a:r>
-          </a:p>
-          <a:p>
-            <a:pPr fontAlgn="base"/>
-            <a:r>
-              <a:rPr lang="en-US" dirty="0"/>
-              <a:t>Secure variable storage</a:t>
-            </a:r>
-          </a:p>
-          <a:p>
-            <a:pPr fontAlgn="base"/>
-            <a:r>
-              <a:rPr lang="en-US" dirty="0"/>
-              <a:t>3-hour timeout (with resume)</a:t>
-            </a:r>
-          </a:p>
-          <a:p>
-            <a:pPr fontAlgn="base"/>
-            <a:r>
-              <a:rPr lang="en-US" dirty="0"/>
-              <a:t>No output binding</a:t>
-            </a:r>
-          </a:p>
-          <a:p>
-            <a:pPr fontAlgn="base"/>
-            <a:r>
-              <a:rPr lang="en-US" dirty="0"/>
-              <a:t>Supports Hybrid Workers</a:t>
-            </a:r>
-          </a:p>
-          <a:p>
-            <a:pPr marL="0" indent="0" fontAlgn="base">
-              <a:buNone/>
-            </a:pPr>
-            <a:r>
-              <a:rPr lang="en-US" b="1" dirty="0">
-                <a:solidFill>
-                  <a:srgbClr val="94AD24"/>
-                </a:solidFill>
-              </a:rPr>
-              <a:t>Cost: 500 Minutes Free, then £0.002/minute</a:t>
-            </a:r>
-          </a:p>
-        </p:txBody>
-      </p:sp>
-      <p:pic>
-        <p:nvPicPr>
-          <p:cNvPr id="3" name="Graphic 2">
-            <a:extLst>
-              <a:ext uri="{FF2B5EF4-FFF2-40B4-BE49-F238E27FC236}">
-                <a16:creationId xmlns:a16="http://schemas.microsoft.com/office/drawing/2014/main" id="{D99C0431-6BEB-4F1D-9A61-E3943C29912A}"/>
-              </a:ext>
-            </a:extLst>
-          </p:cNvPr>
-          <p:cNvPicPr>
-            <a:picLocks noChangeAspect="1"/>
-          </p:cNvPicPr>
-          <p:nvPr/>
-        </p:nvPicPr>
-        <p:blipFill>
-          <a:blip r:embed="rId2">
-            <a:extLst>
-              <a:ext uri="{28A0092B-C50C-407E-A947-70E740481C1C}">
-                <a14:useLocalDpi xmlns:a14="http://schemas.microsoft.com/office/drawing/2010/main" val="0"/>
-              </a:ext>
-              <a:ext uri="{96DAC541-7B7A-43D3-8B79-37D633B846F1}">
-                <asvg:svgBlip xmlns:asvg="http://schemas.microsoft.com/office/drawing/2016/SVG/main" r:embed="rId3"/>
-              </a:ext>
-            </a:extLst>
-          </a:blip>
-          <a:stretch>
-            <a:fillRect/>
-          </a:stretch>
-        </p:blipFill>
-        <p:spPr>
-          <a:xfrm>
-            <a:off x="5289439" y="1235675"/>
-            <a:ext cx="2992788" cy="2992788"/>
-          </a:xfrm>
-          <a:prstGeom prst="rect">
-            <a:avLst/>
-          </a:prstGeom>
-        </p:spPr>
-      </p:pic>
-    </p:spTree>
-    <p:extLst>
-      <p:ext uri="{BB962C8B-B14F-4D97-AF65-F5344CB8AC3E}">
-        <p14:creationId xmlns:p14="http://schemas.microsoft.com/office/powerpoint/2010/main" val="1602677739"/>
-      </p:ext>
-    </p:extLst>
-  </p:cSld>
-  <p:clrMapOvr>
-    <a:masterClrMapping/>
-  </p:clrMapOvr>
-</p:sld>
-</file>
-
-<file path=ppt/slides/slide8.xml><?xml version="1.0" encoding="utf-8"?>
-<p:sld xmlns:a="http://schemas.openxmlformats.org/drawingml/2006/main" xmlns:r="http://schemas.openxmlformats.org/officeDocument/2006/relationships" xmlns:p="http://schemas.openxmlformats.org/presentationml/2006/main">
-  <p:cSld>
-    <p:spTree>
-      <p:nvGrpSpPr>
-        <p:cNvPr id="1" name=""/>
-        <p:cNvGrpSpPr/>
-        <p:nvPr/>
-      </p:nvGrpSpPr>
-      <p:grpSpPr>
-        <a:xfrm>
-          <a:off x="0" y="0"/>
-          <a:ext cx="0" cy="0"/>
-          <a:chOff x="0" y="0"/>
-          <a:chExt cx="0" cy="0"/>
-        </a:xfrm>
-      </p:grpSpPr>
-      <p:sp>
-        <p:nvSpPr>
-          <p:cNvPr id="4" name="Titel 3"/>
-          <p:cNvSpPr>
-            <a:spLocks noGrp="1"/>
-          </p:cNvSpPr>
-          <p:nvPr>
-            <p:ph type="title"/>
-          </p:nvPr>
-        </p:nvSpPr>
-        <p:spPr/>
-        <p:txBody>
-          <a:bodyPr/>
-          <a:lstStyle/>
-          <a:p>
-            <a:r>
-              <a:rPr lang="de-DE" dirty="0"/>
-              <a:t>Azure Functions</a:t>
-            </a:r>
-          </a:p>
-        </p:txBody>
-      </p:sp>
-      <p:sp>
-        <p:nvSpPr>
-          <p:cNvPr id="5" name="Inhaltsplatzhalter 4"/>
-          <p:cNvSpPr>
-            <a:spLocks noGrp="1"/>
-          </p:cNvSpPr>
-          <p:nvPr>
-            <p:ph idx="1"/>
-          </p:nvPr>
-        </p:nvSpPr>
-        <p:spPr/>
-        <p:txBody>
-          <a:bodyPr/>
-          <a:lstStyle/>
-          <a:p>
-            <a:pPr fontAlgn="base"/>
-            <a:r>
-              <a:rPr lang="en-US" dirty="0"/>
-              <a:t>Serverless compute, based on App Service</a:t>
-            </a:r>
-          </a:p>
-          <a:p>
-            <a:pPr fontAlgn="base"/>
-            <a:r>
-              <a:rPr lang="en-US" dirty="0"/>
-              <a:t>Multiple Languages, some experimental</a:t>
-            </a:r>
-          </a:p>
-          <a:p>
-            <a:pPr fontAlgn="base"/>
-            <a:r>
-              <a:rPr lang="en-US" dirty="0"/>
-              <a:t>Multiple triggers, Input and output bindings</a:t>
-            </a:r>
-          </a:p>
-          <a:p>
-            <a:pPr fontAlgn="base"/>
-            <a:r>
-              <a:rPr lang="en-US" dirty="0"/>
-              <a:t>Nearly instant startup</a:t>
-            </a:r>
-          </a:p>
-          <a:p>
-            <a:pPr fontAlgn="base"/>
-            <a:r>
-              <a:rPr lang="en-US" dirty="0"/>
-              <a:t>Autoscaling and dynamic memory</a:t>
-            </a:r>
-          </a:p>
-          <a:p>
-            <a:pPr fontAlgn="base"/>
-            <a:r>
-              <a:rPr lang="en-US" dirty="0"/>
-              <a:t>5-minute timeout by default</a:t>
-            </a:r>
-          </a:p>
-          <a:p>
-            <a:pPr fontAlgn="base"/>
-            <a:r>
-              <a:rPr lang="en-US" dirty="0"/>
-              <a:t>Supports Managed Service Identity</a:t>
-            </a:r>
-          </a:p>
-          <a:p>
-            <a:pPr marL="0" indent="0" fontAlgn="base">
-              <a:buNone/>
-            </a:pPr>
-            <a:r>
-              <a:rPr lang="en-US" b="1" dirty="0">
-                <a:solidFill>
-                  <a:srgbClr val="94AD24"/>
-                </a:solidFill>
-              </a:rPr>
-              <a:t>Cost: large free grant, then £0.000012/GB-s and £0.15 per million executions</a:t>
-            </a:r>
-          </a:p>
-        </p:txBody>
-      </p:sp>
-      <p:pic>
-        <p:nvPicPr>
-          <p:cNvPr id="3" name="Graphic 2">
-            <a:extLst>
-              <a:ext uri="{FF2B5EF4-FFF2-40B4-BE49-F238E27FC236}">
-                <a16:creationId xmlns:a16="http://schemas.microsoft.com/office/drawing/2014/main" id="{D2C45A6F-4772-4C98-8C7F-F7DC90428A86}"/>
-              </a:ext>
-            </a:extLst>
-          </p:cNvPr>
-          <p:cNvPicPr>
-            <a:picLocks noChangeAspect="1"/>
-          </p:cNvPicPr>
-          <p:nvPr/>
-        </p:nvPicPr>
-        <p:blipFill>
-          <a:blip r:embed="rId2">
-            <a:extLst>
-              <a:ext uri="{28A0092B-C50C-407E-A947-70E740481C1C}">
-                <a14:useLocalDpi xmlns:a14="http://schemas.microsoft.com/office/drawing/2010/main" val="0"/>
-              </a:ext>
-              <a:ext uri="{96DAC541-7B7A-43D3-8B79-37D633B846F1}">
-                <asvg:svgBlip xmlns:asvg="http://schemas.microsoft.com/office/drawing/2016/SVG/main" r:embed="rId3"/>
-              </a:ext>
-            </a:extLst>
-          </a:blip>
-          <a:stretch>
-            <a:fillRect/>
-          </a:stretch>
-        </p:blipFill>
-        <p:spPr>
-          <a:xfrm>
-            <a:off x="5905226" y="1589372"/>
-            <a:ext cx="2725658" cy="2725658"/>
-          </a:xfrm>
-          <a:prstGeom prst="rect">
-            <a:avLst/>
-          </a:prstGeom>
-        </p:spPr>
-      </p:pic>
-    </p:spTree>
-    <p:extLst>
-      <p:ext uri="{BB962C8B-B14F-4D97-AF65-F5344CB8AC3E}">
-        <p14:creationId xmlns:p14="http://schemas.microsoft.com/office/powerpoint/2010/main" val="2536108713"/>
-      </p:ext>
-    </p:extLst>
-  </p:cSld>
-  <p:clrMapOvr>
-    <a:masterClrMapping/>
-  </p:clrMapOvr>
-</p:sld>
-</file>
-
-<file path=ppt/slides/slide9.xml><?xml version="1.0" encoding="utf-8"?>
 <p:sld xmlns:a="http://schemas.openxmlformats.org/drawingml/2006/main" xmlns:r="http://schemas.openxmlformats.org/officeDocument/2006/relationships" xmlns:p="http://schemas.openxmlformats.org/presentationml/2006/main">
   <p:cSld>
     <p:spTree>
@@ -5179,6 +3326,3545 @@
 </p:sld>
 </file>
 
+<file path=ppt/slides/slide11.xml><?xml version="1.0" encoding="utf-8"?>
+<p:sld xmlns:a="http://schemas.openxmlformats.org/drawingml/2006/main" xmlns:r="http://schemas.openxmlformats.org/officeDocument/2006/relationships" xmlns:p="http://schemas.openxmlformats.org/presentationml/2006/main">
+  <p:cSld>
+    <p:spTree>
+      <p:nvGrpSpPr>
+        <p:cNvPr id="1" name=""/>
+        <p:cNvGrpSpPr/>
+        <p:nvPr/>
+      </p:nvGrpSpPr>
+      <p:grpSpPr>
+        <a:xfrm>
+          <a:off x="0" y="0"/>
+          <a:ext cx="0" cy="0"/>
+          <a:chOff x="0" y="0"/>
+          <a:chExt cx="0" cy="0"/>
+        </a:xfrm>
+      </p:grpSpPr>
+      <p:sp>
+        <p:nvSpPr>
+          <p:cNvPr id="2" name="Titel 1"/>
+          <p:cNvSpPr>
+            <a:spLocks noGrp="1"/>
+          </p:cNvSpPr>
+          <p:nvPr>
+            <p:ph type="title"/>
+          </p:nvPr>
+        </p:nvSpPr>
+        <p:spPr/>
+        <p:txBody>
+          <a:bodyPr/>
+          <a:lstStyle/>
+          <a:p>
+            <a:r>
+              <a:rPr lang="de-DE" dirty="0"/>
+              <a:t>Advanced Functionality</a:t>
+            </a:r>
+          </a:p>
+        </p:txBody>
+      </p:sp>
+      <p:sp>
+        <p:nvSpPr>
+          <p:cNvPr id="3" name="Inhaltsplatzhalter 2"/>
+          <p:cNvSpPr>
+            <a:spLocks noGrp="1"/>
+          </p:cNvSpPr>
+          <p:nvPr>
+            <p:ph idx="1"/>
+          </p:nvPr>
+        </p:nvSpPr>
+        <p:spPr>
+          <a:xfrm>
+            <a:off x="426307" y="1628711"/>
+            <a:ext cx="3362861" cy="2679980"/>
+          </a:xfrm>
+        </p:spPr>
+        <p:txBody>
+          <a:bodyPr/>
+          <a:lstStyle/>
+          <a:p>
+            <a:pPr marL="0" indent="0" fontAlgn="base">
+              <a:buNone/>
+            </a:pPr>
+            <a:r>
+              <a:rPr lang="en-GB" sz="2000" dirty="0">
+                <a:solidFill>
+                  <a:srgbClr val="94AD24"/>
+                </a:solidFill>
+              </a:rPr>
+              <a:t>Move Beyond Maintenance</a:t>
+            </a:r>
+            <a:endParaRPr lang="en-US" sz="2000" dirty="0">
+              <a:solidFill>
+                <a:srgbClr val="94AD24"/>
+              </a:solidFill>
+            </a:endParaRPr>
+          </a:p>
+          <a:p>
+            <a:pPr fontAlgn="base"/>
+            <a:r>
+              <a:rPr lang="en-US" dirty="0"/>
+              <a:t>Scaling</a:t>
+            </a:r>
+          </a:p>
+          <a:p>
+            <a:pPr fontAlgn="base"/>
+            <a:r>
+              <a:rPr lang="en-US" dirty="0"/>
+              <a:t>Backup/Export</a:t>
+            </a:r>
+          </a:p>
+          <a:p>
+            <a:pPr fontAlgn="base"/>
+            <a:r>
+              <a:rPr lang="en-US" dirty="0"/>
+              <a:t>Provisioning</a:t>
+            </a:r>
+          </a:p>
+          <a:p>
+            <a:endParaRPr lang="de-DE" dirty="0"/>
+          </a:p>
+        </p:txBody>
+      </p:sp>
+      <p:sp>
+        <p:nvSpPr>
+          <p:cNvPr id="4" name="TextBox 3">
+            <a:extLst>
+              <a:ext uri="{FF2B5EF4-FFF2-40B4-BE49-F238E27FC236}">
+                <a16:creationId xmlns:a16="http://schemas.microsoft.com/office/drawing/2014/main" id="{518C2D6F-6BFC-4ABA-A535-05358D3C62F9}"/>
+              </a:ext>
+            </a:extLst>
+          </p:cNvPr>
+          <p:cNvSpPr txBox="1"/>
+          <p:nvPr/>
+        </p:nvSpPr>
+        <p:spPr>
+          <a:xfrm>
+            <a:off x="4032568" y="1628711"/>
+            <a:ext cx="3974655" cy="3216265"/>
+          </a:xfrm>
+          <a:prstGeom prst="rect">
+            <a:avLst/>
+          </a:prstGeom>
+          <a:noFill/>
+        </p:spPr>
+        <p:txBody>
+          <a:bodyPr wrap="square" rtlCol="0">
+            <a:spAutoFit/>
+          </a:bodyPr>
+          <a:lstStyle/>
+          <a:p>
+            <a:pPr fontAlgn="base"/>
+            <a:r>
+              <a:rPr lang="en-US" sz="2000" dirty="0">
+                <a:solidFill>
+                  <a:srgbClr val="94AD24"/>
+                </a:solidFill>
+                <a:latin typeface="Open Sans" panose="020B0606030504020204" pitchFamily="34" charset="0"/>
+              </a:rPr>
+              <a:t>Integration</a:t>
+            </a:r>
+          </a:p>
+          <a:p>
+            <a:pPr marL="342900" indent="-342900" fontAlgn="base">
+              <a:buFont typeface="Arial" panose="020B0604020202020204" pitchFamily="34" charset="0"/>
+              <a:buChar char="•"/>
+            </a:pPr>
+            <a:r>
+              <a:rPr lang="en-US" sz="2100" dirty="0">
+                <a:latin typeface="Open Sans" panose="020B0606030504020204" pitchFamily="34" charset="0"/>
+              </a:rPr>
+              <a:t>Event Grid</a:t>
+            </a:r>
+          </a:p>
+          <a:p>
+            <a:pPr marL="342900" indent="-342900" fontAlgn="base">
+              <a:buFont typeface="Arial" panose="020B0604020202020204" pitchFamily="34" charset="0"/>
+              <a:buChar char="•"/>
+            </a:pPr>
+            <a:r>
+              <a:rPr lang="en-US" sz="2100" dirty="0">
+                <a:latin typeface="Open Sans" panose="020B0606030504020204" pitchFamily="34" charset="0"/>
+              </a:rPr>
+              <a:t>Azure Scheduler</a:t>
+            </a:r>
+          </a:p>
+          <a:p>
+            <a:pPr marL="342900" indent="-342900" fontAlgn="base">
+              <a:buFont typeface="Arial" panose="020B0604020202020204" pitchFamily="34" charset="0"/>
+              <a:buChar char="•"/>
+            </a:pPr>
+            <a:r>
+              <a:rPr lang="en-US" sz="2100" dirty="0">
+                <a:latin typeface="Open Sans" panose="020B0606030504020204" pitchFamily="34" charset="0"/>
+              </a:rPr>
+              <a:t>Azure Monitor/Log Analytics/App Insights</a:t>
+            </a:r>
+          </a:p>
+          <a:p>
+            <a:pPr marL="342900" indent="-342900" fontAlgn="base">
+              <a:buFont typeface="Arial" panose="020B0604020202020204" pitchFamily="34" charset="0"/>
+              <a:buChar char="•"/>
+            </a:pPr>
+            <a:r>
+              <a:rPr lang="en-US" sz="2100" dirty="0">
+                <a:latin typeface="Open Sans" panose="020B0606030504020204" pitchFamily="34" charset="0"/>
+              </a:rPr>
+              <a:t>3rd Party Monitoring Systems</a:t>
+            </a:r>
+          </a:p>
+          <a:p>
+            <a:pPr marL="342900" indent="-342900" fontAlgn="base">
+              <a:buFont typeface="Arial" panose="020B0604020202020204" pitchFamily="34" charset="0"/>
+              <a:buChar char="•"/>
+            </a:pPr>
+            <a:r>
+              <a:rPr lang="en-US" sz="2100" dirty="0">
+                <a:latin typeface="Open Sans" panose="020B0606030504020204" pitchFamily="34" charset="0"/>
+              </a:rPr>
+              <a:t>Anything that can make a post request</a:t>
+            </a:r>
+          </a:p>
+          <a:p>
+            <a:endParaRPr lang="en-US" dirty="0"/>
+          </a:p>
+        </p:txBody>
+      </p:sp>
+    </p:spTree>
+    <p:extLst>
+      <p:ext uri="{BB962C8B-B14F-4D97-AF65-F5344CB8AC3E}">
+        <p14:creationId xmlns:p14="http://schemas.microsoft.com/office/powerpoint/2010/main" val="156134736"/>
+      </p:ext>
+    </p:extLst>
+  </p:cSld>
+  <p:clrMapOvr>
+    <a:masterClrMapping/>
+  </p:clrMapOvr>
+</p:sld>
+</file>
+
+<file path=ppt/slides/slide12.xml><?xml version="1.0" encoding="utf-8"?>
+<p:sld xmlns:a="http://schemas.openxmlformats.org/drawingml/2006/main" xmlns:r="http://schemas.openxmlformats.org/officeDocument/2006/relationships" xmlns:p="http://schemas.openxmlformats.org/presentationml/2006/main">
+  <p:cSld>
+    <p:spTree>
+      <p:nvGrpSpPr>
+        <p:cNvPr id="1" name=""/>
+        <p:cNvGrpSpPr/>
+        <p:nvPr/>
+      </p:nvGrpSpPr>
+      <p:grpSpPr>
+        <a:xfrm>
+          <a:off x="0" y="0"/>
+          <a:ext cx="0" cy="0"/>
+          <a:chOff x="0" y="0"/>
+          <a:chExt cx="0" cy="0"/>
+        </a:xfrm>
+      </p:grpSpPr>
+      <p:sp>
+        <p:nvSpPr>
+          <p:cNvPr id="3" name="Textfeld 2"/>
+          <p:cNvSpPr txBox="1"/>
+          <p:nvPr/>
+        </p:nvSpPr>
+        <p:spPr>
+          <a:xfrm>
+            <a:off x="2103120" y="1795112"/>
+            <a:ext cx="6761748" cy="1317027"/>
+          </a:xfrm>
+          <a:prstGeom prst="rect">
+            <a:avLst/>
+          </a:prstGeom>
+          <a:noFill/>
+        </p:spPr>
+        <p:txBody>
+          <a:bodyPr wrap="square" rtlCol="0">
+            <a:spAutoFit/>
+          </a:bodyPr>
+          <a:lstStyle/>
+          <a:p>
+            <a:pPr algn="r">
+              <a:lnSpc>
+                <a:spcPct val="150000"/>
+              </a:lnSpc>
+            </a:pPr>
+            <a:r>
+              <a:rPr lang="de-DE" sz="2800" dirty="0" err="1">
+                <a:solidFill>
+                  <a:schemeClr val="bg1"/>
+                </a:solidFill>
+                <a:latin typeface="Source Sans Pro" pitchFamily="34" charset="0"/>
+              </a:rPr>
+              <a:t>Thank</a:t>
+            </a:r>
+            <a:r>
+              <a:rPr lang="de-DE" sz="2800" dirty="0">
+                <a:solidFill>
+                  <a:schemeClr val="bg1"/>
+                </a:solidFill>
+                <a:latin typeface="Source Sans Pro" pitchFamily="34" charset="0"/>
+              </a:rPr>
+              <a:t> </a:t>
+            </a:r>
+            <a:r>
+              <a:rPr lang="de-DE" sz="2800" dirty="0" err="1">
+                <a:solidFill>
+                  <a:schemeClr val="bg1"/>
+                </a:solidFill>
+                <a:latin typeface="Source Sans Pro" pitchFamily="34" charset="0"/>
+              </a:rPr>
+              <a:t>you</a:t>
+            </a:r>
+            <a:r>
+              <a:rPr lang="de-DE" sz="2800" dirty="0">
+                <a:solidFill>
+                  <a:schemeClr val="bg1"/>
+                </a:solidFill>
+                <a:latin typeface="Source Sans Pro" pitchFamily="34" charset="0"/>
+              </a:rPr>
+              <a:t> </a:t>
+            </a:r>
+            <a:r>
+              <a:rPr lang="de-DE" sz="2800" dirty="0" err="1">
+                <a:solidFill>
+                  <a:schemeClr val="bg1"/>
+                </a:solidFill>
+                <a:latin typeface="Source Sans Pro" pitchFamily="34" charset="0"/>
+              </a:rPr>
+              <a:t>very</a:t>
+            </a:r>
+            <a:r>
+              <a:rPr lang="de-DE" sz="2800" dirty="0">
+                <a:solidFill>
+                  <a:schemeClr val="bg1"/>
+                </a:solidFill>
+                <a:latin typeface="Source Sans Pro" pitchFamily="34" charset="0"/>
+              </a:rPr>
+              <a:t> </a:t>
+            </a:r>
+            <a:r>
+              <a:rPr lang="de-DE" sz="2800" dirty="0" err="1">
+                <a:solidFill>
+                  <a:schemeClr val="bg1"/>
+                </a:solidFill>
+                <a:latin typeface="Source Sans Pro" pitchFamily="34" charset="0"/>
+              </a:rPr>
+              <a:t>much</a:t>
+            </a:r>
+            <a:r>
+              <a:rPr lang="de-DE" sz="2800" dirty="0">
+                <a:solidFill>
+                  <a:schemeClr val="bg1"/>
+                </a:solidFill>
+                <a:latin typeface="Source Sans Pro" pitchFamily="34" charset="0"/>
+              </a:rPr>
+              <a:t> </a:t>
+            </a:r>
+            <a:r>
+              <a:rPr lang="de-DE" sz="2800" dirty="0" err="1">
+                <a:solidFill>
+                  <a:schemeClr val="bg1"/>
+                </a:solidFill>
+                <a:latin typeface="Source Sans Pro" pitchFamily="34" charset="0"/>
+              </a:rPr>
+              <a:t>for</a:t>
+            </a:r>
+            <a:r>
+              <a:rPr lang="de-DE" sz="2800" dirty="0">
+                <a:solidFill>
+                  <a:schemeClr val="bg1"/>
+                </a:solidFill>
+                <a:latin typeface="Source Sans Pro" pitchFamily="34" charset="0"/>
+              </a:rPr>
+              <a:t> </a:t>
+            </a:r>
+            <a:r>
+              <a:rPr lang="de-DE" sz="2800" dirty="0" err="1">
+                <a:solidFill>
+                  <a:schemeClr val="bg1"/>
+                </a:solidFill>
+                <a:latin typeface="Source Sans Pro" pitchFamily="34" charset="0"/>
+              </a:rPr>
+              <a:t>your</a:t>
+            </a:r>
+            <a:r>
+              <a:rPr lang="de-DE" sz="2800" dirty="0">
+                <a:solidFill>
+                  <a:schemeClr val="bg1"/>
+                </a:solidFill>
+                <a:latin typeface="Source Sans Pro" pitchFamily="34" charset="0"/>
+              </a:rPr>
+              <a:t> </a:t>
+            </a:r>
+            <a:r>
+              <a:rPr lang="de-DE" sz="2800" dirty="0" err="1">
+                <a:solidFill>
+                  <a:schemeClr val="bg1"/>
+                </a:solidFill>
+                <a:latin typeface="Source Sans Pro" pitchFamily="34" charset="0"/>
+              </a:rPr>
+              <a:t>attention</a:t>
+            </a:r>
+            <a:r>
+              <a:rPr lang="de-DE" sz="2800" dirty="0">
+                <a:solidFill>
+                  <a:schemeClr val="bg1"/>
+                </a:solidFill>
+                <a:latin typeface="Source Sans Pro" pitchFamily="34" charset="0"/>
+              </a:rPr>
+              <a:t>.</a:t>
+            </a:r>
+            <a:br>
+              <a:rPr lang="de-DE" sz="2800" dirty="0">
+                <a:solidFill>
+                  <a:schemeClr val="bg1"/>
+                </a:solidFill>
+                <a:latin typeface="Source Sans Pro" pitchFamily="34" charset="0"/>
+              </a:rPr>
+            </a:br>
+            <a:r>
+              <a:rPr lang="de-DE" sz="2800" dirty="0">
+                <a:solidFill>
+                  <a:schemeClr val="bg1"/>
+                </a:solidFill>
+                <a:latin typeface="Source Sans Pro" pitchFamily="34" charset="0"/>
+              </a:rPr>
+              <a:t>Vielen Dank für Eure Aufmerksamkeit.</a:t>
+            </a:r>
+          </a:p>
+        </p:txBody>
+      </p:sp>
+    </p:spTree>
+    <p:extLst>
+      <p:ext uri="{BB962C8B-B14F-4D97-AF65-F5344CB8AC3E}">
+        <p14:creationId xmlns:p14="http://schemas.microsoft.com/office/powerpoint/2010/main" val="3864077502"/>
+      </p:ext>
+    </p:extLst>
+  </p:cSld>
+  <p:clrMapOvr>
+    <a:masterClrMapping/>
+  </p:clrMapOvr>
+</p:sld>
+</file>
+
+<file path=ppt/slides/slide2.xml><?xml version="1.0" encoding="utf-8"?>
+<p:sld xmlns:a="http://schemas.openxmlformats.org/drawingml/2006/main" xmlns:r="http://schemas.openxmlformats.org/officeDocument/2006/relationships" xmlns:p="http://schemas.openxmlformats.org/presentationml/2006/main">
+  <p:cSld>
+    <p:spTree>
+      <p:nvGrpSpPr>
+        <p:cNvPr id="1" name=""/>
+        <p:cNvGrpSpPr/>
+        <p:nvPr/>
+      </p:nvGrpSpPr>
+      <p:grpSpPr>
+        <a:xfrm>
+          <a:off x="0" y="0"/>
+          <a:ext cx="0" cy="0"/>
+          <a:chOff x="0" y="0"/>
+          <a:chExt cx="0" cy="0"/>
+        </a:xfrm>
+      </p:grpSpPr>
+      <p:pic>
+        <p:nvPicPr>
+          <p:cNvPr id="17" name="Picture 16">
+            <a:extLst>
+              <a:ext uri="{FF2B5EF4-FFF2-40B4-BE49-F238E27FC236}">
+                <a16:creationId xmlns:a16="http://schemas.microsoft.com/office/drawing/2014/main" id="{CDD3F859-0703-41F0-85B5-A604BE1ADE02}"/>
+              </a:ext>
+            </a:extLst>
+          </p:cNvPr>
+          <p:cNvPicPr>
+            <a:picLocks noChangeAspect="1"/>
+          </p:cNvPicPr>
+          <p:nvPr/>
+        </p:nvPicPr>
+        <p:blipFill>
+          <a:blip r:embed="rId2" cstate="print">
+            <a:extLst>
+              <a:ext uri="{28A0092B-C50C-407E-A947-70E740481C1C}">
+                <a14:useLocalDpi xmlns:a14="http://schemas.microsoft.com/office/drawing/2010/main" val="0"/>
+              </a:ext>
+            </a:extLst>
+          </a:blip>
+          <a:stretch>
+            <a:fillRect/>
+          </a:stretch>
+        </p:blipFill>
+        <p:spPr>
+          <a:xfrm>
+            <a:off x="5501129" y="3489445"/>
+            <a:ext cx="2289053" cy="923546"/>
+          </a:xfrm>
+          <a:prstGeom prst="rect">
+            <a:avLst/>
+          </a:prstGeom>
+        </p:spPr>
+      </p:pic>
+      <p:pic>
+        <p:nvPicPr>
+          <p:cNvPr id="18" name="Picture 2" descr="Title762406932">
+            <a:extLst>
+              <a:ext uri="{FF2B5EF4-FFF2-40B4-BE49-F238E27FC236}">
+                <a16:creationId xmlns:a16="http://schemas.microsoft.com/office/drawing/2014/main" id="{0355F871-B53E-4522-9830-98E1FB89FB3D}"/>
+              </a:ext>
+            </a:extLst>
+          </p:cNvPr>
+          <p:cNvPicPr>
+            <a:picLocks noChangeAspect="1" noChangeArrowheads="1"/>
+          </p:cNvPicPr>
+          <p:nvPr/>
+        </p:nvPicPr>
+        <p:blipFill>
+          <a:blip r:embed="rId3">
+            <a:extLst>
+              <a:ext uri="{28A0092B-C50C-407E-A947-70E740481C1C}">
+                <a14:useLocalDpi xmlns:a14="http://schemas.microsoft.com/office/drawing/2010/main" val="0"/>
+              </a:ext>
+            </a:extLst>
+          </a:blip>
+          <a:srcRect/>
+          <a:stretch>
+            <a:fillRect/>
+          </a:stretch>
+        </p:blipFill>
+        <p:spPr bwMode="auto">
+          <a:xfrm>
+            <a:off x="444988" y="1142043"/>
+            <a:ext cx="1905000" cy="1905000"/>
+          </a:xfrm>
+          <a:prstGeom prst="rect">
+            <a:avLst/>
+          </a:prstGeom>
+          <a:noFill/>
+          <a:extLst>
+            <a:ext uri="{909E8E84-426E-40DD-AFC4-6F175D3DCCD1}">
+              <a14:hiddenFill xmlns:a14="http://schemas.microsoft.com/office/drawing/2010/main">
+                <a:solidFill>
+                  <a:srgbClr val="FFFFFF"/>
+                </a:solidFill>
+              </a14:hiddenFill>
+            </a:ext>
+          </a:extLst>
+        </p:spPr>
+      </p:pic>
+      <p:sp>
+        <p:nvSpPr>
+          <p:cNvPr id="19" name="TextBox 18">
+            <a:extLst>
+              <a:ext uri="{FF2B5EF4-FFF2-40B4-BE49-F238E27FC236}">
+                <a16:creationId xmlns:a16="http://schemas.microsoft.com/office/drawing/2014/main" id="{DF2FC569-C153-4D24-A646-A049FC4A685E}"/>
+              </a:ext>
+            </a:extLst>
+          </p:cNvPr>
+          <p:cNvSpPr txBox="1"/>
+          <p:nvPr/>
+        </p:nvSpPr>
+        <p:spPr>
+          <a:xfrm>
+            <a:off x="3211313" y="1142043"/>
+            <a:ext cx="4318362" cy="1661993"/>
+          </a:xfrm>
+          <a:prstGeom prst="rect">
+            <a:avLst/>
+          </a:prstGeom>
+          <a:noFill/>
+        </p:spPr>
+        <p:txBody>
+          <a:bodyPr wrap="none" lIns="0" tIns="0" rIns="0" bIns="0" rtlCol="0">
+            <a:spAutoFit/>
+          </a:bodyPr>
+          <a:lstStyle/>
+          <a:p>
+            <a:pPr algn="l"/>
+            <a:r>
+              <a:rPr lang="en-GB" sz="4800" dirty="0">
+                <a:solidFill>
+                  <a:schemeClr val="accent6"/>
+                </a:solidFill>
+              </a:rPr>
+              <a:t>Sam Cogan</a:t>
+            </a:r>
+          </a:p>
+          <a:p>
+            <a:pPr algn="l"/>
+            <a:br>
+              <a:rPr lang="en-GB" sz="2000" dirty="0">
+                <a:gradFill>
+                  <a:gsLst>
+                    <a:gs pos="2917">
+                      <a:schemeClr val="tx1"/>
+                    </a:gs>
+                    <a:gs pos="30000">
+                      <a:schemeClr val="tx1"/>
+                    </a:gs>
+                  </a:gsLst>
+                  <a:lin ang="5400000" scaled="0"/>
+                </a:gradFill>
+              </a:rPr>
+            </a:br>
+            <a:r>
+              <a:rPr lang="en-GB" sz="2000" dirty="0">
+                <a:gradFill>
+                  <a:gsLst>
+                    <a:gs pos="2917">
+                      <a:schemeClr val="tx1"/>
+                    </a:gs>
+                    <a:gs pos="30000">
+                      <a:schemeClr val="tx1"/>
+                    </a:gs>
+                  </a:gsLst>
+                  <a:lin ang="5400000" scaled="0"/>
+                </a:gradFill>
+              </a:rPr>
+              <a:t>Solution Architect – Willis Towers Watson</a:t>
+            </a:r>
+          </a:p>
+          <a:p>
+            <a:pPr algn="l"/>
+            <a:r>
+              <a:rPr lang="en-GB" sz="2000" dirty="0">
+                <a:gradFill>
+                  <a:gsLst>
+                    <a:gs pos="2917">
+                      <a:schemeClr val="tx1"/>
+                    </a:gs>
+                    <a:gs pos="30000">
+                      <a:schemeClr val="tx1"/>
+                    </a:gs>
+                  </a:gsLst>
+                  <a:lin ang="5400000" scaled="0"/>
+                </a:gradFill>
+              </a:rPr>
+              <a:t>Microsoft Azure MVP</a:t>
+            </a:r>
+            <a:endParaRPr lang="en-US" sz="2000" dirty="0" err="1">
+              <a:gradFill>
+                <a:gsLst>
+                  <a:gs pos="2917">
+                    <a:schemeClr val="tx1"/>
+                  </a:gs>
+                  <a:gs pos="30000">
+                    <a:schemeClr val="tx1"/>
+                  </a:gs>
+                </a:gsLst>
+                <a:lin ang="5400000" scaled="0"/>
+              </a:gradFill>
+            </a:endParaRPr>
+          </a:p>
+        </p:txBody>
+      </p:sp>
+      <p:sp>
+        <p:nvSpPr>
+          <p:cNvPr id="20" name="TextBox 19">
+            <a:extLst>
+              <a:ext uri="{FF2B5EF4-FFF2-40B4-BE49-F238E27FC236}">
+                <a16:creationId xmlns:a16="http://schemas.microsoft.com/office/drawing/2014/main" id="{28DA48E0-33E5-4693-A116-184329C9D3F5}"/>
+              </a:ext>
+            </a:extLst>
+          </p:cNvPr>
+          <p:cNvSpPr txBox="1"/>
+          <p:nvPr/>
+        </p:nvSpPr>
+        <p:spPr>
+          <a:xfrm>
+            <a:off x="3569106" y="3404724"/>
+            <a:ext cx="2836387" cy="307777"/>
+          </a:xfrm>
+          <a:prstGeom prst="rect">
+            <a:avLst/>
+          </a:prstGeom>
+          <a:noFill/>
+        </p:spPr>
+        <p:txBody>
+          <a:bodyPr wrap="square" lIns="0" tIns="0" rIns="0" bIns="0" rtlCol="0">
+            <a:spAutoFit/>
+          </a:bodyPr>
+          <a:lstStyle/>
+          <a:p>
+            <a:pPr algn="l"/>
+            <a:r>
+              <a:rPr lang="en-GB" sz="2000" dirty="0">
+                <a:gradFill>
+                  <a:gsLst>
+                    <a:gs pos="2917">
+                      <a:schemeClr val="tx1"/>
+                    </a:gs>
+                    <a:gs pos="30000">
+                      <a:schemeClr val="tx1"/>
+                    </a:gs>
+                  </a:gsLst>
+                  <a:lin ang="5400000" scaled="0"/>
+                </a:gradFill>
+              </a:rPr>
+              <a:t>samcogan.com</a:t>
+            </a:r>
+          </a:p>
+        </p:txBody>
+      </p:sp>
+      <p:pic>
+        <p:nvPicPr>
+          <p:cNvPr id="21" name="Graphic 20">
+            <a:extLst>
+              <a:ext uri="{FF2B5EF4-FFF2-40B4-BE49-F238E27FC236}">
+                <a16:creationId xmlns:a16="http://schemas.microsoft.com/office/drawing/2014/main" id="{BA1B0098-ACB2-453C-9E0B-BA2955B7105E}"/>
+              </a:ext>
+            </a:extLst>
+          </p:cNvPr>
+          <p:cNvPicPr>
+            <a:picLocks noChangeAspect="1"/>
+          </p:cNvPicPr>
+          <p:nvPr/>
+        </p:nvPicPr>
+        <p:blipFill>
+          <a:blip r:embed="rId4">
+            <a:extLst>
+              <a:ext uri="{96DAC541-7B7A-43D3-8B79-37D633B846F1}">
+                <asvg:svgBlip xmlns:asvg="http://schemas.microsoft.com/office/drawing/2016/SVG/main" r:embed="rId5"/>
+              </a:ext>
+            </a:extLst>
+          </a:blip>
+          <a:stretch>
+            <a:fillRect/>
+          </a:stretch>
+        </p:blipFill>
+        <p:spPr>
+          <a:xfrm>
+            <a:off x="3211313" y="3404723"/>
+            <a:ext cx="307778" cy="307778"/>
+          </a:xfrm>
+          <a:prstGeom prst="rect">
+            <a:avLst/>
+          </a:prstGeom>
+        </p:spPr>
+      </p:pic>
+      <p:sp>
+        <p:nvSpPr>
+          <p:cNvPr id="22" name="TextBox 21">
+            <a:extLst>
+              <a:ext uri="{FF2B5EF4-FFF2-40B4-BE49-F238E27FC236}">
+                <a16:creationId xmlns:a16="http://schemas.microsoft.com/office/drawing/2014/main" id="{9CCAD865-AA9A-4E29-B9CC-1A8E4CB08D83}"/>
+              </a:ext>
+            </a:extLst>
+          </p:cNvPr>
+          <p:cNvSpPr txBox="1"/>
+          <p:nvPr/>
+        </p:nvSpPr>
+        <p:spPr>
+          <a:xfrm>
+            <a:off x="3569106" y="3754969"/>
+            <a:ext cx="1401025" cy="307777"/>
+          </a:xfrm>
+          <a:prstGeom prst="rect">
+            <a:avLst/>
+          </a:prstGeom>
+          <a:noFill/>
+        </p:spPr>
+        <p:txBody>
+          <a:bodyPr wrap="none" lIns="0" tIns="0" rIns="0" bIns="0" rtlCol="0">
+            <a:spAutoFit/>
+          </a:bodyPr>
+          <a:lstStyle/>
+          <a:p>
+            <a:pPr algn="l"/>
+            <a:r>
+              <a:rPr lang="en-GB" sz="2000" dirty="0">
+                <a:gradFill>
+                  <a:gsLst>
+                    <a:gs pos="2917">
+                      <a:schemeClr val="tx1"/>
+                    </a:gs>
+                    <a:gs pos="30000">
+                      <a:schemeClr val="tx1"/>
+                    </a:gs>
+                  </a:gsLst>
+                  <a:lin ang="5400000" scaled="0"/>
+                </a:gradFill>
+              </a:rPr>
+              <a:t>@</a:t>
+            </a:r>
+            <a:r>
+              <a:rPr lang="en-GB" sz="2000" dirty="0" err="1">
+                <a:gradFill>
+                  <a:gsLst>
+                    <a:gs pos="2917">
+                      <a:schemeClr val="tx1"/>
+                    </a:gs>
+                    <a:gs pos="30000">
+                      <a:schemeClr val="tx1"/>
+                    </a:gs>
+                  </a:gsLst>
+                  <a:lin ang="5400000" scaled="0"/>
+                </a:gradFill>
+              </a:rPr>
+              <a:t>samcogan</a:t>
+            </a:r>
+            <a:endParaRPr lang="en-GB" sz="2000" dirty="0">
+              <a:gradFill>
+                <a:gsLst>
+                  <a:gs pos="2917">
+                    <a:schemeClr val="tx1"/>
+                  </a:gs>
+                  <a:gs pos="30000">
+                    <a:schemeClr val="tx1"/>
+                  </a:gs>
+                </a:gsLst>
+                <a:lin ang="5400000" scaled="0"/>
+              </a:gradFill>
+            </a:endParaRPr>
+          </a:p>
+        </p:txBody>
+      </p:sp>
+      <p:pic>
+        <p:nvPicPr>
+          <p:cNvPr id="23" name="Graphic 22">
+            <a:extLst>
+              <a:ext uri="{FF2B5EF4-FFF2-40B4-BE49-F238E27FC236}">
+                <a16:creationId xmlns:a16="http://schemas.microsoft.com/office/drawing/2014/main" id="{E83213FA-5DBB-4A1B-93CE-297765EFAB1D}"/>
+              </a:ext>
+            </a:extLst>
+          </p:cNvPr>
+          <p:cNvPicPr>
+            <a:picLocks noChangeAspect="1"/>
+          </p:cNvPicPr>
+          <p:nvPr/>
+        </p:nvPicPr>
+        <p:blipFill>
+          <a:blip r:embed="rId6">
+            <a:extLst>
+              <a:ext uri="{96DAC541-7B7A-43D3-8B79-37D633B846F1}">
+                <asvg:svgBlip xmlns:asvg="http://schemas.microsoft.com/office/drawing/2016/SVG/main" r:embed="rId7"/>
+              </a:ext>
+            </a:extLst>
+          </a:blip>
+          <a:stretch>
+            <a:fillRect/>
+          </a:stretch>
+        </p:blipFill>
+        <p:spPr>
+          <a:xfrm>
+            <a:off x="3211313" y="3754969"/>
+            <a:ext cx="307777" cy="307777"/>
+          </a:xfrm>
+          <a:prstGeom prst="rect">
+            <a:avLst/>
+          </a:prstGeom>
+        </p:spPr>
+      </p:pic>
+      <p:sp>
+        <p:nvSpPr>
+          <p:cNvPr id="24" name="TextBox 23">
+            <a:extLst>
+              <a:ext uri="{FF2B5EF4-FFF2-40B4-BE49-F238E27FC236}">
+                <a16:creationId xmlns:a16="http://schemas.microsoft.com/office/drawing/2014/main" id="{F45D14C7-CB96-4BF6-B507-645C30C6739F}"/>
+              </a:ext>
+            </a:extLst>
+          </p:cNvPr>
+          <p:cNvSpPr txBox="1"/>
+          <p:nvPr/>
+        </p:nvSpPr>
+        <p:spPr>
+          <a:xfrm>
+            <a:off x="3569106" y="4105214"/>
+            <a:ext cx="1258358" cy="307777"/>
+          </a:xfrm>
+          <a:prstGeom prst="rect">
+            <a:avLst/>
+          </a:prstGeom>
+          <a:noFill/>
+        </p:spPr>
+        <p:txBody>
+          <a:bodyPr wrap="none" lIns="0" tIns="0" rIns="0" bIns="0" rtlCol="0">
+            <a:spAutoFit/>
+          </a:bodyPr>
+          <a:lstStyle/>
+          <a:p>
+            <a:pPr algn="l"/>
+            <a:r>
+              <a:rPr lang="en-GB" sz="2000" dirty="0" err="1">
+                <a:gradFill>
+                  <a:gsLst>
+                    <a:gs pos="2917">
+                      <a:schemeClr val="tx1"/>
+                    </a:gs>
+                    <a:gs pos="30000">
+                      <a:schemeClr val="tx1"/>
+                    </a:gs>
+                  </a:gsLst>
+                  <a:lin ang="5400000" scaled="0"/>
+                </a:gradFill>
+              </a:rPr>
+              <a:t>sam-cogan</a:t>
+            </a:r>
+            <a:endParaRPr lang="en-GB" sz="2000" dirty="0">
+              <a:gradFill>
+                <a:gsLst>
+                  <a:gs pos="2917">
+                    <a:schemeClr val="tx1"/>
+                  </a:gs>
+                  <a:gs pos="30000">
+                    <a:schemeClr val="tx1"/>
+                  </a:gs>
+                </a:gsLst>
+                <a:lin ang="5400000" scaled="0"/>
+              </a:gradFill>
+            </a:endParaRPr>
+          </a:p>
+        </p:txBody>
+      </p:sp>
+      <p:pic>
+        <p:nvPicPr>
+          <p:cNvPr id="25" name="Graphic 24">
+            <a:extLst>
+              <a:ext uri="{FF2B5EF4-FFF2-40B4-BE49-F238E27FC236}">
+                <a16:creationId xmlns:a16="http://schemas.microsoft.com/office/drawing/2014/main" id="{C003C1E8-A8E3-4F10-8020-39357FFB64FA}"/>
+              </a:ext>
+            </a:extLst>
+          </p:cNvPr>
+          <p:cNvPicPr>
+            <a:picLocks noChangeAspect="1"/>
+          </p:cNvPicPr>
+          <p:nvPr/>
+        </p:nvPicPr>
+        <p:blipFill>
+          <a:blip r:embed="rId8">
+            <a:extLst>
+              <a:ext uri="{96DAC541-7B7A-43D3-8B79-37D633B846F1}">
+                <asvg:svgBlip xmlns:asvg="http://schemas.microsoft.com/office/drawing/2016/SVG/main" r:embed="rId9"/>
+              </a:ext>
+            </a:extLst>
+          </a:blip>
+          <a:stretch>
+            <a:fillRect/>
+          </a:stretch>
+        </p:blipFill>
+        <p:spPr>
+          <a:xfrm>
+            <a:off x="3214290" y="4108191"/>
+            <a:ext cx="304800" cy="304800"/>
+          </a:xfrm>
+          <a:prstGeom prst="rect">
+            <a:avLst/>
+          </a:prstGeom>
+        </p:spPr>
+      </p:pic>
+    </p:spTree>
+    <p:extLst>
+      <p:ext uri="{BB962C8B-B14F-4D97-AF65-F5344CB8AC3E}">
+        <p14:creationId xmlns:p14="http://schemas.microsoft.com/office/powerpoint/2010/main" val="555018502"/>
+      </p:ext>
+    </p:extLst>
+  </p:cSld>
+  <p:clrMapOvr>
+    <a:masterClrMapping/>
+  </p:clrMapOvr>
+</p:sld>
+</file>
+
+<file path=ppt/slides/slide3.xml><?xml version="1.0" encoding="utf-8"?>
+<p:sld xmlns:a="http://schemas.openxmlformats.org/drawingml/2006/main" xmlns:r="http://schemas.openxmlformats.org/officeDocument/2006/relationships" xmlns:p="http://schemas.openxmlformats.org/presentationml/2006/main">
+  <p:cSld>
+    <p:spTree>
+      <p:nvGrpSpPr>
+        <p:cNvPr id="1" name=""/>
+        <p:cNvGrpSpPr/>
+        <p:nvPr/>
+      </p:nvGrpSpPr>
+      <p:grpSpPr>
+        <a:xfrm>
+          <a:off x="0" y="0"/>
+          <a:ext cx="0" cy="0"/>
+          <a:chOff x="0" y="0"/>
+          <a:chExt cx="0" cy="0"/>
+        </a:xfrm>
+      </p:grpSpPr>
+      <p:pic>
+        <p:nvPicPr>
+          <p:cNvPr id="3074" name="Picture 2" descr="Image result for azure sql paas iaas">
+            <a:extLst>
+              <a:ext uri="{FF2B5EF4-FFF2-40B4-BE49-F238E27FC236}">
+                <a16:creationId xmlns:a16="http://schemas.microsoft.com/office/drawing/2014/main" id="{8557CB8B-0CFA-48AE-B479-F989644A62B6}"/>
+              </a:ext>
+            </a:extLst>
+          </p:cNvPr>
+          <p:cNvPicPr>
+            <a:picLocks noChangeAspect="1" noChangeArrowheads="1"/>
+          </p:cNvPicPr>
+          <p:nvPr/>
+        </p:nvPicPr>
+        <p:blipFill>
+          <a:blip r:embed="rId2">
+            <a:extLst>
+              <a:ext uri="{28A0092B-C50C-407E-A947-70E740481C1C}">
+                <a14:useLocalDpi xmlns:a14="http://schemas.microsoft.com/office/drawing/2010/main" val="0"/>
+              </a:ext>
+            </a:extLst>
+          </a:blip>
+          <a:srcRect/>
+          <a:stretch>
+            <a:fillRect/>
+          </a:stretch>
+        </p:blipFill>
+        <p:spPr bwMode="auto">
+          <a:xfrm>
+            <a:off x="1502037" y="722085"/>
+            <a:ext cx="6139925" cy="4082734"/>
+          </a:xfrm>
+          <a:prstGeom prst="rect">
+            <a:avLst/>
+          </a:prstGeom>
+          <a:noFill/>
+          <a:extLst>
+            <a:ext uri="{909E8E84-426E-40DD-AFC4-6F175D3DCCD1}">
+              <a14:hiddenFill xmlns:a14="http://schemas.microsoft.com/office/drawing/2010/main">
+                <a:solidFill>
+                  <a:srgbClr val="FFFFFF"/>
+                </a:solidFill>
+              </a14:hiddenFill>
+            </a:ext>
+          </a:extLst>
+        </p:spPr>
+      </p:pic>
+    </p:spTree>
+    <p:extLst>
+      <p:ext uri="{BB962C8B-B14F-4D97-AF65-F5344CB8AC3E}">
+        <p14:creationId xmlns:p14="http://schemas.microsoft.com/office/powerpoint/2010/main" val="1743808188"/>
+      </p:ext>
+    </p:extLst>
+  </p:cSld>
+  <p:clrMapOvr>
+    <a:masterClrMapping/>
+  </p:clrMapOvr>
+</p:sld>
+</file>
+
+<file path=ppt/slides/slide4.xml><?xml version="1.0" encoding="utf-8"?>
+<p:sld xmlns:a="http://schemas.openxmlformats.org/drawingml/2006/main" xmlns:r="http://schemas.openxmlformats.org/officeDocument/2006/relationships" xmlns:p="http://schemas.openxmlformats.org/presentationml/2006/main">
+  <p:cSld>
+    <p:spTree>
+      <p:nvGrpSpPr>
+        <p:cNvPr id="1" name=""/>
+        <p:cNvGrpSpPr/>
+        <p:nvPr/>
+      </p:nvGrpSpPr>
+      <p:grpSpPr>
+        <a:xfrm>
+          <a:off x="0" y="0"/>
+          <a:ext cx="0" cy="0"/>
+          <a:chOff x="0" y="0"/>
+          <a:chExt cx="0" cy="0"/>
+        </a:xfrm>
+      </p:grpSpPr>
+      <p:sp>
+        <p:nvSpPr>
+          <p:cNvPr id="4" name="Rectangle 3">
+            <a:extLst>
+              <a:ext uri="{FF2B5EF4-FFF2-40B4-BE49-F238E27FC236}">
+                <a16:creationId xmlns:a16="http://schemas.microsoft.com/office/drawing/2014/main" id="{732AE0FE-E054-489B-90B3-10F2FD9AD8F3}"/>
+              </a:ext>
+            </a:extLst>
+          </p:cNvPr>
+          <p:cNvSpPr/>
+          <p:nvPr/>
+        </p:nvSpPr>
+        <p:spPr>
+          <a:xfrm>
+            <a:off x="3236668" y="1978268"/>
+            <a:ext cx="4922594" cy="2488679"/>
+          </a:xfrm>
+          <a:prstGeom prst="rect">
+            <a:avLst/>
+          </a:prstGeom>
+          <a:noFill/>
+          <a:ln>
+            <a:solidFill>
+              <a:schemeClr val="accent6"/>
+            </a:solidFill>
+            <a:prstDash val="sysDash"/>
+          </a:ln>
+        </p:spPr>
+        <p:style>
+          <a:lnRef idx="2">
+            <a:schemeClr val="accent1">
+              <a:shade val="50000"/>
+            </a:schemeClr>
+          </a:lnRef>
+          <a:fillRef idx="1">
+            <a:schemeClr val="accent1"/>
+          </a:fillRef>
+          <a:effectRef idx="0">
+            <a:schemeClr val="accent1"/>
+          </a:effectRef>
+          <a:fontRef idx="minor">
+            <a:schemeClr val="lt1"/>
+          </a:fontRef>
+        </p:style>
+        <p:txBody>
+          <a:bodyPr rtlCol="0" anchor="ctr"/>
+          <a:lstStyle/>
+          <a:p>
+            <a:pPr algn="ctr"/>
+            <a:endParaRPr lang="en-GB"/>
+          </a:p>
+        </p:txBody>
+      </p:sp>
+      <p:sp>
+        <p:nvSpPr>
+          <p:cNvPr id="2" name="Titel 1"/>
+          <p:cNvSpPr>
+            <a:spLocks noGrp="1"/>
+          </p:cNvSpPr>
+          <p:nvPr>
+            <p:ph type="title"/>
+          </p:nvPr>
+        </p:nvSpPr>
+        <p:spPr/>
+        <p:txBody>
+          <a:bodyPr/>
+          <a:lstStyle/>
+          <a:p>
+            <a:r>
+              <a:rPr lang="de-DE" dirty="0"/>
+              <a:t>SQL Agent Alternatves</a:t>
+            </a:r>
+          </a:p>
+        </p:txBody>
+      </p:sp>
+      <p:sp>
+        <p:nvSpPr>
+          <p:cNvPr id="3" name="Inhaltsplatzhalter 2"/>
+          <p:cNvSpPr>
+            <a:spLocks noGrp="1"/>
+          </p:cNvSpPr>
+          <p:nvPr>
+            <p:ph idx="1"/>
+          </p:nvPr>
+        </p:nvSpPr>
+        <p:spPr/>
+        <p:txBody>
+          <a:bodyPr/>
+          <a:lstStyle/>
+          <a:p>
+            <a:pPr marL="0" indent="0">
+              <a:buNone/>
+            </a:pPr>
+            <a:r>
+              <a:rPr lang="de-DE" b="1" dirty="0"/>
+              <a:t>SQL Agent is not present in Azure SQL</a:t>
+            </a:r>
+          </a:p>
+        </p:txBody>
+      </p:sp>
+      <p:grpSp>
+        <p:nvGrpSpPr>
+          <p:cNvPr id="23" name="Group 22">
+            <a:extLst>
+              <a:ext uri="{FF2B5EF4-FFF2-40B4-BE49-F238E27FC236}">
+                <a16:creationId xmlns:a16="http://schemas.microsoft.com/office/drawing/2014/main" id="{1E3CA40D-C034-4C06-A212-C6092C88BF2F}"/>
+              </a:ext>
+            </a:extLst>
+          </p:cNvPr>
+          <p:cNvGrpSpPr/>
+          <p:nvPr/>
+        </p:nvGrpSpPr>
+        <p:grpSpPr>
+          <a:xfrm>
+            <a:off x="5183001" y="3075449"/>
+            <a:ext cx="1448666" cy="1209728"/>
+            <a:chOff x="299620" y="2067492"/>
+            <a:chExt cx="1448666" cy="1209728"/>
+          </a:xfrm>
+        </p:grpSpPr>
+        <p:pic>
+          <p:nvPicPr>
+            <p:cNvPr id="11" name="Picture 10" descr="A close up of a sign&#10;&#10;Description automatically generated">
+              <a:extLst>
+                <a:ext uri="{FF2B5EF4-FFF2-40B4-BE49-F238E27FC236}">
+                  <a16:creationId xmlns:a16="http://schemas.microsoft.com/office/drawing/2014/main" id="{0DB7C572-33F6-4CE7-806D-FBBF48F3C42C}"/>
+                </a:ext>
+              </a:extLst>
+            </p:cNvPr>
+            <p:cNvPicPr>
+              <a:picLocks noChangeAspect="1"/>
+            </p:cNvPicPr>
+            <p:nvPr/>
+          </p:nvPicPr>
+          <p:blipFill>
+            <a:blip r:embed="rId2" cstate="print">
+              <a:extLst>
+                <a:ext uri="{28A0092B-C50C-407E-A947-70E740481C1C}">
+                  <a14:useLocalDpi xmlns:a14="http://schemas.microsoft.com/office/drawing/2010/main" val="0"/>
+                </a:ext>
+              </a:extLst>
+            </a:blip>
+            <a:stretch>
+              <a:fillRect/>
+            </a:stretch>
+          </p:blipFill>
+          <p:spPr>
+            <a:xfrm>
+              <a:off x="519695" y="2067492"/>
+              <a:ext cx="1008516" cy="1008516"/>
+            </a:xfrm>
+            <a:prstGeom prst="rect">
+              <a:avLst/>
+            </a:prstGeom>
+          </p:spPr>
+        </p:pic>
+        <p:sp>
+          <p:nvSpPr>
+            <p:cNvPr id="22" name="TextBox 21">
+              <a:extLst>
+                <a:ext uri="{FF2B5EF4-FFF2-40B4-BE49-F238E27FC236}">
+                  <a16:creationId xmlns:a16="http://schemas.microsoft.com/office/drawing/2014/main" id="{B17606DE-1E56-4596-8E0E-0B678C7BA9D4}"/>
+                </a:ext>
+              </a:extLst>
+            </p:cNvPr>
+            <p:cNvSpPr txBox="1"/>
+            <p:nvPr/>
+          </p:nvSpPr>
+          <p:spPr>
+            <a:xfrm>
+              <a:off x="299620" y="2969443"/>
+              <a:ext cx="1448666" cy="307777"/>
+            </a:xfrm>
+            <a:prstGeom prst="rect">
+              <a:avLst/>
+            </a:prstGeom>
+            <a:noFill/>
+          </p:spPr>
+          <p:txBody>
+            <a:bodyPr wrap="none" rtlCol="0">
+              <a:spAutoFit/>
+            </a:bodyPr>
+            <a:lstStyle/>
+            <a:p>
+              <a:r>
+                <a:rPr lang="en-GB" dirty="0">
+                  <a:latin typeface="Open Sans" panose="020B0606030504020204"/>
+                </a:rPr>
+                <a:t>Azure Functions</a:t>
+              </a:r>
+              <a:endParaRPr lang="en-US" dirty="0">
+                <a:latin typeface="Open Sans" panose="020B0606030504020204"/>
+              </a:endParaRPr>
+            </a:p>
+          </p:txBody>
+        </p:sp>
+      </p:grpSp>
+      <p:grpSp>
+        <p:nvGrpSpPr>
+          <p:cNvPr id="25" name="Group 24">
+            <a:extLst>
+              <a:ext uri="{FF2B5EF4-FFF2-40B4-BE49-F238E27FC236}">
+                <a16:creationId xmlns:a16="http://schemas.microsoft.com/office/drawing/2014/main" id="{CB63A73D-F0CB-49F6-9521-F888B89AAB93}"/>
+              </a:ext>
+            </a:extLst>
+          </p:cNvPr>
+          <p:cNvGrpSpPr/>
+          <p:nvPr/>
+        </p:nvGrpSpPr>
+        <p:grpSpPr>
+          <a:xfrm>
+            <a:off x="1593269" y="3076377"/>
+            <a:ext cx="1643399" cy="1318632"/>
+            <a:chOff x="2049397" y="2496930"/>
+            <a:chExt cx="1643399" cy="1318632"/>
+          </a:xfrm>
+        </p:grpSpPr>
+        <p:pic>
+          <p:nvPicPr>
+            <p:cNvPr id="15" name="Picture 14" descr="A close up of a sign&#10;&#10;Description automatically generated">
+              <a:extLst>
+                <a:ext uri="{FF2B5EF4-FFF2-40B4-BE49-F238E27FC236}">
+                  <a16:creationId xmlns:a16="http://schemas.microsoft.com/office/drawing/2014/main" id="{B0013047-485C-44A6-AA23-553557840C84}"/>
+                </a:ext>
+              </a:extLst>
+            </p:cNvPr>
+            <p:cNvPicPr>
+              <a:picLocks noChangeAspect="1"/>
+            </p:cNvPicPr>
+            <p:nvPr/>
+          </p:nvPicPr>
+          <p:blipFill>
+            <a:blip r:embed="rId3" cstate="print">
+              <a:extLst>
+                <a:ext uri="{28A0092B-C50C-407E-A947-70E740481C1C}">
+                  <a14:useLocalDpi xmlns:a14="http://schemas.microsoft.com/office/drawing/2010/main" val="0"/>
+                </a:ext>
+              </a:extLst>
+            </a:blip>
+            <a:stretch>
+              <a:fillRect/>
+            </a:stretch>
+          </p:blipFill>
+          <p:spPr>
+            <a:xfrm>
+              <a:off x="2480952" y="2496930"/>
+              <a:ext cx="780290" cy="780290"/>
+            </a:xfrm>
+            <a:prstGeom prst="rect">
+              <a:avLst/>
+            </a:prstGeom>
+          </p:spPr>
+        </p:pic>
+        <p:sp>
+          <p:nvSpPr>
+            <p:cNvPr id="24" name="TextBox 23">
+              <a:extLst>
+                <a:ext uri="{FF2B5EF4-FFF2-40B4-BE49-F238E27FC236}">
+                  <a16:creationId xmlns:a16="http://schemas.microsoft.com/office/drawing/2014/main" id="{6A0FB549-98C0-46B2-A37B-47C869B42A1A}"/>
+                </a:ext>
+              </a:extLst>
+            </p:cNvPr>
+            <p:cNvSpPr txBox="1"/>
+            <p:nvPr/>
+          </p:nvSpPr>
+          <p:spPr>
+            <a:xfrm>
+              <a:off x="2049397" y="3292342"/>
+              <a:ext cx="1643399" cy="523220"/>
+            </a:xfrm>
+            <a:prstGeom prst="rect">
+              <a:avLst/>
+            </a:prstGeom>
+            <a:noFill/>
+          </p:spPr>
+          <p:txBody>
+            <a:bodyPr wrap="none" rtlCol="0">
+              <a:spAutoFit/>
+            </a:bodyPr>
+            <a:lstStyle/>
+            <a:p>
+              <a:pPr algn="ctr"/>
+              <a:r>
+                <a:rPr lang="en-GB" dirty="0">
+                  <a:latin typeface="Open Sans" panose="020B0606030504020204"/>
+                </a:rPr>
+                <a:t>Azure SQL </a:t>
+              </a:r>
+            </a:p>
+            <a:p>
+              <a:pPr algn="ctr"/>
+              <a:r>
+                <a:rPr lang="en-GB" dirty="0">
+                  <a:latin typeface="Open Sans" panose="020B0606030504020204"/>
+                </a:rPr>
+                <a:t>Managed Instance</a:t>
+              </a:r>
+              <a:endParaRPr lang="en-US" dirty="0">
+                <a:latin typeface="Open Sans" panose="020B0606030504020204"/>
+              </a:endParaRPr>
+            </a:p>
+          </p:txBody>
+        </p:sp>
+      </p:grpSp>
+      <p:grpSp>
+        <p:nvGrpSpPr>
+          <p:cNvPr id="28" name="Group 27">
+            <a:extLst>
+              <a:ext uri="{FF2B5EF4-FFF2-40B4-BE49-F238E27FC236}">
+                <a16:creationId xmlns:a16="http://schemas.microsoft.com/office/drawing/2014/main" id="{9B5051FC-1078-4212-8D85-C46C29BBBB4D}"/>
+              </a:ext>
+            </a:extLst>
+          </p:cNvPr>
+          <p:cNvGrpSpPr/>
+          <p:nvPr/>
+        </p:nvGrpSpPr>
+        <p:grpSpPr>
+          <a:xfrm>
+            <a:off x="6454875" y="1942650"/>
+            <a:ext cx="1625188" cy="1328840"/>
+            <a:chOff x="3759406" y="1834967"/>
+            <a:chExt cx="1625188" cy="1328840"/>
+          </a:xfrm>
+        </p:grpSpPr>
+        <p:pic>
+          <p:nvPicPr>
+            <p:cNvPr id="9" name="Picture 8" descr="A picture containing transport&#10;&#10;Description automatically generated">
+              <a:extLst>
+                <a:ext uri="{FF2B5EF4-FFF2-40B4-BE49-F238E27FC236}">
+                  <a16:creationId xmlns:a16="http://schemas.microsoft.com/office/drawing/2014/main" id="{06FDBE38-7389-4DAC-9BEF-D69EDDD2EAAD}"/>
+                </a:ext>
+              </a:extLst>
+            </p:cNvPr>
+            <p:cNvPicPr>
+              <a:picLocks noChangeAspect="1"/>
+            </p:cNvPicPr>
+            <p:nvPr/>
+          </p:nvPicPr>
+          <p:blipFill>
+            <a:blip r:embed="rId4" cstate="print">
+              <a:extLst>
+                <a:ext uri="{28A0092B-C50C-407E-A947-70E740481C1C}">
+                  <a14:useLocalDpi xmlns:a14="http://schemas.microsoft.com/office/drawing/2010/main" val="0"/>
+                </a:ext>
+              </a:extLst>
+            </a:blip>
+            <a:stretch>
+              <a:fillRect/>
+            </a:stretch>
+          </p:blipFill>
+          <p:spPr>
+            <a:xfrm>
+              <a:off x="4181855" y="1834967"/>
+              <a:ext cx="1126928" cy="1126928"/>
+            </a:xfrm>
+            <a:prstGeom prst="rect">
+              <a:avLst/>
+            </a:prstGeom>
+          </p:spPr>
+        </p:pic>
+        <p:sp>
+          <p:nvSpPr>
+            <p:cNvPr id="26" name="TextBox 25">
+              <a:extLst>
+                <a:ext uri="{FF2B5EF4-FFF2-40B4-BE49-F238E27FC236}">
+                  <a16:creationId xmlns:a16="http://schemas.microsoft.com/office/drawing/2014/main" id="{543EA680-64D1-4CCD-972F-E1511E097958}"/>
+                </a:ext>
+              </a:extLst>
+            </p:cNvPr>
+            <p:cNvSpPr txBox="1"/>
+            <p:nvPr/>
+          </p:nvSpPr>
+          <p:spPr>
+            <a:xfrm>
+              <a:off x="3759406" y="2856030"/>
+              <a:ext cx="1625188" cy="307777"/>
+            </a:xfrm>
+            <a:prstGeom prst="rect">
+              <a:avLst/>
+            </a:prstGeom>
+            <a:noFill/>
+          </p:spPr>
+          <p:txBody>
+            <a:bodyPr wrap="none" rtlCol="0">
+              <a:spAutoFit/>
+            </a:bodyPr>
+            <a:lstStyle/>
+            <a:p>
+              <a:r>
+                <a:rPr lang="en-GB" dirty="0">
+                  <a:latin typeface="Open Sans" panose="020B0606030504020204"/>
+                </a:rPr>
+                <a:t>Azure Automation</a:t>
+              </a:r>
+              <a:endParaRPr lang="en-US" dirty="0">
+                <a:latin typeface="Open Sans" panose="020B0606030504020204"/>
+              </a:endParaRPr>
+            </a:p>
+          </p:txBody>
+        </p:sp>
+      </p:grpSp>
+      <p:grpSp>
+        <p:nvGrpSpPr>
+          <p:cNvPr id="30" name="Group 29">
+            <a:extLst>
+              <a:ext uri="{FF2B5EF4-FFF2-40B4-BE49-F238E27FC236}">
+                <a16:creationId xmlns:a16="http://schemas.microsoft.com/office/drawing/2014/main" id="{01B154A4-C397-4332-8412-6E0F3EB8C967}"/>
+              </a:ext>
+            </a:extLst>
+          </p:cNvPr>
+          <p:cNvGrpSpPr/>
+          <p:nvPr/>
+        </p:nvGrpSpPr>
+        <p:grpSpPr>
+          <a:xfrm>
+            <a:off x="3426826" y="1929158"/>
+            <a:ext cx="1850443" cy="1285184"/>
+            <a:chOff x="6051467" y="1420896"/>
+            <a:chExt cx="1850443" cy="1285184"/>
+          </a:xfrm>
+        </p:grpSpPr>
+        <p:pic>
+          <p:nvPicPr>
+            <p:cNvPr id="19" name="Picture 18">
+              <a:extLst>
+                <a:ext uri="{FF2B5EF4-FFF2-40B4-BE49-F238E27FC236}">
+                  <a16:creationId xmlns:a16="http://schemas.microsoft.com/office/drawing/2014/main" id="{10C25683-8742-4BA4-B25E-2E02FBEE0E41}"/>
+                </a:ext>
+              </a:extLst>
+            </p:cNvPr>
+            <p:cNvPicPr>
+              <a:picLocks noChangeAspect="1"/>
+            </p:cNvPicPr>
+            <p:nvPr/>
+          </p:nvPicPr>
+          <p:blipFill>
+            <a:blip r:embed="rId5" cstate="print">
+              <a:extLst>
+                <a:ext uri="{28A0092B-C50C-407E-A947-70E740481C1C}">
+                  <a14:useLocalDpi xmlns:a14="http://schemas.microsoft.com/office/drawing/2010/main" val="0"/>
+                </a:ext>
+              </a:extLst>
+            </a:blip>
+            <a:stretch>
+              <a:fillRect/>
+            </a:stretch>
+          </p:blipFill>
+          <p:spPr>
+            <a:xfrm>
+              <a:off x="6413226" y="1420896"/>
+              <a:ext cx="1126927" cy="1126927"/>
+            </a:xfrm>
+            <a:prstGeom prst="rect">
+              <a:avLst/>
+            </a:prstGeom>
+          </p:spPr>
+        </p:pic>
+        <p:sp>
+          <p:nvSpPr>
+            <p:cNvPr id="29" name="TextBox 28">
+              <a:extLst>
+                <a:ext uri="{FF2B5EF4-FFF2-40B4-BE49-F238E27FC236}">
+                  <a16:creationId xmlns:a16="http://schemas.microsoft.com/office/drawing/2014/main" id="{F671F576-F191-4194-968C-72CCDC5C0FE5}"/>
+                </a:ext>
+              </a:extLst>
+            </p:cNvPr>
+            <p:cNvSpPr txBox="1"/>
+            <p:nvPr/>
+          </p:nvSpPr>
+          <p:spPr>
+            <a:xfrm>
+              <a:off x="6051467" y="2398303"/>
+              <a:ext cx="1850443" cy="307777"/>
+            </a:xfrm>
+            <a:prstGeom prst="rect">
+              <a:avLst/>
+            </a:prstGeom>
+            <a:noFill/>
+          </p:spPr>
+          <p:txBody>
+            <a:bodyPr wrap="none" rtlCol="0">
+              <a:spAutoFit/>
+            </a:bodyPr>
+            <a:lstStyle/>
+            <a:p>
+              <a:r>
+                <a:rPr lang="en-GB" dirty="0"/>
+                <a:t>Azure SQL Elastics Jobs</a:t>
+              </a:r>
+              <a:endParaRPr lang="en-US" dirty="0"/>
+            </a:p>
+          </p:txBody>
+        </p:sp>
+      </p:grpSp>
+      <p:grpSp>
+        <p:nvGrpSpPr>
+          <p:cNvPr id="32" name="Group 31">
+            <a:extLst>
+              <a:ext uri="{FF2B5EF4-FFF2-40B4-BE49-F238E27FC236}">
+                <a16:creationId xmlns:a16="http://schemas.microsoft.com/office/drawing/2014/main" id="{46818DCA-77AA-47A1-838E-465028D40C79}"/>
+              </a:ext>
+            </a:extLst>
+          </p:cNvPr>
+          <p:cNvGrpSpPr/>
+          <p:nvPr/>
+        </p:nvGrpSpPr>
+        <p:grpSpPr>
+          <a:xfrm>
+            <a:off x="512899" y="2157265"/>
+            <a:ext cx="923727" cy="1226889"/>
+            <a:chOff x="6039073" y="2773661"/>
+            <a:chExt cx="923727" cy="1226889"/>
+          </a:xfrm>
+        </p:grpSpPr>
+        <p:pic>
+          <p:nvPicPr>
+            <p:cNvPr id="21" name="Picture 20" descr="A picture containing electronics, display&#10;&#10;Description automatically generated">
+              <a:extLst>
+                <a:ext uri="{FF2B5EF4-FFF2-40B4-BE49-F238E27FC236}">
+                  <a16:creationId xmlns:a16="http://schemas.microsoft.com/office/drawing/2014/main" id="{C03E3B11-33DC-4DA0-AF97-2FEDE8DAC5F5}"/>
+                </a:ext>
+              </a:extLst>
+            </p:cNvPr>
+            <p:cNvPicPr>
+              <a:picLocks noChangeAspect="1"/>
+            </p:cNvPicPr>
+            <p:nvPr/>
+          </p:nvPicPr>
+          <p:blipFill>
+            <a:blip r:embed="rId6" cstate="print">
+              <a:extLst>
+                <a:ext uri="{28A0092B-C50C-407E-A947-70E740481C1C}">
+                  <a14:useLocalDpi xmlns:a14="http://schemas.microsoft.com/office/drawing/2010/main" val="0"/>
+                </a:ext>
+              </a:extLst>
+            </a:blip>
+            <a:stretch>
+              <a:fillRect/>
+            </a:stretch>
+          </p:blipFill>
+          <p:spPr>
+            <a:xfrm>
+              <a:off x="6039073" y="2773661"/>
+              <a:ext cx="923727" cy="923727"/>
+            </a:xfrm>
+            <a:prstGeom prst="rect">
+              <a:avLst/>
+            </a:prstGeom>
+          </p:spPr>
+        </p:pic>
+        <p:sp>
+          <p:nvSpPr>
+            <p:cNvPr id="31" name="TextBox 30">
+              <a:extLst>
+                <a:ext uri="{FF2B5EF4-FFF2-40B4-BE49-F238E27FC236}">
+                  <a16:creationId xmlns:a16="http://schemas.microsoft.com/office/drawing/2014/main" id="{F98A44E5-DDC6-4400-A8A2-2AFBE37515D0}"/>
+                </a:ext>
+              </a:extLst>
+            </p:cNvPr>
+            <p:cNvSpPr txBox="1"/>
+            <p:nvPr/>
+          </p:nvSpPr>
+          <p:spPr>
+            <a:xfrm>
+              <a:off x="6084032" y="3692773"/>
+              <a:ext cx="801823" cy="307777"/>
+            </a:xfrm>
+            <a:prstGeom prst="rect">
+              <a:avLst/>
+            </a:prstGeom>
+            <a:noFill/>
+          </p:spPr>
+          <p:txBody>
+            <a:bodyPr wrap="none" rtlCol="0">
+              <a:spAutoFit/>
+            </a:bodyPr>
+            <a:lstStyle/>
+            <a:p>
+              <a:r>
+                <a:rPr lang="en-GB" dirty="0"/>
+                <a:t>SQL IaaS</a:t>
+              </a:r>
+              <a:endParaRPr lang="en-US" dirty="0"/>
+            </a:p>
+          </p:txBody>
+        </p:sp>
+      </p:grpSp>
+    </p:spTree>
+    <p:extLst>
+      <p:ext uri="{BB962C8B-B14F-4D97-AF65-F5344CB8AC3E}">
+        <p14:creationId xmlns:p14="http://schemas.microsoft.com/office/powerpoint/2010/main" val="3519242471"/>
+      </p:ext>
+    </p:extLst>
+  </p:cSld>
+  <p:clrMapOvr>
+    <a:masterClrMapping/>
+  </p:clrMapOvr>
+</p:sld>
+</file>
+
+<file path=ppt/slides/slide5.xml><?xml version="1.0" encoding="utf-8"?>
+<p:sld xmlns:a="http://schemas.openxmlformats.org/drawingml/2006/main" xmlns:r="http://schemas.openxmlformats.org/officeDocument/2006/relationships" xmlns:p="http://schemas.openxmlformats.org/presentationml/2006/main">
+  <p:cSld>
+    <p:spTree>
+      <p:nvGrpSpPr>
+        <p:cNvPr id="1" name=""/>
+        <p:cNvGrpSpPr/>
+        <p:nvPr/>
+      </p:nvGrpSpPr>
+      <p:grpSpPr>
+        <a:xfrm>
+          <a:off x="0" y="0"/>
+          <a:ext cx="0" cy="0"/>
+          <a:chOff x="0" y="0"/>
+          <a:chExt cx="0" cy="0"/>
+        </a:xfrm>
+      </p:grpSpPr>
+      <p:sp>
+        <p:nvSpPr>
+          <p:cNvPr id="4" name="Titel 3"/>
+          <p:cNvSpPr>
+            <a:spLocks noGrp="1"/>
+          </p:cNvSpPr>
+          <p:nvPr>
+            <p:ph type="title"/>
+          </p:nvPr>
+        </p:nvSpPr>
+        <p:spPr/>
+        <p:txBody>
+          <a:bodyPr/>
+          <a:lstStyle/>
+          <a:p>
+            <a:r>
+              <a:rPr lang="en-US" b="1" cap="all" dirty="0"/>
+              <a:t>ELASTIC DATABASE JOBS</a:t>
+            </a:r>
+            <a:endParaRPr lang="de-DE" dirty="0"/>
+          </a:p>
+        </p:txBody>
+      </p:sp>
+      <p:sp>
+        <p:nvSpPr>
+          <p:cNvPr id="5" name="Inhaltsplatzhalter 4"/>
+          <p:cNvSpPr>
+            <a:spLocks noGrp="1"/>
+          </p:cNvSpPr>
+          <p:nvPr>
+            <p:ph idx="1"/>
+          </p:nvPr>
+        </p:nvSpPr>
+        <p:spPr>
+          <a:xfrm>
+            <a:off x="426308" y="1628711"/>
+            <a:ext cx="8007178" cy="2992788"/>
+          </a:xfrm>
+        </p:spPr>
+        <p:txBody>
+          <a:bodyPr/>
+          <a:lstStyle/>
+          <a:p>
+            <a:pPr fontAlgn="base"/>
+            <a:r>
+              <a:rPr lang="en-US" sz="1800" dirty="0"/>
+              <a:t>Run jobs in parallel across databases</a:t>
+            </a:r>
+          </a:p>
+          <a:p>
+            <a:pPr fontAlgn="base"/>
+            <a:r>
+              <a:rPr lang="en-US" sz="1800" dirty="0"/>
+              <a:t>Jobs written in T-SQL</a:t>
+            </a:r>
+          </a:p>
+          <a:p>
+            <a:pPr fontAlgn="base"/>
+            <a:r>
+              <a:rPr lang="en-US" sz="1800" dirty="0"/>
+              <a:t>Supports SQL Databases, Servers and Elastic Pools</a:t>
+            </a:r>
+          </a:p>
+          <a:p>
+            <a:pPr fontAlgn="base"/>
+            <a:r>
+              <a:rPr lang="en-US" sz="1800" dirty="0"/>
+              <a:t>Jobs can run across subscription</a:t>
+            </a:r>
+          </a:p>
+          <a:p>
+            <a:pPr fontAlgn="base"/>
+            <a:r>
+              <a:rPr lang="en-US" sz="1800" dirty="0"/>
+              <a:t>One-off or scheduled execution</a:t>
+            </a:r>
+          </a:p>
+          <a:p>
+            <a:pPr fontAlgn="base"/>
+            <a:r>
+              <a:rPr lang="en-US" sz="1800" dirty="0"/>
+              <a:t>Performance, cost and scale depends on Job DB</a:t>
+            </a:r>
+          </a:p>
+          <a:p>
+            <a:pPr fontAlgn="base"/>
+            <a:r>
+              <a:rPr lang="en-US" sz="1800" dirty="0"/>
+              <a:t>Currently in Preview</a:t>
+            </a:r>
+          </a:p>
+          <a:p>
+            <a:pPr fontAlgn="base"/>
+            <a:r>
+              <a:rPr lang="en-US" sz="1800" dirty="0"/>
+              <a:t>Administration is all PowerShell or T-SQL (no GUI)</a:t>
+            </a:r>
+          </a:p>
+          <a:p>
+            <a:pPr marL="0" indent="0" fontAlgn="base">
+              <a:buNone/>
+            </a:pPr>
+            <a:r>
+              <a:rPr lang="en-US" b="1" dirty="0">
+                <a:solidFill>
+                  <a:srgbClr val="94AD24"/>
+                </a:solidFill>
+              </a:rPr>
+              <a:t>Cost: £10 - £3000 per month</a:t>
+            </a:r>
+          </a:p>
+          <a:p>
+            <a:pPr marL="0" indent="0">
+              <a:buNone/>
+            </a:pPr>
+            <a:endParaRPr lang="de-DE" dirty="0"/>
+          </a:p>
+        </p:txBody>
+      </p:sp>
+    </p:spTree>
+    <p:extLst>
+      <p:ext uri="{BB962C8B-B14F-4D97-AF65-F5344CB8AC3E}">
+        <p14:creationId xmlns:p14="http://schemas.microsoft.com/office/powerpoint/2010/main" val="1616799826"/>
+      </p:ext>
+    </p:extLst>
+  </p:cSld>
+  <p:clrMapOvr>
+    <a:masterClrMapping/>
+  </p:clrMapOvr>
+</p:sld>
+</file>
+
+<file path=ppt/slides/slide6.xml><?xml version="1.0" encoding="utf-8"?>
+<p:sld xmlns:a="http://schemas.openxmlformats.org/drawingml/2006/main" xmlns:r="http://schemas.openxmlformats.org/officeDocument/2006/relationships" xmlns:p="http://schemas.openxmlformats.org/presentationml/2006/main">
+  <p:cSld>
+    <p:spTree>
+      <p:nvGrpSpPr>
+        <p:cNvPr id="1" name=""/>
+        <p:cNvGrpSpPr/>
+        <p:nvPr/>
+      </p:nvGrpSpPr>
+      <p:grpSpPr>
+        <a:xfrm>
+          <a:off x="0" y="0"/>
+          <a:ext cx="0" cy="0"/>
+          <a:chOff x="0" y="0"/>
+          <a:chExt cx="0" cy="0"/>
+        </a:xfrm>
+      </p:grpSpPr>
+      <p:pic>
+        <p:nvPicPr>
+          <p:cNvPr id="7" name="Graphic 6">
+            <a:extLst>
+              <a:ext uri="{FF2B5EF4-FFF2-40B4-BE49-F238E27FC236}">
+                <a16:creationId xmlns:a16="http://schemas.microsoft.com/office/drawing/2014/main" id="{88F2EA76-6710-41D0-9DC5-D9740DA3DAFB}"/>
+              </a:ext>
+            </a:extLst>
+          </p:cNvPr>
+          <p:cNvPicPr>
+            <a:picLocks noChangeAspect="1"/>
+          </p:cNvPicPr>
+          <p:nvPr/>
+        </p:nvPicPr>
+        <p:blipFill>
+          <a:blip r:embed="rId2">
+            <a:extLst>
+              <a:ext uri="{28A0092B-C50C-407E-A947-70E740481C1C}">
+                <a14:useLocalDpi xmlns:a14="http://schemas.microsoft.com/office/drawing/2010/main" val="0"/>
+              </a:ext>
+              <a:ext uri="{96DAC541-7B7A-43D3-8B79-37D633B846F1}">
+                <asvg:svgBlip xmlns:asvg="http://schemas.microsoft.com/office/drawing/2016/SVG/main" r:embed="rId3"/>
+              </a:ext>
+            </a:extLst>
+          </a:blip>
+          <a:stretch>
+            <a:fillRect/>
+          </a:stretch>
+        </p:blipFill>
+        <p:spPr>
+          <a:xfrm>
+            <a:off x="552015" y="2058422"/>
+            <a:ext cx="410308" cy="410308"/>
+          </a:xfrm>
+          <a:prstGeom prst="rect">
+            <a:avLst/>
+          </a:prstGeom>
+        </p:spPr>
+      </p:pic>
+      <p:sp>
+        <p:nvSpPr>
+          <p:cNvPr id="18" name="TextBox 17">
+            <a:extLst>
+              <a:ext uri="{FF2B5EF4-FFF2-40B4-BE49-F238E27FC236}">
+                <a16:creationId xmlns:a16="http://schemas.microsoft.com/office/drawing/2014/main" id="{9240B526-CE4C-48F2-B4D7-ACA35849FDB5}"/>
+              </a:ext>
+            </a:extLst>
+          </p:cNvPr>
+          <p:cNvSpPr txBox="1"/>
+          <p:nvPr/>
+        </p:nvSpPr>
+        <p:spPr>
+          <a:xfrm>
+            <a:off x="1009215" y="2058422"/>
+            <a:ext cx="4313425" cy="400110"/>
+          </a:xfrm>
+          <a:prstGeom prst="rect">
+            <a:avLst/>
+          </a:prstGeom>
+          <a:noFill/>
+        </p:spPr>
+        <p:txBody>
+          <a:bodyPr wrap="none" rtlCol="0">
+            <a:spAutoFit/>
+          </a:bodyPr>
+          <a:lstStyle/>
+          <a:p>
+            <a:r>
+              <a:rPr lang="en-GB" sz="2000" dirty="0">
+                <a:latin typeface="Open Sans" panose="020B0606030504020204"/>
+              </a:rPr>
+              <a:t>Run jobs across databases in parallel</a:t>
+            </a:r>
+          </a:p>
+        </p:txBody>
+      </p:sp>
+      <p:pic>
+        <p:nvPicPr>
+          <p:cNvPr id="11" name="Graphic 10">
+            <a:extLst>
+              <a:ext uri="{FF2B5EF4-FFF2-40B4-BE49-F238E27FC236}">
+                <a16:creationId xmlns:a16="http://schemas.microsoft.com/office/drawing/2014/main" id="{939C490B-2521-4814-ADC7-3865321F9561}"/>
+              </a:ext>
+            </a:extLst>
+          </p:cNvPr>
+          <p:cNvPicPr>
+            <a:picLocks noChangeAspect="1"/>
+          </p:cNvPicPr>
+          <p:nvPr/>
+        </p:nvPicPr>
+        <p:blipFill>
+          <a:blip r:embed="rId4">
+            <a:extLst>
+              <a:ext uri="{28A0092B-C50C-407E-A947-70E740481C1C}">
+                <a14:useLocalDpi xmlns:a14="http://schemas.microsoft.com/office/drawing/2010/main" val="0"/>
+              </a:ext>
+              <a:ext uri="{96DAC541-7B7A-43D3-8B79-37D633B846F1}">
+                <asvg:svgBlip xmlns:asvg="http://schemas.microsoft.com/office/drawing/2016/SVG/main" r:embed="rId5"/>
+              </a:ext>
+            </a:extLst>
+          </a:blip>
+          <a:stretch>
+            <a:fillRect/>
+          </a:stretch>
+        </p:blipFill>
+        <p:spPr>
+          <a:xfrm>
+            <a:off x="552015" y="1626914"/>
+            <a:ext cx="410308" cy="410308"/>
+          </a:xfrm>
+          <a:prstGeom prst="rect">
+            <a:avLst/>
+          </a:prstGeom>
+        </p:spPr>
+      </p:pic>
+      <p:sp>
+        <p:nvSpPr>
+          <p:cNvPr id="20" name="TextBox 19">
+            <a:extLst>
+              <a:ext uri="{FF2B5EF4-FFF2-40B4-BE49-F238E27FC236}">
+                <a16:creationId xmlns:a16="http://schemas.microsoft.com/office/drawing/2014/main" id="{5E10C563-ABB0-4A69-AB4F-66E197934585}"/>
+              </a:ext>
+            </a:extLst>
+          </p:cNvPr>
+          <p:cNvSpPr txBox="1"/>
+          <p:nvPr/>
+        </p:nvSpPr>
+        <p:spPr>
+          <a:xfrm>
+            <a:off x="1009215" y="1626914"/>
+            <a:ext cx="2404441" cy="400110"/>
+          </a:xfrm>
+          <a:prstGeom prst="rect">
+            <a:avLst/>
+          </a:prstGeom>
+          <a:noFill/>
+        </p:spPr>
+        <p:txBody>
+          <a:bodyPr wrap="none" rtlCol="0">
+            <a:spAutoFit/>
+          </a:bodyPr>
+          <a:lstStyle/>
+          <a:p>
+            <a:r>
+              <a:rPr lang="en-GB" sz="2000" dirty="0">
+                <a:latin typeface="Open Sans" panose="020B0606030504020204"/>
+              </a:rPr>
+              <a:t>Write Jobs in T-SQL</a:t>
+            </a:r>
+          </a:p>
+        </p:txBody>
+      </p:sp>
+      <p:pic>
+        <p:nvPicPr>
+          <p:cNvPr id="9" name="Graphic 8">
+            <a:extLst>
+              <a:ext uri="{FF2B5EF4-FFF2-40B4-BE49-F238E27FC236}">
+                <a16:creationId xmlns:a16="http://schemas.microsoft.com/office/drawing/2014/main" id="{A921C73F-3BE6-4FC5-895E-86EE76E94E79}"/>
+              </a:ext>
+            </a:extLst>
+          </p:cNvPr>
+          <p:cNvPicPr>
+            <a:picLocks noChangeAspect="1"/>
+          </p:cNvPicPr>
+          <p:nvPr/>
+        </p:nvPicPr>
+        <p:blipFill>
+          <a:blip r:embed="rId6">
+            <a:extLst>
+              <a:ext uri="{28A0092B-C50C-407E-A947-70E740481C1C}">
+                <a14:useLocalDpi xmlns:a14="http://schemas.microsoft.com/office/drawing/2010/main" val="0"/>
+              </a:ext>
+              <a:ext uri="{96DAC541-7B7A-43D3-8B79-37D633B846F1}">
+                <asvg:svgBlip xmlns:asvg="http://schemas.microsoft.com/office/drawing/2016/SVG/main" r:embed="rId7"/>
+              </a:ext>
+            </a:extLst>
+          </a:blip>
+          <a:stretch>
+            <a:fillRect/>
+          </a:stretch>
+        </p:blipFill>
+        <p:spPr>
+          <a:xfrm>
+            <a:off x="552015" y="2489930"/>
+            <a:ext cx="410308" cy="410308"/>
+          </a:xfrm>
+          <a:prstGeom prst="rect">
+            <a:avLst/>
+          </a:prstGeom>
+        </p:spPr>
+      </p:pic>
+      <p:sp>
+        <p:nvSpPr>
+          <p:cNvPr id="21" name="TextBox 20">
+            <a:extLst>
+              <a:ext uri="{FF2B5EF4-FFF2-40B4-BE49-F238E27FC236}">
+                <a16:creationId xmlns:a16="http://schemas.microsoft.com/office/drawing/2014/main" id="{BFF3111A-39FB-48DD-8CB3-D51CC33B3AA9}"/>
+              </a:ext>
+            </a:extLst>
+          </p:cNvPr>
+          <p:cNvSpPr txBox="1"/>
+          <p:nvPr/>
+        </p:nvSpPr>
+        <p:spPr>
+          <a:xfrm>
+            <a:off x="1009215" y="2489930"/>
+            <a:ext cx="6575839" cy="400110"/>
+          </a:xfrm>
+          <a:prstGeom prst="rect">
+            <a:avLst/>
+          </a:prstGeom>
+          <a:noFill/>
+        </p:spPr>
+        <p:txBody>
+          <a:bodyPr wrap="none" rtlCol="0">
+            <a:spAutoFit/>
+          </a:bodyPr>
+          <a:lstStyle/>
+          <a:p>
+            <a:r>
+              <a:rPr lang="en-GB" sz="2000" dirty="0">
+                <a:latin typeface="Open Sans" panose="020B0606030504020204"/>
+              </a:rPr>
+              <a:t>Supports Azure SQL Databases, Servers and Elastic Pools</a:t>
+            </a:r>
+          </a:p>
+        </p:txBody>
+      </p:sp>
+      <p:pic>
+        <p:nvPicPr>
+          <p:cNvPr id="13" name="Graphic 12">
+            <a:extLst>
+              <a:ext uri="{FF2B5EF4-FFF2-40B4-BE49-F238E27FC236}">
+                <a16:creationId xmlns:a16="http://schemas.microsoft.com/office/drawing/2014/main" id="{6926822B-1CA2-4551-8900-BC9814FAE0EB}"/>
+              </a:ext>
+            </a:extLst>
+          </p:cNvPr>
+          <p:cNvPicPr>
+            <a:picLocks noChangeAspect="1"/>
+          </p:cNvPicPr>
+          <p:nvPr/>
+        </p:nvPicPr>
+        <p:blipFill>
+          <a:blip r:embed="rId8">
+            <a:extLst>
+              <a:ext uri="{28A0092B-C50C-407E-A947-70E740481C1C}">
+                <a14:useLocalDpi xmlns:a14="http://schemas.microsoft.com/office/drawing/2010/main" val="0"/>
+              </a:ext>
+              <a:ext uri="{96DAC541-7B7A-43D3-8B79-37D633B846F1}">
+                <asvg:svgBlip xmlns:asvg="http://schemas.microsoft.com/office/drawing/2016/SVG/main" r:embed="rId9"/>
+              </a:ext>
+            </a:extLst>
+          </a:blip>
+          <a:stretch>
+            <a:fillRect/>
+          </a:stretch>
+        </p:blipFill>
+        <p:spPr>
+          <a:xfrm>
+            <a:off x="552015" y="2921438"/>
+            <a:ext cx="410308" cy="410308"/>
+          </a:xfrm>
+          <a:prstGeom prst="rect">
+            <a:avLst/>
+          </a:prstGeom>
+        </p:spPr>
+      </p:pic>
+      <p:sp>
+        <p:nvSpPr>
+          <p:cNvPr id="22" name="TextBox 21">
+            <a:extLst>
+              <a:ext uri="{FF2B5EF4-FFF2-40B4-BE49-F238E27FC236}">
+                <a16:creationId xmlns:a16="http://schemas.microsoft.com/office/drawing/2014/main" id="{DFFCD725-25B0-4A19-AC61-AE729EAFFAFA}"/>
+              </a:ext>
+            </a:extLst>
+          </p:cNvPr>
+          <p:cNvSpPr txBox="1"/>
+          <p:nvPr/>
+        </p:nvSpPr>
+        <p:spPr>
+          <a:xfrm>
+            <a:off x="1009215" y="2921438"/>
+            <a:ext cx="3193503" cy="400110"/>
+          </a:xfrm>
+          <a:prstGeom prst="rect">
+            <a:avLst/>
+          </a:prstGeom>
+          <a:noFill/>
+        </p:spPr>
+        <p:txBody>
+          <a:bodyPr wrap="none" rtlCol="0">
+            <a:spAutoFit/>
+          </a:bodyPr>
+          <a:lstStyle/>
+          <a:p>
+            <a:r>
+              <a:rPr lang="en-GB" sz="2000" dirty="0">
+                <a:latin typeface="Open Sans" panose="020B0606030504020204"/>
+              </a:rPr>
+              <a:t>One-Off or scheduled jobs</a:t>
+            </a:r>
+          </a:p>
+        </p:txBody>
+      </p:sp>
+      <p:pic>
+        <p:nvPicPr>
+          <p:cNvPr id="15" name="Graphic 14">
+            <a:extLst>
+              <a:ext uri="{FF2B5EF4-FFF2-40B4-BE49-F238E27FC236}">
+                <a16:creationId xmlns:a16="http://schemas.microsoft.com/office/drawing/2014/main" id="{3472C31C-A165-4D30-9F26-344428BA2B5C}"/>
+              </a:ext>
+            </a:extLst>
+          </p:cNvPr>
+          <p:cNvPicPr>
+            <a:picLocks noChangeAspect="1"/>
+          </p:cNvPicPr>
+          <p:nvPr/>
+        </p:nvPicPr>
+        <p:blipFill>
+          <a:blip r:embed="rId10">
+            <a:extLst>
+              <a:ext uri="{28A0092B-C50C-407E-A947-70E740481C1C}">
+                <a14:useLocalDpi xmlns:a14="http://schemas.microsoft.com/office/drawing/2010/main" val="0"/>
+              </a:ext>
+              <a:ext uri="{96DAC541-7B7A-43D3-8B79-37D633B846F1}">
+                <asvg:svgBlip xmlns:asvg="http://schemas.microsoft.com/office/drawing/2016/SVG/main" r:embed="rId11"/>
+              </a:ext>
+            </a:extLst>
+          </a:blip>
+          <a:stretch>
+            <a:fillRect/>
+          </a:stretch>
+        </p:blipFill>
+        <p:spPr>
+          <a:xfrm>
+            <a:off x="530550" y="3352946"/>
+            <a:ext cx="453238" cy="453238"/>
+          </a:xfrm>
+          <a:prstGeom prst="rect">
+            <a:avLst/>
+          </a:prstGeom>
+        </p:spPr>
+      </p:pic>
+      <p:sp>
+        <p:nvSpPr>
+          <p:cNvPr id="23" name="TextBox 22">
+            <a:extLst>
+              <a:ext uri="{FF2B5EF4-FFF2-40B4-BE49-F238E27FC236}">
+                <a16:creationId xmlns:a16="http://schemas.microsoft.com/office/drawing/2014/main" id="{FE734312-C5C3-4418-987D-81EF3627779B}"/>
+              </a:ext>
+            </a:extLst>
+          </p:cNvPr>
+          <p:cNvSpPr txBox="1"/>
+          <p:nvPr/>
+        </p:nvSpPr>
+        <p:spPr>
+          <a:xfrm>
+            <a:off x="1009215" y="3352946"/>
+            <a:ext cx="2446119" cy="400110"/>
+          </a:xfrm>
+          <a:prstGeom prst="rect">
+            <a:avLst/>
+          </a:prstGeom>
+          <a:noFill/>
+        </p:spPr>
+        <p:txBody>
+          <a:bodyPr wrap="none" rtlCol="0">
+            <a:spAutoFit/>
+          </a:bodyPr>
+          <a:lstStyle/>
+          <a:p>
+            <a:r>
+              <a:rPr lang="en-GB" sz="2000" dirty="0">
+                <a:latin typeface="Open Sans" panose="020B0606030504020204"/>
+              </a:rPr>
+              <a:t>Currently in preview</a:t>
+            </a:r>
+          </a:p>
+        </p:txBody>
+      </p:sp>
+      <p:pic>
+        <p:nvPicPr>
+          <p:cNvPr id="17" name="Graphic 16">
+            <a:extLst>
+              <a:ext uri="{FF2B5EF4-FFF2-40B4-BE49-F238E27FC236}">
+                <a16:creationId xmlns:a16="http://schemas.microsoft.com/office/drawing/2014/main" id="{37B407DA-D556-409F-BCCB-F68D07C4F52A}"/>
+              </a:ext>
+            </a:extLst>
+          </p:cNvPr>
+          <p:cNvPicPr>
+            <a:picLocks noChangeAspect="1"/>
+          </p:cNvPicPr>
+          <p:nvPr/>
+        </p:nvPicPr>
+        <p:blipFill>
+          <a:blip r:embed="rId12">
+            <a:extLst>
+              <a:ext uri="{28A0092B-C50C-407E-A947-70E740481C1C}">
+                <a14:useLocalDpi xmlns:a14="http://schemas.microsoft.com/office/drawing/2010/main" val="0"/>
+              </a:ext>
+              <a:ext uri="{96DAC541-7B7A-43D3-8B79-37D633B846F1}">
+                <asvg:svgBlip xmlns:asvg="http://schemas.microsoft.com/office/drawing/2016/SVG/main" r:embed="rId13"/>
+              </a:ext>
+            </a:extLst>
+          </a:blip>
+          <a:stretch>
+            <a:fillRect/>
+          </a:stretch>
+        </p:blipFill>
+        <p:spPr>
+          <a:xfrm>
+            <a:off x="530550" y="3827384"/>
+            <a:ext cx="453238" cy="453238"/>
+          </a:xfrm>
+          <a:prstGeom prst="rect">
+            <a:avLst/>
+          </a:prstGeom>
+        </p:spPr>
+      </p:pic>
+      <p:sp>
+        <p:nvSpPr>
+          <p:cNvPr id="24" name="TextBox 23">
+            <a:extLst>
+              <a:ext uri="{FF2B5EF4-FFF2-40B4-BE49-F238E27FC236}">
+                <a16:creationId xmlns:a16="http://schemas.microsoft.com/office/drawing/2014/main" id="{3D161714-9B60-492D-9E58-F50B1C5EB884}"/>
+              </a:ext>
+            </a:extLst>
+          </p:cNvPr>
+          <p:cNvSpPr txBox="1"/>
+          <p:nvPr/>
+        </p:nvSpPr>
+        <p:spPr>
+          <a:xfrm>
+            <a:off x="1009215" y="3827384"/>
+            <a:ext cx="6643870" cy="400110"/>
+          </a:xfrm>
+          <a:prstGeom prst="rect">
+            <a:avLst/>
+          </a:prstGeom>
+          <a:noFill/>
+        </p:spPr>
+        <p:txBody>
+          <a:bodyPr wrap="none" rtlCol="0">
+            <a:spAutoFit/>
+          </a:bodyPr>
+          <a:lstStyle/>
+          <a:p>
+            <a:r>
+              <a:rPr lang="en-GB" sz="2000" b="1" dirty="0">
+                <a:latin typeface="Open Sans" panose="020B0606030504020204"/>
+              </a:rPr>
+              <a:t>$10-$3000 per month – Depends on job database size</a:t>
+            </a:r>
+          </a:p>
+        </p:txBody>
+      </p:sp>
+      <p:sp>
+        <p:nvSpPr>
+          <p:cNvPr id="32" name="Title 31">
+            <a:extLst>
+              <a:ext uri="{FF2B5EF4-FFF2-40B4-BE49-F238E27FC236}">
+                <a16:creationId xmlns:a16="http://schemas.microsoft.com/office/drawing/2014/main" id="{CA530E57-67DC-4A0D-8490-4EC415DCC45E}"/>
+              </a:ext>
+            </a:extLst>
+          </p:cNvPr>
+          <p:cNvSpPr>
+            <a:spLocks noGrp="1"/>
+          </p:cNvSpPr>
+          <p:nvPr>
+            <p:ph type="title"/>
+          </p:nvPr>
+        </p:nvSpPr>
+        <p:spPr/>
+        <p:txBody>
+          <a:bodyPr/>
+          <a:lstStyle/>
+          <a:p>
+            <a:r>
+              <a:rPr lang="en-GB" dirty="0"/>
+              <a:t>Elastic Database Jobs</a:t>
+            </a:r>
+          </a:p>
+        </p:txBody>
+      </p:sp>
+    </p:spTree>
+    <p:extLst>
+      <p:ext uri="{BB962C8B-B14F-4D97-AF65-F5344CB8AC3E}">
+        <p14:creationId xmlns:p14="http://schemas.microsoft.com/office/powerpoint/2010/main" val="263761694"/>
+      </p:ext>
+    </p:extLst>
+  </p:cSld>
+  <p:clrMapOvr>
+    <a:masterClrMapping/>
+  </p:clrMapOvr>
+</p:sld>
+</file>
+
+<file path=ppt/slides/slide7.xml><?xml version="1.0" encoding="utf-8"?>
+<p:sld xmlns:a="http://schemas.openxmlformats.org/drawingml/2006/main" xmlns:r="http://schemas.openxmlformats.org/officeDocument/2006/relationships" xmlns:p="http://schemas.openxmlformats.org/presentationml/2006/main">
+  <p:cSld>
+    <p:spTree>
+      <p:nvGrpSpPr>
+        <p:cNvPr id="1" name=""/>
+        <p:cNvGrpSpPr/>
+        <p:nvPr/>
+      </p:nvGrpSpPr>
+      <p:grpSpPr>
+        <a:xfrm>
+          <a:off x="0" y="0"/>
+          <a:ext cx="0" cy="0"/>
+          <a:chOff x="0" y="0"/>
+          <a:chExt cx="0" cy="0"/>
+        </a:xfrm>
+      </p:grpSpPr>
+      <p:pic>
+        <p:nvPicPr>
+          <p:cNvPr id="1026" name="Picture 2" descr="Elastic Job agent conceptual model">
+            <a:extLst>
+              <a:ext uri="{FF2B5EF4-FFF2-40B4-BE49-F238E27FC236}">
+                <a16:creationId xmlns:a16="http://schemas.microsoft.com/office/drawing/2014/main" id="{CEDE46D5-F081-4D71-94F7-32BB7A677BDD}"/>
+              </a:ext>
+            </a:extLst>
+          </p:cNvPr>
+          <p:cNvPicPr>
+            <a:picLocks noChangeAspect="1" noChangeArrowheads="1"/>
+          </p:cNvPicPr>
+          <p:nvPr/>
+        </p:nvPicPr>
+        <p:blipFill>
+          <a:blip r:embed="rId2">
+            <a:extLst>
+              <a:ext uri="{28A0092B-C50C-407E-A947-70E740481C1C}">
+                <a14:useLocalDpi xmlns:a14="http://schemas.microsoft.com/office/drawing/2010/main" val="0"/>
+              </a:ext>
+            </a:extLst>
+          </a:blip>
+          <a:srcRect/>
+          <a:stretch>
+            <a:fillRect/>
+          </a:stretch>
+        </p:blipFill>
+        <p:spPr bwMode="auto">
+          <a:xfrm>
+            <a:off x="1305816" y="672917"/>
+            <a:ext cx="6532368" cy="4096364"/>
+          </a:xfrm>
+          <a:prstGeom prst="rect">
+            <a:avLst/>
+          </a:prstGeom>
+          <a:noFill/>
+          <a:extLst>
+            <a:ext uri="{909E8E84-426E-40DD-AFC4-6F175D3DCCD1}">
+              <a14:hiddenFill xmlns:a14="http://schemas.microsoft.com/office/drawing/2010/main">
+                <a:solidFill>
+                  <a:srgbClr val="FFFFFF"/>
+                </a:solidFill>
+              </a14:hiddenFill>
+            </a:ext>
+          </a:extLst>
+        </p:spPr>
+      </p:pic>
+    </p:spTree>
+    <p:extLst>
+      <p:ext uri="{BB962C8B-B14F-4D97-AF65-F5344CB8AC3E}">
+        <p14:creationId xmlns:p14="http://schemas.microsoft.com/office/powerpoint/2010/main" val="855307315"/>
+      </p:ext>
+    </p:extLst>
+  </p:cSld>
+  <p:clrMapOvr>
+    <a:masterClrMapping/>
+  </p:clrMapOvr>
+</p:sld>
+</file>
+
+<file path=ppt/slides/slide8.xml><?xml version="1.0" encoding="utf-8"?>
+<p:sld xmlns:a="http://schemas.openxmlformats.org/drawingml/2006/main" xmlns:r="http://schemas.openxmlformats.org/officeDocument/2006/relationships" xmlns:p="http://schemas.openxmlformats.org/presentationml/2006/main">
+  <p:cSld>
+    <p:spTree>
+      <p:nvGrpSpPr>
+        <p:cNvPr id="1" name=""/>
+        <p:cNvGrpSpPr/>
+        <p:nvPr/>
+      </p:nvGrpSpPr>
+      <p:grpSpPr>
+        <a:xfrm>
+          <a:off x="0" y="0"/>
+          <a:ext cx="0" cy="0"/>
+          <a:chOff x="0" y="0"/>
+          <a:chExt cx="0" cy="0"/>
+        </a:xfrm>
+      </p:grpSpPr>
+      <p:sp>
+        <p:nvSpPr>
+          <p:cNvPr id="4" name="Titel 3"/>
+          <p:cNvSpPr>
+            <a:spLocks noGrp="1"/>
+          </p:cNvSpPr>
+          <p:nvPr>
+            <p:ph type="title"/>
+          </p:nvPr>
+        </p:nvSpPr>
+        <p:spPr/>
+        <p:txBody>
+          <a:bodyPr/>
+          <a:lstStyle/>
+          <a:p>
+            <a:r>
+              <a:rPr lang="de-DE" dirty="0"/>
+              <a:t>Azure Automation</a:t>
+            </a:r>
+          </a:p>
+        </p:txBody>
+      </p:sp>
+      <p:sp>
+        <p:nvSpPr>
+          <p:cNvPr id="7" name="TextBox 6">
+            <a:extLst>
+              <a:ext uri="{FF2B5EF4-FFF2-40B4-BE49-F238E27FC236}">
+                <a16:creationId xmlns:a16="http://schemas.microsoft.com/office/drawing/2014/main" id="{271261F0-C9F1-4BEC-8A68-D0A7EB1FDC6E}"/>
+              </a:ext>
+            </a:extLst>
+          </p:cNvPr>
+          <p:cNvSpPr txBox="1"/>
+          <p:nvPr/>
+        </p:nvSpPr>
+        <p:spPr>
+          <a:xfrm>
+            <a:off x="1022574" y="1562773"/>
+            <a:ext cx="2773131" cy="400110"/>
+          </a:xfrm>
+          <a:prstGeom prst="rect">
+            <a:avLst/>
+          </a:prstGeom>
+          <a:noFill/>
+        </p:spPr>
+        <p:txBody>
+          <a:bodyPr wrap="none" rtlCol="0">
+            <a:spAutoFit/>
+          </a:bodyPr>
+          <a:lstStyle/>
+          <a:p>
+            <a:r>
+              <a:rPr lang="en-GB" sz="2000" dirty="0">
+                <a:latin typeface="Open Sans" panose="020B0606030504020204"/>
+              </a:rPr>
+              <a:t>PowerShell &amp; Python 2</a:t>
+            </a:r>
+          </a:p>
+        </p:txBody>
+      </p:sp>
+      <p:sp>
+        <p:nvSpPr>
+          <p:cNvPr id="8" name="TextBox 7">
+            <a:extLst>
+              <a:ext uri="{FF2B5EF4-FFF2-40B4-BE49-F238E27FC236}">
+                <a16:creationId xmlns:a16="http://schemas.microsoft.com/office/drawing/2014/main" id="{27015994-49C3-4F09-BAE6-7CBA340F54A4}"/>
+              </a:ext>
+            </a:extLst>
+          </p:cNvPr>
+          <p:cNvSpPr txBox="1"/>
+          <p:nvPr/>
+        </p:nvSpPr>
+        <p:spPr>
+          <a:xfrm>
+            <a:off x="1022574" y="1986814"/>
+            <a:ext cx="4186082" cy="400110"/>
+          </a:xfrm>
+          <a:prstGeom prst="rect">
+            <a:avLst/>
+          </a:prstGeom>
+          <a:noFill/>
+        </p:spPr>
+        <p:txBody>
+          <a:bodyPr wrap="none" rtlCol="0">
+            <a:spAutoFit/>
+          </a:bodyPr>
+          <a:lstStyle/>
+          <a:p>
+            <a:r>
+              <a:rPr lang="en-GB" sz="2000" dirty="0">
+                <a:latin typeface="Open Sans" panose="020B0606030504020204"/>
+              </a:rPr>
+              <a:t>On-demand, schedule or web hook</a:t>
+            </a:r>
+          </a:p>
+        </p:txBody>
+      </p:sp>
+      <p:sp>
+        <p:nvSpPr>
+          <p:cNvPr id="9" name="TextBox 8">
+            <a:extLst>
+              <a:ext uri="{FF2B5EF4-FFF2-40B4-BE49-F238E27FC236}">
+                <a16:creationId xmlns:a16="http://schemas.microsoft.com/office/drawing/2014/main" id="{78F50BA5-6985-4ABE-B9BB-A22361BD6DB7}"/>
+              </a:ext>
+            </a:extLst>
+          </p:cNvPr>
+          <p:cNvSpPr txBox="1"/>
+          <p:nvPr/>
+        </p:nvSpPr>
+        <p:spPr>
+          <a:xfrm>
+            <a:off x="1022574" y="2498997"/>
+            <a:ext cx="2810000" cy="400110"/>
+          </a:xfrm>
+          <a:prstGeom prst="rect">
+            <a:avLst/>
+          </a:prstGeom>
+          <a:noFill/>
+        </p:spPr>
+        <p:txBody>
+          <a:bodyPr wrap="none" rtlCol="0">
+            <a:spAutoFit/>
+          </a:bodyPr>
+          <a:lstStyle/>
+          <a:p>
+            <a:r>
+              <a:rPr lang="en-GB" sz="2000" dirty="0">
+                <a:latin typeface="Open Sans" panose="020B0606030504020204"/>
+              </a:rPr>
+              <a:t>Secure variable storage</a:t>
+            </a:r>
+          </a:p>
+        </p:txBody>
+      </p:sp>
+      <p:sp>
+        <p:nvSpPr>
+          <p:cNvPr id="10" name="TextBox 9">
+            <a:extLst>
+              <a:ext uri="{FF2B5EF4-FFF2-40B4-BE49-F238E27FC236}">
+                <a16:creationId xmlns:a16="http://schemas.microsoft.com/office/drawing/2014/main" id="{932C615F-C7D4-40F8-A9FE-4233EA5A9F0D}"/>
+              </a:ext>
+            </a:extLst>
+          </p:cNvPr>
+          <p:cNvSpPr txBox="1"/>
+          <p:nvPr/>
+        </p:nvSpPr>
+        <p:spPr>
+          <a:xfrm>
+            <a:off x="1022574" y="2949540"/>
+            <a:ext cx="4650056" cy="400110"/>
+          </a:xfrm>
+          <a:prstGeom prst="rect">
+            <a:avLst/>
+          </a:prstGeom>
+          <a:noFill/>
+        </p:spPr>
+        <p:txBody>
+          <a:bodyPr wrap="none" rtlCol="0">
+            <a:spAutoFit/>
+          </a:bodyPr>
+          <a:lstStyle/>
+          <a:p>
+            <a:r>
+              <a:rPr lang="en-GB" sz="2000" dirty="0">
+                <a:latin typeface="Open Sans" panose="020B0606030504020204"/>
+              </a:rPr>
+              <a:t>3 hour execution window (with resume)</a:t>
+            </a:r>
+          </a:p>
+        </p:txBody>
+      </p:sp>
+      <p:sp>
+        <p:nvSpPr>
+          <p:cNvPr id="11" name="TextBox 10">
+            <a:extLst>
+              <a:ext uri="{FF2B5EF4-FFF2-40B4-BE49-F238E27FC236}">
+                <a16:creationId xmlns:a16="http://schemas.microsoft.com/office/drawing/2014/main" id="{F0499783-595C-4B55-A30C-49EB498100D7}"/>
+              </a:ext>
+            </a:extLst>
+          </p:cNvPr>
+          <p:cNvSpPr txBox="1"/>
+          <p:nvPr/>
+        </p:nvSpPr>
+        <p:spPr>
+          <a:xfrm>
+            <a:off x="1022574" y="3400083"/>
+            <a:ext cx="3043847" cy="400110"/>
+          </a:xfrm>
+          <a:prstGeom prst="rect">
+            <a:avLst/>
+          </a:prstGeom>
+          <a:noFill/>
+        </p:spPr>
+        <p:txBody>
+          <a:bodyPr wrap="none" rtlCol="0">
+            <a:spAutoFit/>
+          </a:bodyPr>
+          <a:lstStyle/>
+          <a:p>
+            <a:r>
+              <a:rPr lang="en-GB" sz="2000" dirty="0">
+                <a:latin typeface="Open Sans" panose="020B0606030504020204"/>
+              </a:rPr>
+              <a:t>Supports Hybrid Workers</a:t>
+            </a:r>
+          </a:p>
+        </p:txBody>
+      </p:sp>
+      <p:sp>
+        <p:nvSpPr>
+          <p:cNvPr id="12" name="TextBox 11">
+            <a:extLst>
+              <a:ext uri="{FF2B5EF4-FFF2-40B4-BE49-F238E27FC236}">
+                <a16:creationId xmlns:a16="http://schemas.microsoft.com/office/drawing/2014/main" id="{A4E12693-8553-48AC-AE9F-36EACA070C35}"/>
+              </a:ext>
+            </a:extLst>
+          </p:cNvPr>
+          <p:cNvSpPr txBox="1"/>
+          <p:nvPr/>
+        </p:nvSpPr>
+        <p:spPr>
+          <a:xfrm>
+            <a:off x="1022574" y="3913884"/>
+            <a:ext cx="5223033" cy="400110"/>
+          </a:xfrm>
+          <a:prstGeom prst="rect">
+            <a:avLst/>
+          </a:prstGeom>
+          <a:noFill/>
+        </p:spPr>
+        <p:txBody>
+          <a:bodyPr wrap="none" rtlCol="0">
+            <a:spAutoFit/>
+          </a:bodyPr>
+          <a:lstStyle/>
+          <a:p>
+            <a:r>
+              <a:rPr lang="en-GB" sz="2000" b="1" dirty="0">
+                <a:latin typeface="Open Sans" panose="020B0606030504020204"/>
+              </a:rPr>
+              <a:t>500 Minutes Free, then $0.002 per minute</a:t>
+            </a:r>
+          </a:p>
+        </p:txBody>
+      </p:sp>
+      <p:pic>
+        <p:nvPicPr>
+          <p:cNvPr id="14" name="Graphic 13">
+            <a:extLst>
+              <a:ext uri="{FF2B5EF4-FFF2-40B4-BE49-F238E27FC236}">
+                <a16:creationId xmlns:a16="http://schemas.microsoft.com/office/drawing/2014/main" id="{036ADD88-3275-457F-9ED7-F9CBC380B494}"/>
+              </a:ext>
+            </a:extLst>
+          </p:cNvPr>
+          <p:cNvPicPr>
+            <a:picLocks noChangeAspect="1"/>
+          </p:cNvPicPr>
+          <p:nvPr/>
+        </p:nvPicPr>
+        <p:blipFill>
+          <a:blip r:embed="rId2">
+            <a:extLst>
+              <a:ext uri="{28A0092B-C50C-407E-A947-70E740481C1C}">
+                <a14:useLocalDpi xmlns:a14="http://schemas.microsoft.com/office/drawing/2010/main" val="0"/>
+              </a:ext>
+              <a:ext uri="{96DAC541-7B7A-43D3-8B79-37D633B846F1}">
+                <asvg:svgBlip xmlns:asvg="http://schemas.microsoft.com/office/drawing/2016/SVG/main" r:embed="rId3"/>
+              </a:ext>
+            </a:extLst>
+          </a:blip>
+          <a:stretch>
+            <a:fillRect/>
+          </a:stretch>
+        </p:blipFill>
+        <p:spPr>
+          <a:xfrm>
+            <a:off x="609646" y="1563582"/>
+            <a:ext cx="398492" cy="398492"/>
+          </a:xfrm>
+          <a:prstGeom prst="rect">
+            <a:avLst/>
+          </a:prstGeom>
+        </p:spPr>
+      </p:pic>
+      <p:pic>
+        <p:nvPicPr>
+          <p:cNvPr id="16" name="Graphic 15">
+            <a:extLst>
+              <a:ext uri="{FF2B5EF4-FFF2-40B4-BE49-F238E27FC236}">
+                <a16:creationId xmlns:a16="http://schemas.microsoft.com/office/drawing/2014/main" id="{DDE3E167-1326-4AF6-A43A-FB1C3B2B810F}"/>
+              </a:ext>
+            </a:extLst>
+          </p:cNvPr>
+          <p:cNvPicPr>
+            <a:picLocks noChangeAspect="1"/>
+          </p:cNvPicPr>
+          <p:nvPr/>
+        </p:nvPicPr>
+        <p:blipFill>
+          <a:blip r:embed="rId4">
+            <a:extLst>
+              <a:ext uri="{28A0092B-C50C-407E-A947-70E740481C1C}">
+                <a14:useLocalDpi xmlns:a14="http://schemas.microsoft.com/office/drawing/2010/main" val="0"/>
+              </a:ext>
+              <a:ext uri="{96DAC541-7B7A-43D3-8B79-37D633B846F1}">
+                <asvg:svgBlip xmlns:asvg="http://schemas.microsoft.com/office/drawing/2016/SVG/main" r:embed="rId5"/>
+              </a:ext>
+            </a:extLst>
+          </a:blip>
+          <a:stretch>
+            <a:fillRect/>
+          </a:stretch>
+        </p:blipFill>
+        <p:spPr>
+          <a:xfrm>
+            <a:off x="624082" y="1986814"/>
+            <a:ext cx="398492" cy="398492"/>
+          </a:xfrm>
+          <a:prstGeom prst="rect">
+            <a:avLst/>
+          </a:prstGeom>
+        </p:spPr>
+      </p:pic>
+      <p:pic>
+        <p:nvPicPr>
+          <p:cNvPr id="18" name="Graphic 17">
+            <a:extLst>
+              <a:ext uri="{FF2B5EF4-FFF2-40B4-BE49-F238E27FC236}">
+                <a16:creationId xmlns:a16="http://schemas.microsoft.com/office/drawing/2014/main" id="{293BB37C-A466-4423-8BC7-39354623263F}"/>
+              </a:ext>
+            </a:extLst>
+          </p:cNvPr>
+          <p:cNvPicPr>
+            <a:picLocks noChangeAspect="1"/>
+          </p:cNvPicPr>
+          <p:nvPr/>
+        </p:nvPicPr>
+        <p:blipFill>
+          <a:blip r:embed="rId6">
+            <a:extLst>
+              <a:ext uri="{28A0092B-C50C-407E-A947-70E740481C1C}">
+                <a14:useLocalDpi xmlns:a14="http://schemas.microsoft.com/office/drawing/2010/main" val="0"/>
+              </a:ext>
+              <a:ext uri="{96DAC541-7B7A-43D3-8B79-37D633B846F1}">
+                <asvg:svgBlip xmlns:asvg="http://schemas.microsoft.com/office/drawing/2016/SVG/main" r:embed="rId7"/>
+              </a:ext>
+            </a:extLst>
+          </a:blip>
+          <a:stretch>
+            <a:fillRect/>
+          </a:stretch>
+        </p:blipFill>
+        <p:spPr>
+          <a:xfrm>
+            <a:off x="624082" y="2498997"/>
+            <a:ext cx="398492" cy="398492"/>
+          </a:xfrm>
+          <a:prstGeom prst="rect">
+            <a:avLst/>
+          </a:prstGeom>
+        </p:spPr>
+      </p:pic>
+      <p:pic>
+        <p:nvPicPr>
+          <p:cNvPr id="20" name="Graphic 19">
+            <a:extLst>
+              <a:ext uri="{FF2B5EF4-FFF2-40B4-BE49-F238E27FC236}">
+                <a16:creationId xmlns:a16="http://schemas.microsoft.com/office/drawing/2014/main" id="{3F0ADD11-CF73-4885-B643-C0F038CF09A7}"/>
+              </a:ext>
+            </a:extLst>
+          </p:cNvPr>
+          <p:cNvPicPr>
+            <a:picLocks noChangeAspect="1"/>
+          </p:cNvPicPr>
+          <p:nvPr/>
+        </p:nvPicPr>
+        <p:blipFill>
+          <a:blip r:embed="rId8">
+            <a:extLst>
+              <a:ext uri="{28A0092B-C50C-407E-A947-70E740481C1C}">
+                <a14:useLocalDpi xmlns:a14="http://schemas.microsoft.com/office/drawing/2010/main" val="0"/>
+              </a:ext>
+              <a:ext uri="{96DAC541-7B7A-43D3-8B79-37D633B846F1}">
+                <asvg:svgBlip xmlns:asvg="http://schemas.microsoft.com/office/drawing/2016/SVG/main" r:embed="rId9"/>
+              </a:ext>
+            </a:extLst>
+          </a:blip>
+          <a:stretch>
+            <a:fillRect/>
+          </a:stretch>
+        </p:blipFill>
+        <p:spPr>
+          <a:xfrm>
+            <a:off x="623273" y="2949540"/>
+            <a:ext cx="400110" cy="400110"/>
+          </a:xfrm>
+          <a:prstGeom prst="rect">
+            <a:avLst/>
+          </a:prstGeom>
+        </p:spPr>
+      </p:pic>
+      <p:pic>
+        <p:nvPicPr>
+          <p:cNvPr id="22" name="Graphic 21">
+            <a:extLst>
+              <a:ext uri="{FF2B5EF4-FFF2-40B4-BE49-F238E27FC236}">
+                <a16:creationId xmlns:a16="http://schemas.microsoft.com/office/drawing/2014/main" id="{914E7886-6DB1-4970-B6D7-6B8F0EF99DC2}"/>
+              </a:ext>
+            </a:extLst>
+          </p:cNvPr>
+          <p:cNvPicPr>
+            <a:picLocks noChangeAspect="1"/>
+          </p:cNvPicPr>
+          <p:nvPr/>
+        </p:nvPicPr>
+        <p:blipFill>
+          <a:blip r:embed="rId10">
+            <a:extLst>
+              <a:ext uri="{28A0092B-C50C-407E-A947-70E740481C1C}">
+                <a14:useLocalDpi xmlns:a14="http://schemas.microsoft.com/office/drawing/2010/main" val="0"/>
+              </a:ext>
+              <a:ext uri="{96DAC541-7B7A-43D3-8B79-37D633B846F1}">
+                <asvg:svgBlip xmlns:asvg="http://schemas.microsoft.com/office/drawing/2016/SVG/main" r:embed="rId11"/>
+              </a:ext>
+            </a:extLst>
+          </a:blip>
+          <a:stretch>
+            <a:fillRect/>
+          </a:stretch>
+        </p:blipFill>
+        <p:spPr>
+          <a:xfrm>
+            <a:off x="622449" y="3400083"/>
+            <a:ext cx="401758" cy="401758"/>
+          </a:xfrm>
+          <a:prstGeom prst="rect">
+            <a:avLst/>
+          </a:prstGeom>
+        </p:spPr>
+      </p:pic>
+      <p:pic>
+        <p:nvPicPr>
+          <p:cNvPr id="24" name="Graphic 23">
+            <a:extLst>
+              <a:ext uri="{FF2B5EF4-FFF2-40B4-BE49-F238E27FC236}">
+                <a16:creationId xmlns:a16="http://schemas.microsoft.com/office/drawing/2014/main" id="{68CA7681-B8E6-4264-B00F-6A76EED845A1}"/>
+              </a:ext>
+            </a:extLst>
+          </p:cNvPr>
+          <p:cNvPicPr>
+            <a:picLocks noChangeAspect="1"/>
+          </p:cNvPicPr>
+          <p:nvPr/>
+        </p:nvPicPr>
+        <p:blipFill>
+          <a:blip r:embed="rId12">
+            <a:extLst>
+              <a:ext uri="{28A0092B-C50C-407E-A947-70E740481C1C}">
+                <a14:useLocalDpi xmlns:a14="http://schemas.microsoft.com/office/drawing/2010/main" val="0"/>
+              </a:ext>
+              <a:ext uri="{96DAC541-7B7A-43D3-8B79-37D633B846F1}">
+                <asvg:svgBlip xmlns:asvg="http://schemas.microsoft.com/office/drawing/2016/SVG/main" r:embed="rId13"/>
+              </a:ext>
+            </a:extLst>
+          </a:blip>
+          <a:stretch>
+            <a:fillRect/>
+          </a:stretch>
+        </p:blipFill>
+        <p:spPr>
+          <a:xfrm>
+            <a:off x="589963" y="3913884"/>
+            <a:ext cx="400110" cy="400110"/>
+          </a:xfrm>
+          <a:prstGeom prst="rect">
+            <a:avLst/>
+          </a:prstGeom>
+        </p:spPr>
+      </p:pic>
+      <p:pic>
+        <p:nvPicPr>
+          <p:cNvPr id="25" name="Graphic 24">
+            <a:extLst>
+              <a:ext uri="{FF2B5EF4-FFF2-40B4-BE49-F238E27FC236}">
+                <a16:creationId xmlns:a16="http://schemas.microsoft.com/office/drawing/2014/main" id="{5CC248CD-C854-47C4-9EE5-6C5BEAF3A52B}"/>
+              </a:ext>
+            </a:extLst>
+          </p:cNvPr>
+          <p:cNvPicPr>
+            <a:picLocks noChangeAspect="1"/>
+          </p:cNvPicPr>
+          <p:nvPr/>
+        </p:nvPicPr>
+        <p:blipFill>
+          <a:blip r:embed="rId14">
+            <a:extLst>
+              <a:ext uri="{28A0092B-C50C-407E-A947-70E740481C1C}">
+                <a14:useLocalDpi xmlns:a14="http://schemas.microsoft.com/office/drawing/2010/main" val="0"/>
+              </a:ext>
+              <a:ext uri="{96DAC541-7B7A-43D3-8B79-37D633B846F1}">
+                <asvg:svgBlip xmlns:asvg="http://schemas.microsoft.com/office/drawing/2016/SVG/main" r:embed="rId15"/>
+              </a:ext>
+            </a:extLst>
+          </a:blip>
+          <a:stretch>
+            <a:fillRect/>
+          </a:stretch>
+        </p:blipFill>
+        <p:spPr>
+          <a:xfrm>
+            <a:off x="7052297" y="2038474"/>
+            <a:ext cx="1709237" cy="1709237"/>
+          </a:xfrm>
+          <a:prstGeom prst="rect">
+            <a:avLst/>
+          </a:prstGeom>
+        </p:spPr>
+      </p:pic>
+    </p:spTree>
+    <p:extLst>
+      <p:ext uri="{BB962C8B-B14F-4D97-AF65-F5344CB8AC3E}">
+        <p14:creationId xmlns:p14="http://schemas.microsoft.com/office/powerpoint/2010/main" val="2955254820"/>
+      </p:ext>
+    </p:extLst>
+  </p:cSld>
+  <p:clrMapOvr>
+    <a:masterClrMapping/>
+  </p:clrMapOvr>
+</p:sld>
+</file>
+
+<file path=ppt/slides/slide9.xml><?xml version="1.0" encoding="utf-8"?>
+<p:sld xmlns:a="http://schemas.openxmlformats.org/drawingml/2006/main" xmlns:r="http://schemas.openxmlformats.org/officeDocument/2006/relationships" xmlns:p="http://schemas.openxmlformats.org/presentationml/2006/main">
+  <p:cSld>
+    <p:spTree>
+      <p:nvGrpSpPr>
+        <p:cNvPr id="1" name=""/>
+        <p:cNvGrpSpPr/>
+        <p:nvPr/>
+      </p:nvGrpSpPr>
+      <p:grpSpPr>
+        <a:xfrm>
+          <a:off x="0" y="0"/>
+          <a:ext cx="0" cy="0"/>
+          <a:chOff x="0" y="0"/>
+          <a:chExt cx="0" cy="0"/>
+        </a:xfrm>
+      </p:grpSpPr>
+      <p:sp>
+        <p:nvSpPr>
+          <p:cNvPr id="4" name="Titel 3"/>
+          <p:cNvSpPr>
+            <a:spLocks noGrp="1"/>
+          </p:cNvSpPr>
+          <p:nvPr>
+            <p:ph type="title"/>
+          </p:nvPr>
+        </p:nvSpPr>
+        <p:spPr/>
+        <p:txBody>
+          <a:bodyPr/>
+          <a:lstStyle/>
+          <a:p>
+            <a:r>
+              <a:rPr lang="de-DE" dirty="0"/>
+              <a:t>Azure Functions</a:t>
+            </a:r>
+          </a:p>
+        </p:txBody>
+      </p:sp>
+      <p:sp>
+        <p:nvSpPr>
+          <p:cNvPr id="7" name="TextBox 6">
+            <a:extLst>
+              <a:ext uri="{FF2B5EF4-FFF2-40B4-BE49-F238E27FC236}">
+                <a16:creationId xmlns:a16="http://schemas.microsoft.com/office/drawing/2014/main" id="{1F23FF40-C630-490B-8D15-1E156FC3A181}"/>
+              </a:ext>
+            </a:extLst>
+          </p:cNvPr>
+          <p:cNvSpPr txBox="1"/>
+          <p:nvPr/>
+        </p:nvSpPr>
+        <p:spPr>
+          <a:xfrm>
+            <a:off x="755892" y="1551992"/>
+            <a:ext cx="3881512" cy="400110"/>
+          </a:xfrm>
+          <a:prstGeom prst="rect">
+            <a:avLst/>
+          </a:prstGeom>
+          <a:noFill/>
+        </p:spPr>
+        <p:txBody>
+          <a:bodyPr wrap="none" rtlCol="0">
+            <a:spAutoFit/>
+          </a:bodyPr>
+          <a:lstStyle/>
+          <a:p>
+            <a:r>
+              <a:rPr lang="en-GB" sz="2000" dirty="0">
+                <a:latin typeface="Open Sans" panose="020B0606030504020204"/>
+              </a:rPr>
+              <a:t>Serverless, Event based compute</a:t>
+            </a:r>
+          </a:p>
+        </p:txBody>
+      </p:sp>
+      <p:sp>
+        <p:nvSpPr>
+          <p:cNvPr id="8" name="TextBox 7">
+            <a:extLst>
+              <a:ext uri="{FF2B5EF4-FFF2-40B4-BE49-F238E27FC236}">
+                <a16:creationId xmlns:a16="http://schemas.microsoft.com/office/drawing/2014/main" id="{CC0DAEEE-B633-4B85-BF35-EAAF8A3567A0}"/>
+              </a:ext>
+            </a:extLst>
+          </p:cNvPr>
+          <p:cNvSpPr txBox="1"/>
+          <p:nvPr/>
+        </p:nvSpPr>
+        <p:spPr>
+          <a:xfrm>
+            <a:off x="755892" y="2020109"/>
+            <a:ext cx="4377930" cy="400110"/>
+          </a:xfrm>
+          <a:prstGeom prst="rect">
+            <a:avLst/>
+          </a:prstGeom>
+          <a:noFill/>
+        </p:spPr>
+        <p:txBody>
+          <a:bodyPr wrap="none" rtlCol="0">
+            <a:spAutoFit/>
+          </a:bodyPr>
+          <a:lstStyle/>
+          <a:p>
+            <a:r>
+              <a:rPr lang="en-GB" sz="2000" dirty="0">
+                <a:latin typeface="Open Sans" panose="020B0606030504020204"/>
+              </a:rPr>
+              <a:t>Multiple Languages, some in preview</a:t>
+            </a:r>
+          </a:p>
+        </p:txBody>
+      </p:sp>
+      <p:sp>
+        <p:nvSpPr>
+          <p:cNvPr id="9" name="TextBox 8">
+            <a:extLst>
+              <a:ext uri="{FF2B5EF4-FFF2-40B4-BE49-F238E27FC236}">
+                <a16:creationId xmlns:a16="http://schemas.microsoft.com/office/drawing/2014/main" id="{64B50B04-E4BA-4E91-BD4C-D8BDC027EB81}"/>
+              </a:ext>
+            </a:extLst>
+          </p:cNvPr>
+          <p:cNvSpPr txBox="1"/>
+          <p:nvPr/>
+        </p:nvSpPr>
+        <p:spPr>
+          <a:xfrm>
+            <a:off x="755892" y="2488226"/>
+            <a:ext cx="3390800" cy="400110"/>
+          </a:xfrm>
+          <a:prstGeom prst="rect">
+            <a:avLst/>
+          </a:prstGeom>
+          <a:noFill/>
+        </p:spPr>
+        <p:txBody>
+          <a:bodyPr wrap="none" rtlCol="0">
+            <a:spAutoFit/>
+          </a:bodyPr>
+          <a:lstStyle/>
+          <a:p>
+            <a:r>
+              <a:rPr lang="en-GB" sz="2000" dirty="0">
+                <a:latin typeface="Open Sans" panose="020B0606030504020204"/>
+              </a:rPr>
+              <a:t>Multiple triggers &amp; bindings</a:t>
+            </a:r>
+          </a:p>
+        </p:txBody>
+      </p:sp>
+      <p:sp>
+        <p:nvSpPr>
+          <p:cNvPr id="10" name="TextBox 9">
+            <a:extLst>
+              <a:ext uri="{FF2B5EF4-FFF2-40B4-BE49-F238E27FC236}">
+                <a16:creationId xmlns:a16="http://schemas.microsoft.com/office/drawing/2014/main" id="{819D8AE6-F2B6-42BA-BBD5-00C9EAF65F18}"/>
+              </a:ext>
+            </a:extLst>
+          </p:cNvPr>
+          <p:cNvSpPr txBox="1"/>
+          <p:nvPr/>
+        </p:nvSpPr>
+        <p:spPr>
+          <a:xfrm>
+            <a:off x="755892" y="2956343"/>
+            <a:ext cx="2732799" cy="400110"/>
+          </a:xfrm>
+          <a:prstGeom prst="rect">
+            <a:avLst/>
+          </a:prstGeom>
+          <a:noFill/>
+        </p:spPr>
+        <p:txBody>
+          <a:bodyPr wrap="none" rtlCol="0">
+            <a:spAutoFit/>
+          </a:bodyPr>
+          <a:lstStyle/>
+          <a:p>
+            <a:r>
+              <a:rPr lang="en-GB" sz="2000" dirty="0">
+                <a:latin typeface="Open Sans" panose="020B0606030504020204"/>
+              </a:rPr>
+              <a:t>Nearly instant start-up</a:t>
+            </a:r>
+          </a:p>
+        </p:txBody>
+      </p:sp>
+      <p:sp>
+        <p:nvSpPr>
+          <p:cNvPr id="11" name="TextBox 10">
+            <a:extLst>
+              <a:ext uri="{FF2B5EF4-FFF2-40B4-BE49-F238E27FC236}">
+                <a16:creationId xmlns:a16="http://schemas.microsoft.com/office/drawing/2014/main" id="{7C69AC43-97E9-4B2F-B183-6E8B3F04F7A6}"/>
+              </a:ext>
+            </a:extLst>
+          </p:cNvPr>
+          <p:cNvSpPr txBox="1"/>
+          <p:nvPr/>
+        </p:nvSpPr>
+        <p:spPr>
+          <a:xfrm>
+            <a:off x="755892" y="3424460"/>
+            <a:ext cx="4051365" cy="400110"/>
+          </a:xfrm>
+          <a:prstGeom prst="rect">
+            <a:avLst/>
+          </a:prstGeom>
+          <a:noFill/>
+        </p:spPr>
+        <p:txBody>
+          <a:bodyPr wrap="none" rtlCol="0">
+            <a:spAutoFit/>
+          </a:bodyPr>
+          <a:lstStyle/>
+          <a:p>
+            <a:r>
+              <a:rPr lang="en-GB" sz="2000" dirty="0">
+                <a:latin typeface="Open Sans" panose="020B0606030504020204"/>
+              </a:rPr>
+              <a:t>Autoscaling and dynamic memory</a:t>
+            </a:r>
+          </a:p>
+        </p:txBody>
+      </p:sp>
+      <p:sp>
+        <p:nvSpPr>
+          <p:cNvPr id="12" name="TextBox 11">
+            <a:extLst>
+              <a:ext uri="{FF2B5EF4-FFF2-40B4-BE49-F238E27FC236}">
+                <a16:creationId xmlns:a16="http://schemas.microsoft.com/office/drawing/2014/main" id="{3F6D86FD-4643-40C6-9436-CCC5CD699D3A}"/>
+              </a:ext>
+            </a:extLst>
+          </p:cNvPr>
+          <p:cNvSpPr txBox="1"/>
+          <p:nvPr/>
+        </p:nvSpPr>
+        <p:spPr>
+          <a:xfrm>
+            <a:off x="755892" y="3892577"/>
+            <a:ext cx="3304944" cy="400110"/>
+          </a:xfrm>
+          <a:prstGeom prst="rect">
+            <a:avLst/>
+          </a:prstGeom>
+          <a:noFill/>
+        </p:spPr>
+        <p:txBody>
+          <a:bodyPr wrap="none" rtlCol="0">
+            <a:spAutoFit/>
+          </a:bodyPr>
+          <a:lstStyle/>
+          <a:p>
+            <a:r>
+              <a:rPr lang="en-GB" sz="2000" dirty="0">
+                <a:latin typeface="Open Sans" panose="020B0606030504020204"/>
+              </a:rPr>
+              <a:t>5 minute execution window</a:t>
+            </a:r>
+          </a:p>
+        </p:txBody>
+      </p:sp>
+      <p:sp>
+        <p:nvSpPr>
+          <p:cNvPr id="13" name="TextBox 12">
+            <a:extLst>
+              <a:ext uri="{FF2B5EF4-FFF2-40B4-BE49-F238E27FC236}">
+                <a16:creationId xmlns:a16="http://schemas.microsoft.com/office/drawing/2014/main" id="{9E6DF2C1-5A9A-4A5D-B92C-CE4B53BB0A8F}"/>
+              </a:ext>
+            </a:extLst>
+          </p:cNvPr>
+          <p:cNvSpPr txBox="1"/>
+          <p:nvPr/>
+        </p:nvSpPr>
+        <p:spPr>
+          <a:xfrm>
+            <a:off x="755892" y="4360694"/>
+            <a:ext cx="8634095" cy="400110"/>
+          </a:xfrm>
+          <a:prstGeom prst="rect">
+            <a:avLst/>
+          </a:prstGeom>
+          <a:noFill/>
+        </p:spPr>
+        <p:txBody>
+          <a:bodyPr wrap="none" rtlCol="0">
+            <a:spAutoFit/>
+          </a:bodyPr>
+          <a:lstStyle/>
+          <a:p>
+            <a:r>
+              <a:rPr lang="en-GB" sz="2000" b="1" dirty="0">
+                <a:latin typeface="Open Sans" panose="020B0606030504020204"/>
+              </a:rPr>
+              <a:t>Large free grant, then $0.000016/GB-s &amp; 0.20 per million executions   </a:t>
+            </a:r>
+          </a:p>
+        </p:txBody>
+      </p:sp>
+      <p:pic>
+        <p:nvPicPr>
+          <p:cNvPr id="16" name="Graphic 15">
+            <a:extLst>
+              <a:ext uri="{FF2B5EF4-FFF2-40B4-BE49-F238E27FC236}">
+                <a16:creationId xmlns:a16="http://schemas.microsoft.com/office/drawing/2014/main" id="{8B7441A7-E6E8-423C-9D65-991B752EB7B5}"/>
+              </a:ext>
+            </a:extLst>
+          </p:cNvPr>
+          <p:cNvPicPr>
+            <a:picLocks noChangeAspect="1"/>
+          </p:cNvPicPr>
+          <p:nvPr/>
+        </p:nvPicPr>
+        <p:blipFill>
+          <a:blip r:embed="rId2">
+            <a:extLst>
+              <a:ext uri="{28A0092B-C50C-407E-A947-70E740481C1C}">
+                <a14:useLocalDpi xmlns:a14="http://schemas.microsoft.com/office/drawing/2010/main" val="0"/>
+              </a:ext>
+              <a:ext uri="{96DAC541-7B7A-43D3-8B79-37D633B846F1}">
+                <asvg:svgBlip xmlns:asvg="http://schemas.microsoft.com/office/drawing/2016/SVG/main" r:embed="rId3"/>
+              </a:ext>
+            </a:extLst>
+          </a:blip>
+          <a:stretch>
+            <a:fillRect/>
+          </a:stretch>
+        </p:blipFill>
+        <p:spPr>
+          <a:xfrm>
+            <a:off x="368985" y="2020109"/>
+            <a:ext cx="386907" cy="386907"/>
+          </a:xfrm>
+          <a:prstGeom prst="rect">
+            <a:avLst/>
+          </a:prstGeom>
+        </p:spPr>
+      </p:pic>
+      <p:pic>
+        <p:nvPicPr>
+          <p:cNvPr id="18" name="Graphic 17">
+            <a:extLst>
+              <a:ext uri="{FF2B5EF4-FFF2-40B4-BE49-F238E27FC236}">
+                <a16:creationId xmlns:a16="http://schemas.microsoft.com/office/drawing/2014/main" id="{A10476D9-A1CE-4DF7-9BA6-1F058CBBC413}"/>
+              </a:ext>
+            </a:extLst>
+          </p:cNvPr>
+          <p:cNvPicPr>
+            <a:picLocks noChangeAspect="1"/>
+          </p:cNvPicPr>
+          <p:nvPr/>
+        </p:nvPicPr>
+        <p:blipFill>
+          <a:blip r:embed="rId4">
+            <a:extLst>
+              <a:ext uri="{28A0092B-C50C-407E-A947-70E740481C1C}">
+                <a14:useLocalDpi xmlns:a14="http://schemas.microsoft.com/office/drawing/2010/main" val="0"/>
+              </a:ext>
+              <a:ext uri="{96DAC541-7B7A-43D3-8B79-37D633B846F1}">
+                <asvg:svgBlip xmlns:asvg="http://schemas.microsoft.com/office/drawing/2016/SVG/main" r:embed="rId5"/>
+              </a:ext>
+            </a:extLst>
+          </a:blip>
+          <a:stretch>
+            <a:fillRect/>
+          </a:stretch>
+        </p:blipFill>
+        <p:spPr>
+          <a:xfrm>
+            <a:off x="368985" y="2488226"/>
+            <a:ext cx="386907" cy="386907"/>
+          </a:xfrm>
+          <a:prstGeom prst="rect">
+            <a:avLst/>
+          </a:prstGeom>
+        </p:spPr>
+      </p:pic>
+      <p:pic>
+        <p:nvPicPr>
+          <p:cNvPr id="20" name="Graphic 19">
+            <a:extLst>
+              <a:ext uri="{FF2B5EF4-FFF2-40B4-BE49-F238E27FC236}">
+                <a16:creationId xmlns:a16="http://schemas.microsoft.com/office/drawing/2014/main" id="{5664389B-93E4-4BF4-A7F1-F8321598F9A5}"/>
+              </a:ext>
+            </a:extLst>
+          </p:cNvPr>
+          <p:cNvPicPr>
+            <a:picLocks noChangeAspect="1"/>
+          </p:cNvPicPr>
+          <p:nvPr/>
+        </p:nvPicPr>
+        <p:blipFill>
+          <a:blip r:embed="rId6">
+            <a:extLst>
+              <a:ext uri="{28A0092B-C50C-407E-A947-70E740481C1C}">
+                <a14:useLocalDpi xmlns:a14="http://schemas.microsoft.com/office/drawing/2010/main" val="0"/>
+              </a:ext>
+              <a:ext uri="{96DAC541-7B7A-43D3-8B79-37D633B846F1}">
+                <asvg:svgBlip xmlns:asvg="http://schemas.microsoft.com/office/drawing/2016/SVG/main" r:embed="rId7"/>
+              </a:ext>
+            </a:extLst>
+          </a:blip>
+          <a:stretch>
+            <a:fillRect/>
+          </a:stretch>
+        </p:blipFill>
+        <p:spPr>
+          <a:xfrm>
+            <a:off x="368985" y="2956343"/>
+            <a:ext cx="386907" cy="386907"/>
+          </a:xfrm>
+          <a:prstGeom prst="rect">
+            <a:avLst/>
+          </a:prstGeom>
+        </p:spPr>
+      </p:pic>
+      <p:pic>
+        <p:nvPicPr>
+          <p:cNvPr id="22" name="Graphic 21">
+            <a:extLst>
+              <a:ext uri="{FF2B5EF4-FFF2-40B4-BE49-F238E27FC236}">
+                <a16:creationId xmlns:a16="http://schemas.microsoft.com/office/drawing/2014/main" id="{3E2D5C69-D68F-481E-AE92-A5C0042607CA}"/>
+              </a:ext>
+            </a:extLst>
+          </p:cNvPr>
+          <p:cNvPicPr>
+            <a:picLocks noChangeAspect="1"/>
+          </p:cNvPicPr>
+          <p:nvPr/>
+        </p:nvPicPr>
+        <p:blipFill>
+          <a:blip r:embed="rId8">
+            <a:extLst>
+              <a:ext uri="{28A0092B-C50C-407E-A947-70E740481C1C}">
+                <a14:useLocalDpi xmlns:a14="http://schemas.microsoft.com/office/drawing/2010/main" val="0"/>
+              </a:ext>
+              <a:ext uri="{96DAC541-7B7A-43D3-8B79-37D633B846F1}">
+                <asvg:svgBlip xmlns:asvg="http://schemas.microsoft.com/office/drawing/2016/SVG/main" r:embed="rId9"/>
+              </a:ext>
+            </a:extLst>
+          </a:blip>
+          <a:stretch>
+            <a:fillRect/>
+          </a:stretch>
+        </p:blipFill>
+        <p:spPr>
+          <a:xfrm>
+            <a:off x="368985" y="3424460"/>
+            <a:ext cx="386907" cy="386907"/>
+          </a:xfrm>
+          <a:prstGeom prst="rect">
+            <a:avLst/>
+          </a:prstGeom>
+        </p:spPr>
+      </p:pic>
+      <p:pic>
+        <p:nvPicPr>
+          <p:cNvPr id="24" name="Graphic 23">
+            <a:extLst>
+              <a:ext uri="{FF2B5EF4-FFF2-40B4-BE49-F238E27FC236}">
+                <a16:creationId xmlns:a16="http://schemas.microsoft.com/office/drawing/2014/main" id="{81454264-2E4A-4C2B-AC53-DEC76EAD1CC3}"/>
+              </a:ext>
+            </a:extLst>
+          </p:cNvPr>
+          <p:cNvPicPr>
+            <a:picLocks noChangeAspect="1"/>
+          </p:cNvPicPr>
+          <p:nvPr/>
+        </p:nvPicPr>
+        <p:blipFill>
+          <a:blip r:embed="rId10">
+            <a:extLst>
+              <a:ext uri="{28A0092B-C50C-407E-A947-70E740481C1C}">
+                <a14:useLocalDpi xmlns:a14="http://schemas.microsoft.com/office/drawing/2010/main" val="0"/>
+              </a:ext>
+              <a:ext uri="{96DAC541-7B7A-43D3-8B79-37D633B846F1}">
+                <asvg:svgBlip xmlns:asvg="http://schemas.microsoft.com/office/drawing/2016/SVG/main" r:embed="rId11"/>
+              </a:ext>
+            </a:extLst>
+          </a:blip>
+          <a:stretch>
+            <a:fillRect/>
+          </a:stretch>
+        </p:blipFill>
+        <p:spPr>
+          <a:xfrm>
+            <a:off x="368985" y="3892577"/>
+            <a:ext cx="386907" cy="386907"/>
+          </a:xfrm>
+          <a:prstGeom prst="rect">
+            <a:avLst/>
+          </a:prstGeom>
+        </p:spPr>
+      </p:pic>
+      <p:pic>
+        <p:nvPicPr>
+          <p:cNvPr id="26" name="Graphic 25">
+            <a:extLst>
+              <a:ext uri="{FF2B5EF4-FFF2-40B4-BE49-F238E27FC236}">
+                <a16:creationId xmlns:a16="http://schemas.microsoft.com/office/drawing/2014/main" id="{5DFCDEAC-204F-4EEF-999D-7116D577C892}"/>
+              </a:ext>
+            </a:extLst>
+          </p:cNvPr>
+          <p:cNvPicPr>
+            <a:picLocks noChangeAspect="1"/>
+          </p:cNvPicPr>
+          <p:nvPr/>
+        </p:nvPicPr>
+        <p:blipFill>
+          <a:blip r:embed="rId12">
+            <a:extLst>
+              <a:ext uri="{28A0092B-C50C-407E-A947-70E740481C1C}">
+                <a14:useLocalDpi xmlns:a14="http://schemas.microsoft.com/office/drawing/2010/main" val="0"/>
+              </a:ext>
+              <a:ext uri="{96DAC541-7B7A-43D3-8B79-37D633B846F1}">
+                <asvg:svgBlip xmlns:asvg="http://schemas.microsoft.com/office/drawing/2016/SVG/main" r:embed="rId13"/>
+              </a:ext>
+            </a:extLst>
+          </a:blip>
+          <a:stretch>
+            <a:fillRect/>
+          </a:stretch>
+        </p:blipFill>
+        <p:spPr>
+          <a:xfrm>
+            <a:off x="368985" y="4360694"/>
+            <a:ext cx="386907" cy="386907"/>
+          </a:xfrm>
+          <a:prstGeom prst="rect">
+            <a:avLst/>
+          </a:prstGeom>
+        </p:spPr>
+      </p:pic>
+      <p:pic>
+        <p:nvPicPr>
+          <p:cNvPr id="28" name="Graphic 27">
+            <a:extLst>
+              <a:ext uri="{FF2B5EF4-FFF2-40B4-BE49-F238E27FC236}">
+                <a16:creationId xmlns:a16="http://schemas.microsoft.com/office/drawing/2014/main" id="{648AA4F6-A3FD-44CB-B2E8-D2D4EA1510A5}"/>
+              </a:ext>
+            </a:extLst>
+          </p:cNvPr>
+          <p:cNvPicPr>
+            <a:picLocks noChangeAspect="1"/>
+          </p:cNvPicPr>
+          <p:nvPr/>
+        </p:nvPicPr>
+        <p:blipFill>
+          <a:blip r:embed="rId14">
+            <a:extLst>
+              <a:ext uri="{28A0092B-C50C-407E-A947-70E740481C1C}">
+                <a14:useLocalDpi xmlns:a14="http://schemas.microsoft.com/office/drawing/2010/main" val="0"/>
+              </a:ext>
+              <a:ext uri="{96DAC541-7B7A-43D3-8B79-37D633B846F1}">
+                <asvg:svgBlip xmlns:asvg="http://schemas.microsoft.com/office/drawing/2016/SVG/main" r:embed="rId15"/>
+              </a:ext>
+            </a:extLst>
+          </a:blip>
+          <a:stretch>
+            <a:fillRect/>
+          </a:stretch>
+        </p:blipFill>
+        <p:spPr>
+          <a:xfrm>
+            <a:off x="368985" y="1551992"/>
+            <a:ext cx="386907" cy="386907"/>
+          </a:xfrm>
+          <a:prstGeom prst="rect">
+            <a:avLst/>
+          </a:prstGeom>
+        </p:spPr>
+      </p:pic>
+      <p:pic>
+        <p:nvPicPr>
+          <p:cNvPr id="29" name="Graphic 28">
+            <a:extLst>
+              <a:ext uri="{FF2B5EF4-FFF2-40B4-BE49-F238E27FC236}">
+                <a16:creationId xmlns:a16="http://schemas.microsoft.com/office/drawing/2014/main" id="{77064F2A-66F0-4DE2-AEEE-2832BB5CF6C6}"/>
+              </a:ext>
+            </a:extLst>
+          </p:cNvPr>
+          <p:cNvPicPr>
+            <a:picLocks noChangeAspect="1"/>
+          </p:cNvPicPr>
+          <p:nvPr/>
+        </p:nvPicPr>
+        <p:blipFill>
+          <a:blip r:embed="rId16">
+            <a:extLst>
+              <a:ext uri="{28A0092B-C50C-407E-A947-70E740481C1C}">
+                <a14:useLocalDpi xmlns:a14="http://schemas.microsoft.com/office/drawing/2010/main" val="0"/>
+              </a:ext>
+              <a:ext uri="{96DAC541-7B7A-43D3-8B79-37D633B846F1}">
+                <asvg:svgBlip xmlns:asvg="http://schemas.microsoft.com/office/drawing/2016/SVG/main" r:embed="rId17"/>
+              </a:ext>
+            </a:extLst>
+          </a:blip>
+          <a:stretch>
+            <a:fillRect/>
+          </a:stretch>
+        </p:blipFill>
+        <p:spPr>
+          <a:xfrm>
+            <a:off x="6819918" y="1827625"/>
+            <a:ext cx="1955097" cy="1955097"/>
+          </a:xfrm>
+          <a:prstGeom prst="rect">
+            <a:avLst/>
+          </a:prstGeom>
+        </p:spPr>
+      </p:pic>
+    </p:spTree>
+    <p:extLst>
+      <p:ext uri="{BB962C8B-B14F-4D97-AF65-F5344CB8AC3E}">
+        <p14:creationId xmlns:p14="http://schemas.microsoft.com/office/powerpoint/2010/main" val="2420668094"/>
+      </p:ext>
+    </p:extLst>
+  </p:cSld>
+  <p:clrMapOvr>
+    <a:masterClrMapping/>
+  </p:clrMapOvr>
+</p:sld>
+</file>
+
 <file path=ppt/theme/theme1.xml><?xml version="1.0" encoding="utf-8"?>
 <a:theme xmlns:a="http://schemas.openxmlformats.org/drawingml/2006/main" name="PASS2018">
   <a:themeElements>
@@ -5441,18 +7127,18 @@
 </file>
 
 <file path=customXml/item1.xml><?xml version="1.0" encoding="utf-8"?>
+<p:properties xmlns:p="http://schemas.microsoft.com/office/2006/metadata/properties" xmlns:xsi="http://www.w3.org/2001/XMLSchema-instance" xmlns:pc="http://schemas.microsoft.com/office/infopath/2007/PartnerControls">
+  <documentManagement/>
+</p:properties>
+</file>
+
+<file path=customXml/item2.xml><?xml version="1.0" encoding="utf-8"?>
 <?mso-contentType ?>
 <FormTemplates xmlns="http://schemas.microsoft.com/sharepoint/v3/contenttype/forms">
   <Display>DocumentLibraryForm</Display>
   <Edit>DocumentLibraryForm</Edit>
   <New>DocumentLibraryForm</New>
 </FormTemplates>
-</file>
-
-<file path=customXml/item2.xml><?xml version="1.0" encoding="utf-8"?>
-<p:properties xmlns:p="http://schemas.microsoft.com/office/2006/metadata/properties" xmlns:xsi="http://www.w3.org/2001/XMLSchema-instance" xmlns:pc="http://schemas.microsoft.com/office/infopath/2007/PartnerControls">
-  <documentManagement/>
-</p:properties>
 </file>
 
 <file path=customXml/item3.xml><?xml version="1.0" encoding="utf-8"?>
@@ -5608,14 +7294,6 @@
 </file>
 
 <file path=customXml/itemProps1.xml><?xml version="1.0" encoding="utf-8"?>
-<ds:datastoreItem xmlns:ds="http://schemas.openxmlformats.org/officeDocument/2006/customXml" ds:itemID="{6483B93A-BE84-4971-8DFD-315041BB031E}">
-  <ds:schemaRefs>
-    <ds:schemaRef ds:uri="http://schemas.microsoft.com/sharepoint/v3/contenttype/forms"/>
-  </ds:schemaRefs>
-</ds:datastoreItem>
-</file>
-
-<file path=customXml/itemProps2.xml><?xml version="1.0" encoding="utf-8"?>
 <ds:datastoreItem xmlns:ds="http://schemas.openxmlformats.org/officeDocument/2006/customXml" ds:itemID="{91C8F85B-73B6-492F-B42B-9E881BC2CA8F}">
   <ds:schemaRefs>
     <ds:schemaRef ds:uri="http://schemas.microsoft.com/office/2006/metadata/properties"/>
@@ -5627,6 +7305,14 @@
     <ds:schemaRef ds:uri="ef13cae3-ba53-4165-b278-d5c4c74da409"/>
     <ds:schemaRef ds:uri="http://schemas.openxmlformats.org/package/2006/metadata/core-properties"/>
     <ds:schemaRef ds:uri="http://www.w3.org/XML/1998/namespace"/>
+  </ds:schemaRefs>
+</ds:datastoreItem>
+</file>
+
+<file path=customXml/itemProps2.xml><?xml version="1.0" encoding="utf-8"?>
+<ds:datastoreItem xmlns:ds="http://schemas.openxmlformats.org/officeDocument/2006/customXml" ds:itemID="{6483B93A-BE84-4971-8DFD-315041BB031E}">
+  <ds:schemaRefs>
+    <ds:schemaRef ds:uri="http://schemas.microsoft.com/sharepoint/v3/contenttype/forms"/>
   </ds:schemaRefs>
 </ds:datastoreItem>
 </file>

--- a/sqlAgent/PASS-SQL19_PPT_Vorlage.pptx
+++ b/sqlAgent/PASS-SQL19_PPT_Vorlage.pptx
@@ -16,7 +16,8 @@
     <p:sldId id="278" r:id="rId13"/>
     <p:sldId id="272" r:id="rId14"/>
     <p:sldId id="260" r:id="rId15"/>
-    <p:sldId id="263" r:id="rId16"/>
+    <p:sldId id="279" r:id="rId16"/>
+    <p:sldId id="263" r:id="rId17"/>
   </p:sldIdLst>
   <p:sldSz cx="9144000" cy="5143500" type="screen16x9"/>
   <p:notesSz cx="6858000" cy="9144000"/>
@@ -3564,6 +3565,99 @@
       </p:grpSpPr>
       <p:sp>
         <p:nvSpPr>
+          <p:cNvPr id="2" name="Title 1">
+            <a:extLst>
+              <a:ext uri="{FF2B5EF4-FFF2-40B4-BE49-F238E27FC236}">
+                <a16:creationId xmlns:a16="http://schemas.microsoft.com/office/drawing/2014/main" id="{7A5EC121-CF92-4145-A370-A632C4287D0B}"/>
+              </a:ext>
+            </a:extLst>
+          </p:cNvPr>
+          <p:cNvSpPr>
+            <a:spLocks noGrp="1"/>
+          </p:cNvSpPr>
+          <p:nvPr>
+            <p:ph type="title"/>
+          </p:nvPr>
+        </p:nvSpPr>
+        <p:spPr/>
+        <p:txBody>
+          <a:bodyPr/>
+          <a:lstStyle/>
+          <a:p>
+            <a:r>
+              <a:rPr lang="en-GB" dirty="0"/>
+              <a:t>Feedback Please!</a:t>
+            </a:r>
+          </a:p>
+        </p:txBody>
+      </p:sp>
+      <p:pic>
+        <p:nvPicPr>
+          <p:cNvPr id="5" name="Content Placeholder 4">
+            <a:extLst>
+              <a:ext uri="{FF2B5EF4-FFF2-40B4-BE49-F238E27FC236}">
+                <a16:creationId xmlns:a16="http://schemas.microsoft.com/office/drawing/2014/main" id="{03922537-32D1-4425-AA93-B22563969658}"/>
+              </a:ext>
+            </a:extLst>
+          </p:cNvPr>
+          <p:cNvPicPr>
+            <a:picLocks noGrp="1" noChangeAspect="1"/>
+          </p:cNvPicPr>
+          <p:nvPr>
+            <p:ph idx="1"/>
+          </p:nvPr>
+        </p:nvPicPr>
+        <p:blipFill>
+          <a:blip r:embed="rId2" cstate="print">
+            <a:extLst>
+              <a:ext uri="{28A0092B-C50C-407E-A947-70E740481C1C}">
+                <a14:useLocalDpi xmlns:a14="http://schemas.microsoft.com/office/drawing/2010/main" val="0"/>
+              </a:ext>
+            </a:extLst>
+          </a:blip>
+          <a:stretch>
+            <a:fillRect/>
+          </a:stretch>
+        </p:blipFill>
+        <p:spPr>
+          <a:xfrm>
+            <a:off x="908050" y="1628775"/>
+            <a:ext cx="3014663" cy="3014663"/>
+          </a:xfrm>
+        </p:spPr>
+      </p:pic>
+    </p:spTree>
+    <p:extLst>
+      <p:ext uri="{BB962C8B-B14F-4D97-AF65-F5344CB8AC3E}">
+        <p14:creationId xmlns:p14="http://schemas.microsoft.com/office/powerpoint/2010/main" val="441499210"/>
+      </p:ext>
+    </p:extLst>
+  </p:cSld>
+  <p:clrMapOvr>
+    <a:masterClrMapping/>
+  </p:clrMapOvr>
+</p:sld>
+</file>
+
+<file path=ppt/slides/slide13.xml><?xml version="1.0" encoding="utf-8"?>
+<p:sld xmlns:a="http://schemas.openxmlformats.org/drawingml/2006/main" xmlns:r="http://schemas.openxmlformats.org/officeDocument/2006/relationships" xmlns:p="http://schemas.openxmlformats.org/presentationml/2006/main">
+  <p:cSld>
+    <p:spTree>
+      <p:nvGrpSpPr>
+        <p:cNvPr id="1" name=""/>
+        <p:cNvGrpSpPr/>
+        <p:nvPr/>
+      </p:nvGrpSpPr>
+      <p:grpSpPr>
+        <a:xfrm>
+          <a:off x="0" y="0"/>
+          <a:ext cx="0" cy="0"/>
+          <a:chOff x="0" y="0"/>
+          <a:chExt cx="0" cy="0"/>
+        </a:xfrm>
+      </p:grpSpPr>
+      <p:sp>
+        <p:nvSpPr>
           <p:cNvPr id="3" name="Textfeld 2"/>
           <p:cNvSpPr txBox="1"/>
           <p:nvPr/>
@@ -7133,15 +7227,6 @@
 </file>
 
 <file path=customXml/item2.xml><?xml version="1.0" encoding="utf-8"?>
-<?mso-contentType ?>
-<FormTemplates xmlns="http://schemas.microsoft.com/sharepoint/v3/contenttype/forms">
-  <Display>DocumentLibraryForm</Display>
-  <Edit>DocumentLibraryForm</Edit>
-  <New>DocumentLibraryForm</New>
-</FormTemplates>
-</file>
-
-<file path=customXml/item3.xml><?xml version="1.0" encoding="utf-8"?>
 <ct:contentTypeSchema xmlns:ct="http://schemas.microsoft.com/office/2006/metadata/contentType" xmlns:ma="http://schemas.microsoft.com/office/2006/metadata/properties/metaAttributes" ct:_="" ma:_="" ma:contentTypeName="Dokument" ma:contentTypeID="0x010100F0C2C937443F1143ABE2626FFE21DF7E" ma:contentTypeVersion="5" ma:contentTypeDescription="Ein neues Dokument erstellen." ma:contentTypeScope="" ma:versionID="9d08f7af65a802845b553bce3c1a69a6">
   <xsd:schema xmlns:xsd="http://www.w3.org/2001/XMLSchema" xmlns:xs="http://www.w3.org/2001/XMLSchema" xmlns:p="http://schemas.microsoft.com/office/2006/metadata/properties" xmlns:ns2="ef13cae3-ba53-4165-b278-d5c4c74da409" targetNamespace="http://schemas.microsoft.com/office/2006/metadata/properties" ma:root="true" ma:fieldsID="297c3a036ef232021b705fa62dfeed85" ns2:_="">
     <xsd:import namespace="ef13cae3-ba53-4165-b278-d5c4c74da409"/>
@@ -7293,6 +7378,15 @@
 </ct:contentTypeSchema>
 </file>
 
+<file path=customXml/item3.xml><?xml version="1.0" encoding="utf-8"?>
+<?mso-contentType ?>
+<FormTemplates xmlns="http://schemas.microsoft.com/sharepoint/v3/contenttype/forms">
+  <Display>DocumentLibraryForm</Display>
+  <Edit>DocumentLibraryForm</Edit>
+  <New>DocumentLibraryForm</New>
+</FormTemplates>
+</file>
+
 <file path=customXml/itemProps1.xml><?xml version="1.0" encoding="utf-8"?>
 <ds:datastoreItem xmlns:ds="http://schemas.openxmlformats.org/officeDocument/2006/customXml" ds:itemID="{91C8F85B-73B6-492F-B42B-9E881BC2CA8F}">
   <ds:schemaRefs>
@@ -7310,14 +7404,6 @@
 </file>
 
 <file path=customXml/itemProps2.xml><?xml version="1.0" encoding="utf-8"?>
-<ds:datastoreItem xmlns:ds="http://schemas.openxmlformats.org/officeDocument/2006/customXml" ds:itemID="{6483B93A-BE84-4971-8DFD-315041BB031E}">
-  <ds:schemaRefs>
-    <ds:schemaRef ds:uri="http://schemas.microsoft.com/sharepoint/v3/contenttype/forms"/>
-  </ds:schemaRefs>
-</ds:datastoreItem>
-</file>
-
-<file path=customXml/itemProps3.xml><?xml version="1.0" encoding="utf-8"?>
 <ds:datastoreItem xmlns:ds="http://schemas.openxmlformats.org/officeDocument/2006/customXml" ds:itemID="{B394047D-72EE-40F7-9908-BA0124D4A11A}">
   <ds:schemaRefs>
     <ds:schemaRef ds:uri="http://schemas.microsoft.com/office/2006/metadata/contentType"/>
@@ -7333,4 +7419,12 @@
     <ds:schemaRef ds:uri="http://schemas.microsoft.com/internal/obd"/>
   </ds:schemaRefs>
 </ds:datastoreItem>
+</file>
+
+<file path=customXml/itemProps3.xml><?xml version="1.0" encoding="utf-8"?>
+<ds:datastoreItem xmlns:ds="http://schemas.openxmlformats.org/officeDocument/2006/customXml" ds:itemID="{6483B93A-BE84-4971-8DFD-315041BB031E}">
+  <ds:schemaRefs>
+    <ds:schemaRef ds:uri="http://schemas.microsoft.com/sharepoint/v3/contenttype/forms"/>
+  </ds:schemaRefs>
+</ds:datastoreItem>
 </file>